--- a/120/NETCONF/draft-ietf-nmop-yang-message-broker-integration.pptx
+++ b/120/NETCONF/draft-ietf-nmop-yang-message-broker-integration.pptx
@@ -36098,7 +36098,7 @@
             </a:pPr>
             <a:r>
               <a:rPr lang="en-US" sz="1700" dirty="0"/>
-              <a:t>Feedback from Dhruv, Andy, Fend and Qin addressed in -01. Thank you very much!</a:t>
+              <a:t>Feedback from Dhruv, Andy, Feng and Qin addressed in -01. Thank you very much!</a:t>
             </a:r>
           </a:p>
           <a:p>

--- a/120/NETCONF/draft-ietf-nmop-yang-message-broker-integration.pptx
+++ b/120/NETCONF/draft-ietf-nmop-yang-message-broker-integration.pptx
@@ -138,6 +138,30 @@
 <file path=ppt/changesInfos/changesInfo1.xml><?xml version="1.0" encoding="utf-8"?>
 <pc:chgInfo xmlns:a="http://schemas.openxmlformats.org/drawingml/2006/main" xmlns:r="http://schemas.openxmlformats.org/officeDocument/2006/relationships" xmlns:ac="http://schemas.microsoft.com/office/drawing/2013/main/command" xmlns:pc="http://schemas.microsoft.com/office/powerpoint/2013/main/command">
   <pc:docChgLst>
+    <pc:chgData name="Graf Thomas, INI-NET-VNC-HCS" userId="487bc3e3-9ce7-4cdd-b7b4-8899ea88d289" providerId="ADAL" clId="{EB110180-FE40-41A5-A7A7-BD63C96EDD0C}"/>
+    <pc:docChg chg="modSld">
+      <pc:chgData name="Graf Thomas, INI-NET-VNC-HCS" userId="487bc3e3-9ce7-4cdd-b7b4-8899ea88d289" providerId="ADAL" clId="{EB110180-FE40-41A5-A7A7-BD63C96EDD0C}" dt="2024-06-30T09:32:15.173" v="30" actId="20577"/>
+      <pc:docMkLst>
+        <pc:docMk/>
+      </pc:docMkLst>
+      <pc:sldChg chg="modSp mod">
+        <pc:chgData name="Graf Thomas, INI-NET-VNC-HCS" userId="487bc3e3-9ce7-4cdd-b7b4-8899ea88d289" providerId="ADAL" clId="{EB110180-FE40-41A5-A7A7-BD63C96EDD0C}" dt="2024-06-30T09:32:15.173" v="30" actId="20577"/>
+        <pc:sldMkLst>
+          <pc:docMk/>
+          <pc:sldMk cId="22946092" sldId="2145706261"/>
+        </pc:sldMkLst>
+        <pc:spChg chg="mod">
+          <ac:chgData name="Graf Thomas, INI-NET-VNC-HCS" userId="487bc3e3-9ce7-4cdd-b7b4-8899ea88d289" providerId="ADAL" clId="{EB110180-FE40-41A5-A7A7-BD63C96EDD0C}" dt="2024-06-30T09:32:15.173" v="30" actId="20577"/>
+          <ac:spMkLst>
+            <pc:docMk/>
+            <pc:sldMk cId="22946092" sldId="2145706261"/>
+            <ac:spMk id="3" creationId="{29C0DFD4-432D-4B0C-93DF-790441DCF5B9}"/>
+          </ac:spMkLst>
+        </pc:spChg>
+      </pc:sldChg>
+    </pc:docChg>
+  </pc:docChgLst>
+  <pc:docChgLst>
     <pc:chgData name="Graf Thomas, INI-NET-VNC-HCS" userId="487bc3e3-9ce7-4cdd-b7b4-8899ea88d289" providerId="ADAL" clId="{278F4D00-A84F-403D-B695-8FF15EEE87AE}"/>
     <pc:docChg chg="modSld">
       <pc:chgData name="Graf Thomas, INI-NET-VNC-HCS" userId="487bc3e3-9ce7-4cdd-b7b4-8899ea88d289" providerId="ADAL" clId="{278F4D00-A84F-403D-B695-8FF15EEE87AE}" dt="2024-03-15T22:52:30.548" v="19" actId="113"/>
@@ -276,7 +300,7 @@
           <a:p>
             <a:fld id="{E5E705E9-673F-4AC4-B29E-A7B26F3B8523}" type="datetimeFigureOut">
               <a:rPr lang="de-CH" smtClean="0"/>
-              <a:t>16.06.2024</a:t>
+              <a:t>30.06.2024</a:t>
             </a:fld>
             <a:endParaRPr lang="de-CH"/>
           </a:p>
@@ -1622,7 +1646,7 @@
           <a:p>
             <a:fld id="{9E9B238C-2335-4007-98C9-471C02CC43B6}" type="datetimeFigureOut">
               <a:rPr lang="de-CH" smtClean="0"/>
-              <a:t>16.06.2024</a:t>
+              <a:t>30.06.2024</a:t>
             </a:fld>
             <a:endParaRPr lang="de-CH"/>
           </a:p>
@@ -1822,7 +1846,7 @@
           <a:p>
             <a:fld id="{9E9B238C-2335-4007-98C9-471C02CC43B6}" type="datetimeFigureOut">
               <a:rPr lang="de-CH" smtClean="0"/>
-              <a:t>16.06.2024</a:t>
+              <a:t>30.06.2024</a:t>
             </a:fld>
             <a:endParaRPr lang="de-CH"/>
           </a:p>
@@ -2032,7 +2056,7 @@
           <a:p>
             <a:fld id="{9E9B238C-2335-4007-98C9-471C02CC43B6}" type="datetimeFigureOut">
               <a:rPr lang="de-CH" smtClean="0"/>
-              <a:t>16.06.2024</a:t>
+              <a:t>30.06.2024</a:t>
             </a:fld>
             <a:endParaRPr lang="de-CH"/>
           </a:p>
@@ -3474,7 +3498,7 @@
           <a:p>
             <a:fld id="{9E9B238C-2335-4007-98C9-471C02CC43B6}" type="datetimeFigureOut">
               <a:rPr lang="de-CH" smtClean="0"/>
-              <a:t>16.06.2024</a:t>
+              <a:t>30.06.2024</a:t>
             </a:fld>
             <a:endParaRPr lang="de-CH"/>
           </a:p>
@@ -3750,7 +3774,7 @@
           <a:p>
             <a:fld id="{9E9B238C-2335-4007-98C9-471C02CC43B6}" type="datetimeFigureOut">
               <a:rPr lang="de-CH" smtClean="0"/>
-              <a:t>16.06.2024</a:t>
+              <a:t>30.06.2024</a:t>
             </a:fld>
             <a:endParaRPr lang="de-CH"/>
           </a:p>
@@ -4018,7 +4042,7 @@
           <a:p>
             <a:fld id="{9E9B238C-2335-4007-98C9-471C02CC43B6}" type="datetimeFigureOut">
               <a:rPr lang="de-CH" smtClean="0"/>
-              <a:t>16.06.2024</a:t>
+              <a:t>30.06.2024</a:t>
             </a:fld>
             <a:endParaRPr lang="de-CH"/>
           </a:p>
@@ -4433,7 +4457,7 @@
           <a:p>
             <a:fld id="{9E9B238C-2335-4007-98C9-471C02CC43B6}" type="datetimeFigureOut">
               <a:rPr lang="de-CH" smtClean="0"/>
-              <a:t>16.06.2024</a:t>
+              <a:t>30.06.2024</a:t>
             </a:fld>
             <a:endParaRPr lang="de-CH"/>
           </a:p>
@@ -4575,7 +4599,7 @@
           <a:p>
             <a:fld id="{9E9B238C-2335-4007-98C9-471C02CC43B6}" type="datetimeFigureOut">
               <a:rPr lang="de-CH" smtClean="0"/>
-              <a:t>16.06.2024</a:t>
+              <a:t>30.06.2024</a:t>
             </a:fld>
             <a:endParaRPr lang="de-CH"/>
           </a:p>
@@ -4688,7 +4712,7 @@
           <a:p>
             <a:fld id="{9E9B238C-2335-4007-98C9-471C02CC43B6}" type="datetimeFigureOut">
               <a:rPr lang="de-CH" smtClean="0"/>
-              <a:t>16.06.2024</a:t>
+              <a:t>30.06.2024</a:t>
             </a:fld>
             <a:endParaRPr lang="de-CH"/>
           </a:p>
@@ -5001,7 +5025,7 @@
           <a:p>
             <a:fld id="{9E9B238C-2335-4007-98C9-471C02CC43B6}" type="datetimeFigureOut">
               <a:rPr lang="de-CH" smtClean="0"/>
-              <a:t>16.06.2024</a:t>
+              <a:t>30.06.2024</a:t>
             </a:fld>
             <a:endParaRPr lang="de-CH"/>
           </a:p>
@@ -5290,7 +5314,7 @@
           <a:p>
             <a:fld id="{9E9B238C-2335-4007-98C9-471C02CC43B6}" type="datetimeFigureOut">
               <a:rPr lang="de-CH" smtClean="0"/>
-              <a:t>16.06.2024</a:t>
+              <a:t>30.06.2024</a:t>
             </a:fld>
             <a:endParaRPr lang="de-CH"/>
           </a:p>
@@ -5533,7 +5557,7 @@
           <a:p>
             <a:fld id="{9E9B238C-2335-4007-98C9-471C02CC43B6}" type="datetimeFigureOut">
               <a:rPr lang="de-CH" smtClean="0"/>
-              <a:t>16.06.2024</a:t>
+              <a:t>30.06.2024</a:t>
             </a:fld>
             <a:endParaRPr lang="de-CH"/>
           </a:p>
@@ -8372,7 +8396,15 @@
             </a:pPr>
             <a:r>
               <a:rPr lang="en-US" sz="1700" dirty="0"/>
-              <a:t>Minor editorial changes and implementation status section added.</a:t>
+              <a:t>Minor editorial changes and operational </a:t>
+            </a:r>
+            <a:r>
+              <a:rPr lang="en-US" sz="1700"/>
+              <a:t>considerations and implementation </a:t>
+            </a:r>
+            <a:r>
+              <a:rPr lang="en-US" sz="1700" dirty="0"/>
+              <a:t>status section added.</a:t>
             </a:r>
           </a:p>
           <a:p>

--- a/120/NETCONF/draft-ietf-nmop-yang-message-broker-integration.pptx
+++ b/120/NETCONF/draft-ietf-nmop-yang-message-broker-integration.pptx
@@ -139,19 +139,81 @@
 <pc:chgInfo xmlns:a="http://schemas.openxmlformats.org/drawingml/2006/main" xmlns:r="http://schemas.openxmlformats.org/officeDocument/2006/relationships" xmlns:ac="http://schemas.microsoft.com/office/drawing/2013/main/command" xmlns:pc="http://schemas.microsoft.com/office/powerpoint/2013/main/command">
   <pc:docChgLst>
     <pc:chgData name="Graf Thomas, INI-NET-VNC-HCS" userId="487bc3e3-9ce7-4cdd-b7b4-8899ea88d289" providerId="ADAL" clId="{EB110180-FE40-41A5-A7A7-BD63C96EDD0C}"/>
-    <pc:docChg chg="modSld">
-      <pc:chgData name="Graf Thomas, INI-NET-VNC-HCS" userId="487bc3e3-9ce7-4cdd-b7b4-8899ea88d289" providerId="ADAL" clId="{EB110180-FE40-41A5-A7A7-BD63C96EDD0C}" dt="2024-06-30T09:32:15.173" v="30" actId="20577"/>
+    <pc:docChg chg="custSel modSld">
+      <pc:chgData name="Graf Thomas, INI-NET-VNC-HCS" userId="487bc3e3-9ce7-4cdd-b7b4-8899ea88d289" providerId="ADAL" clId="{EB110180-FE40-41A5-A7A7-BD63C96EDD0C}" dt="2024-07-03T08:08:16.152" v="130" actId="478"/>
       <pc:docMkLst>
         <pc:docMk/>
       </pc:docMkLst>
       <pc:sldChg chg="modSp mod">
-        <pc:chgData name="Graf Thomas, INI-NET-VNC-HCS" userId="487bc3e3-9ce7-4cdd-b7b4-8899ea88d289" providerId="ADAL" clId="{EB110180-FE40-41A5-A7A7-BD63C96EDD0C}" dt="2024-06-30T09:32:15.173" v="30" actId="20577"/>
+        <pc:chgData name="Graf Thomas, INI-NET-VNC-HCS" userId="487bc3e3-9ce7-4cdd-b7b4-8899ea88d289" providerId="ADAL" clId="{EB110180-FE40-41A5-A7A7-BD63C96EDD0C}" dt="2024-07-03T08:08:08.944" v="129" actId="20577"/>
+        <pc:sldMkLst>
+          <pc:docMk/>
+          <pc:sldMk cId="3578665336" sldId="1041"/>
+        </pc:sldMkLst>
+        <pc:spChg chg="mod">
+          <ac:chgData name="Graf Thomas, INI-NET-VNC-HCS" userId="487bc3e3-9ce7-4cdd-b7b4-8899ea88d289" providerId="ADAL" clId="{EB110180-FE40-41A5-A7A7-BD63C96EDD0C}" dt="2024-07-03T08:08:08.944" v="129" actId="20577"/>
+          <ac:spMkLst>
+            <pc:docMk/>
+            <pc:sldMk cId="3578665336" sldId="1041"/>
+            <ac:spMk id="5" creationId="{C26208B2-0D10-4C23-B2DE-372A62E98644}"/>
+          </ac:spMkLst>
+        </pc:spChg>
+        <pc:spChg chg="mod">
+          <ac:chgData name="Graf Thomas, INI-NET-VNC-HCS" userId="487bc3e3-9ce7-4cdd-b7b4-8899ea88d289" providerId="ADAL" clId="{EB110180-FE40-41A5-A7A7-BD63C96EDD0C}" dt="2024-07-03T08:06:06.005" v="127" actId="20577"/>
+          <ac:spMkLst>
+            <pc:docMk/>
+            <pc:sldMk cId="3578665336" sldId="1041"/>
+            <ac:spMk id="6" creationId="{6CAA0765-1318-4A03-8F91-D3ECC43D8FA7}"/>
+          </ac:spMkLst>
+        </pc:spChg>
+      </pc:sldChg>
+      <pc:sldChg chg="delSp mod">
+        <pc:chgData name="Graf Thomas, INI-NET-VNC-HCS" userId="487bc3e3-9ce7-4cdd-b7b4-8899ea88d289" providerId="ADAL" clId="{EB110180-FE40-41A5-A7A7-BD63C96EDD0C}" dt="2024-07-03T08:08:16.152" v="130" actId="478"/>
+        <pc:sldMkLst>
+          <pc:docMk/>
+          <pc:sldMk cId="1916646710" sldId="2145706248"/>
+        </pc:sldMkLst>
+        <pc:spChg chg="del">
+          <ac:chgData name="Graf Thomas, INI-NET-VNC-HCS" userId="487bc3e3-9ce7-4cdd-b7b4-8899ea88d289" providerId="ADAL" clId="{EB110180-FE40-41A5-A7A7-BD63C96EDD0C}" dt="2024-07-03T08:08:16.152" v="130" actId="478"/>
+          <ac:spMkLst>
+            <pc:docMk/>
+            <pc:sldMk cId="1916646710" sldId="2145706248"/>
+            <ac:spMk id="56" creationId="{09029945-3AFE-7E1C-A103-BDA3D6654C67}"/>
+          </ac:spMkLst>
+        </pc:spChg>
+        <pc:grpChg chg="del">
+          <ac:chgData name="Graf Thomas, INI-NET-VNC-HCS" userId="487bc3e3-9ce7-4cdd-b7b4-8899ea88d289" providerId="ADAL" clId="{EB110180-FE40-41A5-A7A7-BD63C96EDD0C}" dt="2024-07-03T08:08:16.152" v="130" actId="478"/>
+          <ac:grpSpMkLst>
+            <pc:docMk/>
+            <pc:sldMk cId="1916646710" sldId="2145706248"/>
+            <ac:grpSpMk id="5" creationId="{3B251C8B-3DF7-9016-69AF-BE92FC105632}"/>
+          </ac:grpSpMkLst>
+        </pc:grpChg>
+        <pc:picChg chg="del">
+          <ac:chgData name="Graf Thomas, INI-NET-VNC-HCS" userId="487bc3e3-9ce7-4cdd-b7b4-8899ea88d289" providerId="ADAL" clId="{EB110180-FE40-41A5-A7A7-BD63C96EDD0C}" dt="2024-07-03T08:08:16.152" v="130" actId="478"/>
+          <ac:picMkLst>
+            <pc:docMk/>
+            <pc:sldMk cId="1916646710" sldId="2145706248"/>
+            <ac:picMk id="60" creationId="{4755309F-4AB7-B7AE-1EBC-631DA2DAB40D}"/>
+          </ac:picMkLst>
+        </pc:picChg>
+      </pc:sldChg>
+      <pc:sldChg chg="modSp mod">
+        <pc:chgData name="Graf Thomas, INI-NET-VNC-HCS" userId="487bc3e3-9ce7-4cdd-b7b4-8899ea88d289" providerId="ADAL" clId="{EB110180-FE40-41A5-A7A7-BD63C96EDD0C}" dt="2024-07-03T08:07:11.499" v="128" actId="20577"/>
         <pc:sldMkLst>
           <pc:docMk/>
           <pc:sldMk cId="22946092" sldId="2145706261"/>
         </pc:sldMkLst>
         <pc:spChg chg="mod">
-          <ac:chgData name="Graf Thomas, INI-NET-VNC-HCS" userId="487bc3e3-9ce7-4cdd-b7b4-8899ea88d289" providerId="ADAL" clId="{EB110180-FE40-41A5-A7A7-BD63C96EDD0C}" dt="2024-06-30T09:32:15.173" v="30" actId="20577"/>
+          <ac:chgData name="Graf Thomas, INI-NET-VNC-HCS" userId="487bc3e3-9ce7-4cdd-b7b4-8899ea88d289" providerId="ADAL" clId="{EB110180-FE40-41A5-A7A7-BD63C96EDD0C}" dt="2024-07-03T08:07:11.499" v="128" actId="20577"/>
+          <ac:spMkLst>
+            <pc:docMk/>
+            <pc:sldMk cId="22946092" sldId="2145706261"/>
+            <ac:spMk id="2" creationId="{FF20F271-6F0D-4AC0-BB1D-F5C338165C13}"/>
+          </ac:spMkLst>
+        </pc:spChg>
+        <pc:spChg chg="mod">
+          <ac:chgData name="Graf Thomas, INI-NET-VNC-HCS" userId="487bc3e3-9ce7-4cdd-b7b4-8899ea88d289" providerId="ADAL" clId="{EB110180-FE40-41A5-A7A7-BD63C96EDD0C}" dt="2024-07-03T08:05:55.429" v="119" actId="113"/>
           <ac:spMkLst>
             <pc:docMk/>
             <pc:sldMk cId="22946092" sldId="2145706261"/>
@@ -300,7 +362,7 @@
           <a:p>
             <a:fld id="{E5E705E9-673F-4AC4-B29E-A7B26F3B8523}" type="datetimeFigureOut">
               <a:rPr lang="de-CH" smtClean="0"/>
-              <a:t>30.06.2024</a:t>
+              <a:t>03.07.2024</a:t>
             </a:fld>
             <a:endParaRPr lang="de-CH"/>
           </a:p>
@@ -1646,7 +1708,7 @@
           <a:p>
             <a:fld id="{9E9B238C-2335-4007-98C9-471C02CC43B6}" type="datetimeFigureOut">
               <a:rPr lang="de-CH" smtClean="0"/>
-              <a:t>30.06.2024</a:t>
+              <a:t>03.07.2024</a:t>
             </a:fld>
             <a:endParaRPr lang="de-CH"/>
           </a:p>
@@ -1846,7 +1908,7 @@
           <a:p>
             <a:fld id="{9E9B238C-2335-4007-98C9-471C02CC43B6}" type="datetimeFigureOut">
               <a:rPr lang="de-CH" smtClean="0"/>
-              <a:t>30.06.2024</a:t>
+              <a:t>03.07.2024</a:t>
             </a:fld>
             <a:endParaRPr lang="de-CH"/>
           </a:p>
@@ -2056,7 +2118,7 @@
           <a:p>
             <a:fld id="{9E9B238C-2335-4007-98C9-471C02CC43B6}" type="datetimeFigureOut">
               <a:rPr lang="de-CH" smtClean="0"/>
-              <a:t>30.06.2024</a:t>
+              <a:t>03.07.2024</a:t>
             </a:fld>
             <a:endParaRPr lang="de-CH"/>
           </a:p>
@@ -3498,7 +3560,7 @@
           <a:p>
             <a:fld id="{9E9B238C-2335-4007-98C9-471C02CC43B6}" type="datetimeFigureOut">
               <a:rPr lang="de-CH" smtClean="0"/>
-              <a:t>30.06.2024</a:t>
+              <a:t>03.07.2024</a:t>
             </a:fld>
             <a:endParaRPr lang="de-CH"/>
           </a:p>
@@ -3774,7 +3836,7 @@
           <a:p>
             <a:fld id="{9E9B238C-2335-4007-98C9-471C02CC43B6}" type="datetimeFigureOut">
               <a:rPr lang="de-CH" smtClean="0"/>
-              <a:t>30.06.2024</a:t>
+              <a:t>03.07.2024</a:t>
             </a:fld>
             <a:endParaRPr lang="de-CH"/>
           </a:p>
@@ -4042,7 +4104,7 @@
           <a:p>
             <a:fld id="{9E9B238C-2335-4007-98C9-471C02CC43B6}" type="datetimeFigureOut">
               <a:rPr lang="de-CH" smtClean="0"/>
-              <a:t>30.06.2024</a:t>
+              <a:t>03.07.2024</a:t>
             </a:fld>
             <a:endParaRPr lang="de-CH"/>
           </a:p>
@@ -4457,7 +4519,7 @@
           <a:p>
             <a:fld id="{9E9B238C-2335-4007-98C9-471C02CC43B6}" type="datetimeFigureOut">
               <a:rPr lang="de-CH" smtClean="0"/>
-              <a:t>30.06.2024</a:t>
+              <a:t>03.07.2024</a:t>
             </a:fld>
             <a:endParaRPr lang="de-CH"/>
           </a:p>
@@ -4599,7 +4661,7 @@
           <a:p>
             <a:fld id="{9E9B238C-2335-4007-98C9-471C02CC43B6}" type="datetimeFigureOut">
               <a:rPr lang="de-CH" smtClean="0"/>
-              <a:t>30.06.2024</a:t>
+              <a:t>03.07.2024</a:t>
             </a:fld>
             <a:endParaRPr lang="de-CH"/>
           </a:p>
@@ -4712,7 +4774,7 @@
           <a:p>
             <a:fld id="{9E9B238C-2335-4007-98C9-471C02CC43B6}" type="datetimeFigureOut">
               <a:rPr lang="de-CH" smtClean="0"/>
-              <a:t>30.06.2024</a:t>
+              <a:t>03.07.2024</a:t>
             </a:fld>
             <a:endParaRPr lang="de-CH"/>
           </a:p>
@@ -5025,7 +5087,7 @@
           <a:p>
             <a:fld id="{9E9B238C-2335-4007-98C9-471C02CC43B6}" type="datetimeFigureOut">
               <a:rPr lang="de-CH" smtClean="0"/>
-              <a:t>30.06.2024</a:t>
+              <a:t>03.07.2024</a:t>
             </a:fld>
             <a:endParaRPr lang="de-CH"/>
           </a:p>
@@ -5314,7 +5376,7 @@
           <a:p>
             <a:fld id="{9E9B238C-2335-4007-98C9-471C02CC43B6}" type="datetimeFigureOut">
               <a:rPr lang="de-CH" smtClean="0"/>
-              <a:t>30.06.2024</a:t>
+              <a:t>03.07.2024</a:t>
             </a:fld>
             <a:endParaRPr lang="de-CH"/>
           </a:p>
@@ -5557,7 +5619,7 @@
           <a:p>
             <a:fld id="{9E9B238C-2335-4007-98C9-471C02CC43B6}" type="datetimeFigureOut">
               <a:rPr lang="de-CH" smtClean="0"/>
-              <a:t>30.06.2024</a:t>
+              <a:t>03.07.2024</a:t>
             </a:fld>
             <a:endParaRPr lang="de-CH"/>
           </a:p>
@@ -6040,7 +6102,7 @@
             </a:br>
             <a:r>
               <a:rPr lang="en-US" sz="2800" dirty="0"/>
-              <a:t>draft-ietf-nmop-yang-message-broker-integration-01</a:t>
+              <a:t>draft-ietf-nmop-yang-message-broker-integration-03</a:t>
             </a:r>
           </a:p>
           <a:p>
@@ -6354,7 +6416,19 @@
               <a:rPr lang="de-CH" sz="1400" dirty="0">
                 <a:latin typeface="+mj-lt"/>
               </a:rPr>
-              <a:t>16. June </a:t>
+              <a:t>03. </a:t>
+            </a:r>
+            <a:r>
+              <a:rPr lang="de-CH" sz="1400" dirty="0" err="1">
+                <a:latin typeface="+mj-lt"/>
+              </a:rPr>
+              <a:t>July</a:t>
+            </a:r>
+            <a:r>
+              <a:rPr lang="de-CH" sz="1400" dirty="0">
+                <a:latin typeface="+mj-lt"/>
+              </a:rPr>
+              <a:t> </a:t>
             </a:r>
             <a:r>
               <a:rPr lang="de-CH" sz="1400" dirty="0">
@@ -8255,7 +8329,7 @@
                   </a:schemeClr>
                 </a:solidFill>
               </a:rPr>
-              <a:t>draft-tgraf-netconf-yang-push-observation-time-01</a:t>
+              <a:t>draft-tgraf-netconf-yang-push-observation-time-02</a:t>
             </a:r>
             <a:r>
               <a:rPr lang="en-GB" sz="2400" dirty="0">
@@ -8362,19 +8436,22 @@
             <a:pPr lvl="2"/>
             <a:r>
               <a:rPr lang="en-US" sz="1700" dirty="0"/>
-              <a:t>For "on-change" subscriptions, the value of point-in-time is either </a:t>
+              <a:t>For "on-change" subscriptions, the value of point-in-time is </a:t>
             </a:r>
             <a:r>
               <a:rPr lang="en-US" sz="1700" b="1" dirty="0"/>
-              <a:t>"state-changed", when the state change was observed in real-time </a:t>
-            </a:r>
+              <a:t>"state-changed", when the state change was observed in real-time.</a:t>
+            </a:r>
+          </a:p>
+          <a:p>
+            <a:pPr lvl="2"/>
             <a:r>
               <a:rPr lang="en-US" sz="1700" dirty="0"/>
-              <a:t>with or without sync on start option. Or it is </a:t>
+              <a:t>For "on-change" subscriptions with the "sync on start option", the value of point-in-time </a:t>
             </a:r>
             <a:r>
               <a:rPr lang="en-US" sz="1700" b="1" dirty="0"/>
-              <a:t>"current-state" when it was observed after the YANG-Push subscription was established and the time since the state changed to current state is unknown. </a:t>
+              <a:t>for the initial state is "initial-state".</a:t>
             </a:r>
           </a:p>
           <a:p>
@@ -8396,15 +8473,7 @@
             </a:pPr>
             <a:r>
               <a:rPr lang="en-US" sz="1700" dirty="0"/>
-              <a:t>Minor editorial changes and operational </a:t>
-            </a:r>
-            <a:r>
-              <a:rPr lang="en-US" sz="1700"/>
-              <a:t>considerations and implementation </a:t>
-            </a:r>
-            <a:r>
-              <a:rPr lang="en-US" sz="1700" dirty="0"/>
-              <a:t>status section added.</a:t>
+              <a:t>Minor editorial changes and operational considerations and implementation status section added.</a:t>
             </a:r>
           </a:p>
           <a:p>
@@ -22398,908 +22467,6 @@
             </p:cNvSpPr>
             <p:nvPr>
               <p:custDataLst>
-                <p:tags r:id="rId11"/>
-              </p:custDataLst>
-            </p:nvPr>
-          </p:nvSpPr>
-          <p:spPr bwMode="gray">
-            <a:xfrm>
-              <a:off x="5891686" y="2589438"/>
-              <a:ext cx="1940934" cy="1940720"/>
-            </a:xfrm>
-            <a:custGeom>
-              <a:avLst/>
-              <a:gdLst>
-                <a:gd name="T0" fmla="*/ 210 w 495"/>
-                <a:gd name="T1" fmla="*/ 267 h 493"/>
-                <a:gd name="T2" fmla="*/ 214 w 495"/>
-                <a:gd name="T3" fmla="*/ 274 h 493"/>
-                <a:gd name="T4" fmla="*/ 223 w 495"/>
-                <a:gd name="T5" fmla="*/ 282 h 493"/>
-                <a:gd name="T6" fmla="*/ 238 w 495"/>
-                <a:gd name="T7" fmla="*/ 288 h 493"/>
-                <a:gd name="T8" fmla="*/ 246 w 495"/>
-                <a:gd name="T9" fmla="*/ 289 h 493"/>
-                <a:gd name="T10" fmla="*/ 254 w 495"/>
-                <a:gd name="T11" fmla="*/ 289 h 493"/>
-                <a:gd name="T12" fmla="*/ 266 w 495"/>
-                <a:gd name="T13" fmla="*/ 286 h 493"/>
-                <a:gd name="T14" fmla="*/ 273 w 495"/>
-                <a:gd name="T15" fmla="*/ 283 h 493"/>
-                <a:gd name="T16" fmla="*/ 280 w 495"/>
-                <a:gd name="T17" fmla="*/ 278 h 493"/>
-                <a:gd name="T18" fmla="*/ 285 w 495"/>
-                <a:gd name="T19" fmla="*/ 272 h 493"/>
-                <a:gd name="T20" fmla="*/ 292 w 495"/>
-                <a:gd name="T21" fmla="*/ 262 h 493"/>
-                <a:gd name="T22" fmla="*/ 294 w 495"/>
-                <a:gd name="T23" fmla="*/ 254 h 493"/>
-                <a:gd name="T24" fmla="*/ 296 w 495"/>
-                <a:gd name="T25" fmla="*/ 246 h 493"/>
-                <a:gd name="T26" fmla="*/ 295 w 495"/>
-                <a:gd name="T27" fmla="*/ 238 h 493"/>
-                <a:gd name="T28" fmla="*/ 291 w 495"/>
-                <a:gd name="T29" fmla="*/ 223 h 493"/>
-                <a:gd name="T30" fmla="*/ 287 w 495"/>
-                <a:gd name="T31" fmla="*/ 216 h 493"/>
-                <a:gd name="T32" fmla="*/ 282 w 495"/>
-                <a:gd name="T33" fmla="*/ 210 h 493"/>
-                <a:gd name="T34" fmla="*/ 275 w 495"/>
-                <a:gd name="T35" fmla="*/ 205 h 493"/>
-                <a:gd name="T36" fmla="*/ 261 w 495"/>
-                <a:gd name="T37" fmla="*/ 198 h 493"/>
-                <a:gd name="T38" fmla="*/ 253 w 495"/>
-                <a:gd name="T39" fmla="*/ 197 h 493"/>
-                <a:gd name="T40" fmla="*/ 244 w 495"/>
-                <a:gd name="T41" fmla="*/ 197 h 493"/>
-                <a:gd name="T42" fmla="*/ 229 w 495"/>
-                <a:gd name="T43" fmla="*/ 202 h 493"/>
-                <a:gd name="T44" fmla="*/ 222 w 495"/>
-                <a:gd name="T45" fmla="*/ 206 h 493"/>
-                <a:gd name="T46" fmla="*/ 216 w 495"/>
-                <a:gd name="T47" fmla="*/ 211 h 493"/>
-                <a:gd name="T48" fmla="*/ 207 w 495"/>
-                <a:gd name="T49" fmla="*/ 224 h 493"/>
-                <a:gd name="T50" fmla="*/ 204 w 495"/>
-                <a:gd name="T51" fmla="*/ 236 h 493"/>
-                <a:gd name="T52" fmla="*/ 203 w 495"/>
-                <a:gd name="T53" fmla="*/ 244 h 493"/>
-                <a:gd name="T54" fmla="*/ 205 w 495"/>
-                <a:gd name="T55" fmla="*/ 256 h 493"/>
-                <a:gd name="T56" fmla="*/ 157 w 495"/>
-                <a:gd name="T57" fmla="*/ 13 h 493"/>
-                <a:gd name="T58" fmla="*/ 240 w 495"/>
-                <a:gd name="T59" fmla="*/ 51 h 493"/>
-                <a:gd name="T60" fmla="*/ 263 w 495"/>
-                <a:gd name="T61" fmla="*/ 51 h 493"/>
-                <a:gd name="T62" fmla="*/ 285 w 495"/>
-                <a:gd name="T63" fmla="*/ 54 h 493"/>
-                <a:gd name="T64" fmla="*/ 369 w 495"/>
-                <a:gd name="T65" fmla="*/ 26 h 493"/>
-                <a:gd name="T66" fmla="*/ 375 w 495"/>
-                <a:gd name="T67" fmla="*/ 97 h 493"/>
-                <a:gd name="T68" fmla="*/ 387 w 495"/>
-                <a:gd name="T69" fmla="*/ 109 h 493"/>
-                <a:gd name="T70" fmla="*/ 398 w 495"/>
-                <a:gd name="T71" fmla="*/ 122 h 493"/>
-                <a:gd name="T72" fmla="*/ 483 w 495"/>
-                <a:gd name="T73" fmla="*/ 158 h 493"/>
-                <a:gd name="T74" fmla="*/ 439 w 495"/>
-                <a:gd name="T75" fmla="*/ 213 h 493"/>
-                <a:gd name="T76" fmla="*/ 441 w 495"/>
-                <a:gd name="T77" fmla="*/ 234 h 493"/>
-                <a:gd name="T78" fmla="*/ 495 w 495"/>
-                <a:gd name="T79" fmla="*/ 283 h 493"/>
-                <a:gd name="T80" fmla="*/ 420 w 495"/>
-                <a:gd name="T81" fmla="*/ 332 h 493"/>
-                <a:gd name="T82" fmla="*/ 409 w 495"/>
-                <a:gd name="T83" fmla="*/ 351 h 493"/>
-                <a:gd name="T84" fmla="*/ 398 w 495"/>
-                <a:gd name="T85" fmla="*/ 365 h 493"/>
-                <a:gd name="T86" fmla="*/ 411 w 495"/>
-                <a:gd name="T87" fmla="*/ 430 h 493"/>
-                <a:gd name="T88" fmla="*/ 323 w 495"/>
-                <a:gd name="T89" fmla="*/ 421 h 493"/>
-                <a:gd name="T90" fmla="*/ 302 w 495"/>
-                <a:gd name="T91" fmla="*/ 428 h 493"/>
-                <a:gd name="T92" fmla="*/ 282 w 495"/>
-                <a:gd name="T93" fmla="*/ 433 h 493"/>
-                <a:gd name="T94" fmla="*/ 211 w 495"/>
-                <a:gd name="T95" fmla="*/ 489 h 493"/>
-                <a:gd name="T96" fmla="*/ 182 w 495"/>
-                <a:gd name="T97" fmla="*/ 423 h 493"/>
-                <a:gd name="T98" fmla="*/ 162 w 495"/>
-                <a:gd name="T99" fmla="*/ 414 h 493"/>
-                <a:gd name="T100" fmla="*/ 96 w 495"/>
-                <a:gd name="T101" fmla="*/ 439 h 493"/>
-                <a:gd name="T102" fmla="*/ 88 w 495"/>
-                <a:gd name="T103" fmla="*/ 348 h 493"/>
-                <a:gd name="T104" fmla="*/ 82 w 495"/>
-                <a:gd name="T105" fmla="*/ 338 h 493"/>
-                <a:gd name="T106" fmla="*/ 72 w 495"/>
-                <a:gd name="T107" fmla="*/ 318 h 493"/>
-                <a:gd name="T108" fmla="*/ 5 w 495"/>
-                <a:gd name="T109" fmla="*/ 291 h 493"/>
-                <a:gd name="T110" fmla="*/ 59 w 495"/>
-                <a:gd name="T111" fmla="*/ 219 h 493"/>
-                <a:gd name="T112" fmla="*/ 63 w 495"/>
-                <a:gd name="T113" fmla="*/ 197 h 493"/>
-                <a:gd name="T114" fmla="*/ 66 w 495"/>
-                <a:gd name="T115" fmla="*/ 186 h 493"/>
-                <a:gd name="T116" fmla="*/ 32 w 495"/>
-                <a:gd name="T117" fmla="*/ 124 h 493"/>
-                <a:gd name="T118" fmla="*/ 118 w 495"/>
-                <a:gd name="T119" fmla="*/ 102 h 493"/>
-                <a:gd name="T120" fmla="*/ 136 w 495"/>
-                <a:gd name="T121" fmla="*/ 88 h 493"/>
-                <a:gd name="T122" fmla="*/ 155 w 495"/>
-                <a:gd name="T123" fmla="*/ 76 h 493"/>
-                <a:gd name="T124" fmla="*/ 0 60000 65536"/>
-                <a:gd name="T125" fmla="*/ 0 60000 65536"/>
-                <a:gd name="T126" fmla="*/ 0 60000 65536"/>
-                <a:gd name="T127" fmla="*/ 0 60000 65536"/>
-                <a:gd name="T128" fmla="*/ 0 60000 65536"/>
-                <a:gd name="T129" fmla="*/ 0 60000 65536"/>
-                <a:gd name="T130" fmla="*/ 0 60000 65536"/>
-                <a:gd name="T131" fmla="*/ 0 60000 65536"/>
-                <a:gd name="T132" fmla="*/ 0 60000 65536"/>
-                <a:gd name="T133" fmla="*/ 0 60000 65536"/>
-                <a:gd name="T134" fmla="*/ 0 60000 65536"/>
-                <a:gd name="T135" fmla="*/ 0 60000 65536"/>
-                <a:gd name="T136" fmla="*/ 0 60000 65536"/>
-                <a:gd name="T137" fmla="*/ 0 60000 65536"/>
-                <a:gd name="T138" fmla="*/ 0 60000 65536"/>
-                <a:gd name="T139" fmla="*/ 0 60000 65536"/>
-                <a:gd name="T140" fmla="*/ 0 60000 65536"/>
-                <a:gd name="T141" fmla="*/ 0 60000 65536"/>
-                <a:gd name="T142" fmla="*/ 0 60000 65536"/>
-                <a:gd name="T143" fmla="*/ 0 60000 65536"/>
-                <a:gd name="T144" fmla="*/ 0 60000 65536"/>
-                <a:gd name="T145" fmla="*/ 0 60000 65536"/>
-                <a:gd name="T146" fmla="*/ 0 60000 65536"/>
-                <a:gd name="T147" fmla="*/ 0 60000 65536"/>
-                <a:gd name="T148" fmla="*/ 0 60000 65536"/>
-                <a:gd name="T149" fmla="*/ 0 60000 65536"/>
-                <a:gd name="T150" fmla="*/ 0 60000 65536"/>
-                <a:gd name="T151" fmla="*/ 0 60000 65536"/>
-                <a:gd name="T152" fmla="*/ 0 60000 65536"/>
-                <a:gd name="T153" fmla="*/ 0 60000 65536"/>
-                <a:gd name="T154" fmla="*/ 0 60000 65536"/>
-                <a:gd name="T155" fmla="*/ 0 60000 65536"/>
-                <a:gd name="T156" fmla="*/ 0 60000 65536"/>
-                <a:gd name="T157" fmla="*/ 0 60000 65536"/>
-                <a:gd name="T158" fmla="*/ 0 60000 65536"/>
-                <a:gd name="T159" fmla="*/ 0 60000 65536"/>
-                <a:gd name="T160" fmla="*/ 0 60000 65536"/>
-                <a:gd name="T161" fmla="*/ 0 60000 65536"/>
-                <a:gd name="T162" fmla="*/ 0 60000 65536"/>
-                <a:gd name="T163" fmla="*/ 0 60000 65536"/>
-                <a:gd name="T164" fmla="*/ 0 60000 65536"/>
-                <a:gd name="T165" fmla="*/ 0 60000 65536"/>
-                <a:gd name="T166" fmla="*/ 0 60000 65536"/>
-                <a:gd name="T167" fmla="*/ 0 60000 65536"/>
-                <a:gd name="T168" fmla="*/ 0 60000 65536"/>
-                <a:gd name="T169" fmla="*/ 0 60000 65536"/>
-                <a:gd name="T170" fmla="*/ 0 60000 65536"/>
-                <a:gd name="T171" fmla="*/ 0 60000 65536"/>
-                <a:gd name="T172" fmla="*/ 0 60000 65536"/>
-                <a:gd name="T173" fmla="*/ 0 60000 65536"/>
-                <a:gd name="T174" fmla="*/ 0 60000 65536"/>
-                <a:gd name="T175" fmla="*/ 0 60000 65536"/>
-                <a:gd name="T176" fmla="*/ 0 60000 65536"/>
-                <a:gd name="T177" fmla="*/ 0 60000 65536"/>
-                <a:gd name="T178" fmla="*/ 0 60000 65536"/>
-                <a:gd name="T179" fmla="*/ 0 60000 65536"/>
-                <a:gd name="T180" fmla="*/ 0 60000 65536"/>
-                <a:gd name="T181" fmla="*/ 0 60000 65536"/>
-                <a:gd name="T182" fmla="*/ 0 60000 65536"/>
-                <a:gd name="T183" fmla="*/ 0 60000 65536"/>
-                <a:gd name="T184" fmla="*/ 0 60000 65536"/>
-                <a:gd name="T185" fmla="*/ 0 60000 65536"/>
-                <a:gd name="T186" fmla="*/ 0 w 495"/>
-                <a:gd name="T187" fmla="*/ 0 h 493"/>
-                <a:gd name="T188" fmla="*/ 495 w 495"/>
-                <a:gd name="T189" fmla="*/ 493 h 493"/>
-              </a:gdLst>
-              <a:ahLst/>
-              <a:cxnLst>
-                <a:cxn ang="T124">
-                  <a:pos x="T0" y="T1"/>
-                </a:cxn>
-                <a:cxn ang="T125">
-                  <a:pos x="T2" y="T3"/>
-                </a:cxn>
-                <a:cxn ang="T126">
-                  <a:pos x="T4" y="T5"/>
-                </a:cxn>
-                <a:cxn ang="T127">
-                  <a:pos x="T6" y="T7"/>
-                </a:cxn>
-                <a:cxn ang="T128">
-                  <a:pos x="T8" y="T9"/>
-                </a:cxn>
-                <a:cxn ang="T129">
-                  <a:pos x="T10" y="T11"/>
-                </a:cxn>
-                <a:cxn ang="T130">
-                  <a:pos x="T12" y="T13"/>
-                </a:cxn>
-                <a:cxn ang="T131">
-                  <a:pos x="T14" y="T15"/>
-                </a:cxn>
-                <a:cxn ang="T132">
-                  <a:pos x="T16" y="T17"/>
-                </a:cxn>
-                <a:cxn ang="T133">
-                  <a:pos x="T18" y="T19"/>
-                </a:cxn>
-                <a:cxn ang="T134">
-                  <a:pos x="T20" y="T21"/>
-                </a:cxn>
-                <a:cxn ang="T135">
-                  <a:pos x="T22" y="T23"/>
-                </a:cxn>
-                <a:cxn ang="T136">
-                  <a:pos x="T24" y="T25"/>
-                </a:cxn>
-                <a:cxn ang="T137">
-                  <a:pos x="T26" y="T27"/>
-                </a:cxn>
-                <a:cxn ang="T138">
-                  <a:pos x="T28" y="T29"/>
-                </a:cxn>
-                <a:cxn ang="T139">
-                  <a:pos x="T30" y="T31"/>
-                </a:cxn>
-                <a:cxn ang="T140">
-                  <a:pos x="T32" y="T33"/>
-                </a:cxn>
-                <a:cxn ang="T141">
-                  <a:pos x="T34" y="T35"/>
-                </a:cxn>
-                <a:cxn ang="T142">
-                  <a:pos x="T36" y="T37"/>
-                </a:cxn>
-                <a:cxn ang="T143">
-                  <a:pos x="T38" y="T39"/>
-                </a:cxn>
-                <a:cxn ang="T144">
-                  <a:pos x="T40" y="T41"/>
-                </a:cxn>
-                <a:cxn ang="T145">
-                  <a:pos x="T42" y="T43"/>
-                </a:cxn>
-                <a:cxn ang="T146">
-                  <a:pos x="T44" y="T45"/>
-                </a:cxn>
-                <a:cxn ang="T147">
-                  <a:pos x="T46" y="T47"/>
-                </a:cxn>
-                <a:cxn ang="T148">
-                  <a:pos x="T48" y="T49"/>
-                </a:cxn>
-                <a:cxn ang="T149">
-                  <a:pos x="T50" y="T51"/>
-                </a:cxn>
-                <a:cxn ang="T150">
-                  <a:pos x="T52" y="T53"/>
-                </a:cxn>
-                <a:cxn ang="T151">
-                  <a:pos x="T54" y="T55"/>
-                </a:cxn>
-                <a:cxn ang="T152">
-                  <a:pos x="T56" y="T57"/>
-                </a:cxn>
-                <a:cxn ang="T153">
-                  <a:pos x="T58" y="T59"/>
-                </a:cxn>
-                <a:cxn ang="T154">
-                  <a:pos x="T60" y="T61"/>
-                </a:cxn>
-                <a:cxn ang="T155">
-                  <a:pos x="T62" y="T63"/>
-                </a:cxn>
-                <a:cxn ang="T156">
-                  <a:pos x="T64" y="T65"/>
-                </a:cxn>
-                <a:cxn ang="T157">
-                  <a:pos x="T66" y="T67"/>
-                </a:cxn>
-                <a:cxn ang="T158">
-                  <a:pos x="T68" y="T69"/>
-                </a:cxn>
-                <a:cxn ang="T159">
-                  <a:pos x="T70" y="T71"/>
-                </a:cxn>
-                <a:cxn ang="T160">
-                  <a:pos x="T72" y="T73"/>
-                </a:cxn>
-                <a:cxn ang="T161">
-                  <a:pos x="T74" y="T75"/>
-                </a:cxn>
-                <a:cxn ang="T162">
-                  <a:pos x="T76" y="T77"/>
-                </a:cxn>
-                <a:cxn ang="T163">
-                  <a:pos x="T78" y="T79"/>
-                </a:cxn>
-                <a:cxn ang="T164">
-                  <a:pos x="T80" y="T81"/>
-                </a:cxn>
-                <a:cxn ang="T165">
-                  <a:pos x="T82" y="T83"/>
-                </a:cxn>
-                <a:cxn ang="T166">
-                  <a:pos x="T84" y="T85"/>
-                </a:cxn>
-                <a:cxn ang="T167">
-                  <a:pos x="T86" y="T87"/>
-                </a:cxn>
-                <a:cxn ang="T168">
-                  <a:pos x="T88" y="T89"/>
-                </a:cxn>
-                <a:cxn ang="T169">
-                  <a:pos x="T90" y="T91"/>
-                </a:cxn>
-                <a:cxn ang="T170">
-                  <a:pos x="T92" y="T93"/>
-                </a:cxn>
-                <a:cxn ang="T171">
-                  <a:pos x="T94" y="T95"/>
-                </a:cxn>
-                <a:cxn ang="T172">
-                  <a:pos x="T96" y="T97"/>
-                </a:cxn>
-                <a:cxn ang="T173">
-                  <a:pos x="T98" y="T99"/>
-                </a:cxn>
-                <a:cxn ang="T174">
-                  <a:pos x="T100" y="T101"/>
-                </a:cxn>
-                <a:cxn ang="T175">
-                  <a:pos x="T102" y="T103"/>
-                </a:cxn>
-                <a:cxn ang="T176">
-                  <a:pos x="T104" y="T105"/>
-                </a:cxn>
-                <a:cxn ang="T177">
-                  <a:pos x="T106" y="T107"/>
-                </a:cxn>
-                <a:cxn ang="T178">
-                  <a:pos x="T108" y="T109"/>
-                </a:cxn>
-                <a:cxn ang="T179">
-                  <a:pos x="T110" y="T111"/>
-                </a:cxn>
-                <a:cxn ang="T180">
-                  <a:pos x="T112" y="T113"/>
-                </a:cxn>
-                <a:cxn ang="T181">
-                  <a:pos x="T114" y="T115"/>
-                </a:cxn>
-                <a:cxn ang="T182">
-                  <a:pos x="T116" y="T117"/>
-                </a:cxn>
-                <a:cxn ang="T183">
-                  <a:pos x="T118" y="T119"/>
-                </a:cxn>
-                <a:cxn ang="T184">
-                  <a:pos x="T120" y="T121"/>
-                </a:cxn>
-                <a:cxn ang="T185">
-                  <a:pos x="T122" y="T123"/>
-                </a:cxn>
-              </a:cxnLst>
-              <a:rect l="T186" t="T187" r="T188" b="T189"/>
-              <a:pathLst>
-                <a:path w="495" h="493">
-                  <a:moveTo>
-                    <a:pt x="208" y="264"/>
-                  </a:moveTo>
-                  <a:lnTo>
-                    <a:pt x="210" y="267"/>
-                  </a:lnTo>
-                  <a:lnTo>
-                    <a:pt x="212" y="270"/>
-                  </a:lnTo>
-                  <a:lnTo>
-                    <a:pt x="214" y="274"/>
-                  </a:lnTo>
-                  <a:lnTo>
-                    <a:pt x="217" y="277"/>
-                  </a:lnTo>
-                  <a:lnTo>
-                    <a:pt x="223" y="282"/>
-                  </a:lnTo>
-                  <a:lnTo>
-                    <a:pt x="230" y="286"/>
-                  </a:lnTo>
-                  <a:lnTo>
-                    <a:pt x="238" y="288"/>
-                  </a:lnTo>
-                  <a:lnTo>
-                    <a:pt x="242" y="289"/>
-                  </a:lnTo>
-                  <a:lnTo>
-                    <a:pt x="246" y="289"/>
-                  </a:lnTo>
-                  <a:lnTo>
-                    <a:pt x="250" y="290"/>
-                  </a:lnTo>
-                  <a:lnTo>
-                    <a:pt x="254" y="289"/>
-                  </a:lnTo>
-                  <a:lnTo>
-                    <a:pt x="262" y="288"/>
-                  </a:lnTo>
-                  <a:lnTo>
-                    <a:pt x="266" y="286"/>
-                  </a:lnTo>
-                  <a:lnTo>
-                    <a:pt x="270" y="285"/>
-                  </a:lnTo>
-                  <a:lnTo>
-                    <a:pt x="273" y="283"/>
-                  </a:lnTo>
-                  <a:lnTo>
-                    <a:pt x="277" y="281"/>
-                  </a:lnTo>
-                  <a:lnTo>
-                    <a:pt x="280" y="278"/>
-                  </a:lnTo>
-                  <a:lnTo>
-                    <a:pt x="283" y="275"/>
-                  </a:lnTo>
-                  <a:lnTo>
-                    <a:pt x="285" y="272"/>
-                  </a:lnTo>
-                  <a:lnTo>
-                    <a:pt x="288" y="269"/>
-                  </a:lnTo>
-                  <a:lnTo>
-                    <a:pt x="292" y="262"/>
-                  </a:lnTo>
-                  <a:lnTo>
-                    <a:pt x="293" y="258"/>
-                  </a:lnTo>
-                  <a:lnTo>
-                    <a:pt x="294" y="254"/>
-                  </a:lnTo>
-                  <a:lnTo>
-                    <a:pt x="295" y="250"/>
-                  </a:lnTo>
-                  <a:lnTo>
-                    <a:pt x="296" y="246"/>
-                  </a:lnTo>
-                  <a:lnTo>
-                    <a:pt x="296" y="242"/>
-                  </a:lnTo>
-                  <a:lnTo>
-                    <a:pt x="295" y="238"/>
-                  </a:lnTo>
-                  <a:lnTo>
-                    <a:pt x="294" y="230"/>
-                  </a:lnTo>
-                  <a:lnTo>
-                    <a:pt x="291" y="223"/>
-                  </a:lnTo>
-                  <a:lnTo>
-                    <a:pt x="289" y="219"/>
-                  </a:lnTo>
-                  <a:lnTo>
-                    <a:pt x="287" y="216"/>
-                  </a:lnTo>
-                  <a:lnTo>
-                    <a:pt x="284" y="213"/>
-                  </a:lnTo>
-                  <a:lnTo>
-                    <a:pt x="282" y="210"/>
-                  </a:lnTo>
-                  <a:lnTo>
-                    <a:pt x="279" y="207"/>
-                  </a:lnTo>
-                  <a:lnTo>
-                    <a:pt x="275" y="205"/>
-                  </a:lnTo>
-                  <a:lnTo>
-                    <a:pt x="268" y="201"/>
-                  </a:lnTo>
-                  <a:lnTo>
-                    <a:pt x="261" y="198"/>
-                  </a:lnTo>
-                  <a:lnTo>
-                    <a:pt x="257" y="197"/>
-                  </a:lnTo>
-                  <a:lnTo>
-                    <a:pt x="253" y="197"/>
-                  </a:lnTo>
-                  <a:lnTo>
-                    <a:pt x="249" y="197"/>
-                  </a:lnTo>
-                  <a:lnTo>
-                    <a:pt x="244" y="197"/>
-                  </a:lnTo>
-                  <a:lnTo>
-                    <a:pt x="237" y="199"/>
-                  </a:lnTo>
-                  <a:lnTo>
-                    <a:pt x="229" y="202"/>
-                  </a:lnTo>
-                  <a:lnTo>
-                    <a:pt x="225" y="203"/>
-                  </a:lnTo>
-                  <a:lnTo>
-                    <a:pt x="222" y="206"/>
-                  </a:lnTo>
-                  <a:lnTo>
-                    <a:pt x="219" y="208"/>
-                  </a:lnTo>
-                  <a:lnTo>
-                    <a:pt x="216" y="211"/>
-                  </a:lnTo>
-                  <a:lnTo>
-                    <a:pt x="211" y="217"/>
-                  </a:lnTo>
-                  <a:lnTo>
-                    <a:pt x="207" y="224"/>
-                  </a:lnTo>
-                  <a:lnTo>
-                    <a:pt x="204" y="232"/>
-                  </a:lnTo>
-                  <a:lnTo>
-                    <a:pt x="204" y="236"/>
-                  </a:lnTo>
-                  <a:lnTo>
-                    <a:pt x="203" y="240"/>
-                  </a:lnTo>
-                  <a:lnTo>
-                    <a:pt x="203" y="244"/>
-                  </a:lnTo>
-                  <a:lnTo>
-                    <a:pt x="203" y="248"/>
-                  </a:lnTo>
-                  <a:lnTo>
-                    <a:pt x="205" y="256"/>
-                  </a:lnTo>
-                  <a:lnTo>
-                    <a:pt x="208" y="264"/>
-                  </a:lnTo>
-                  <a:close/>
-                  <a:moveTo>
-                    <a:pt x="157" y="13"/>
-                  </a:moveTo>
-                  <a:lnTo>
-                    <a:pt x="202" y="0"/>
-                  </a:lnTo>
-                  <a:lnTo>
-                    <a:pt x="240" y="51"/>
-                  </a:lnTo>
-                  <a:lnTo>
-                    <a:pt x="251" y="51"/>
-                  </a:lnTo>
-                  <a:lnTo>
-                    <a:pt x="263" y="51"/>
-                  </a:lnTo>
-                  <a:lnTo>
-                    <a:pt x="274" y="53"/>
-                  </a:lnTo>
-                  <a:lnTo>
-                    <a:pt x="285" y="54"/>
-                  </a:lnTo>
-                  <a:lnTo>
-                    <a:pt x="327" y="7"/>
-                  </a:lnTo>
-                  <a:lnTo>
-                    <a:pt x="369" y="26"/>
-                  </a:lnTo>
-                  <a:lnTo>
-                    <a:pt x="366" y="90"/>
-                  </a:lnTo>
-                  <a:lnTo>
-                    <a:pt x="375" y="97"/>
-                  </a:lnTo>
-                  <a:lnTo>
-                    <a:pt x="383" y="105"/>
-                  </a:lnTo>
-                  <a:lnTo>
-                    <a:pt x="387" y="109"/>
-                  </a:lnTo>
-                  <a:lnTo>
-                    <a:pt x="391" y="113"/>
-                  </a:lnTo>
-                  <a:lnTo>
-                    <a:pt x="398" y="122"/>
-                  </a:lnTo>
-                  <a:lnTo>
-                    <a:pt x="463" y="116"/>
-                  </a:lnTo>
-                  <a:lnTo>
-                    <a:pt x="483" y="158"/>
-                  </a:lnTo>
-                  <a:lnTo>
-                    <a:pt x="437" y="202"/>
-                  </a:lnTo>
-                  <a:lnTo>
-                    <a:pt x="439" y="213"/>
-                  </a:lnTo>
-                  <a:lnTo>
-                    <a:pt x="440" y="223"/>
-                  </a:lnTo>
-                  <a:lnTo>
-                    <a:pt x="441" y="234"/>
-                  </a:lnTo>
-                  <a:lnTo>
-                    <a:pt x="441" y="246"/>
-                  </a:lnTo>
-                  <a:lnTo>
-                    <a:pt x="495" y="283"/>
-                  </a:lnTo>
-                  <a:lnTo>
-                    <a:pt x="484" y="328"/>
-                  </a:lnTo>
-                  <a:lnTo>
-                    <a:pt x="420" y="332"/>
-                  </a:lnTo>
-                  <a:lnTo>
-                    <a:pt x="414" y="342"/>
-                  </a:lnTo>
-                  <a:lnTo>
-                    <a:pt x="409" y="351"/>
-                  </a:lnTo>
-                  <a:lnTo>
-                    <a:pt x="402" y="360"/>
-                  </a:lnTo>
-                  <a:lnTo>
-                    <a:pt x="398" y="365"/>
-                  </a:lnTo>
-                  <a:lnTo>
-                    <a:pt x="394" y="369"/>
-                  </a:lnTo>
-                  <a:lnTo>
-                    <a:pt x="411" y="430"/>
-                  </a:lnTo>
-                  <a:lnTo>
-                    <a:pt x="373" y="457"/>
-                  </a:lnTo>
-                  <a:lnTo>
-                    <a:pt x="323" y="421"/>
-                  </a:lnTo>
-                  <a:lnTo>
-                    <a:pt x="313" y="425"/>
-                  </a:lnTo>
-                  <a:lnTo>
-                    <a:pt x="302" y="428"/>
-                  </a:lnTo>
-                  <a:lnTo>
-                    <a:pt x="292" y="431"/>
-                  </a:lnTo>
-                  <a:lnTo>
-                    <a:pt x="282" y="433"/>
-                  </a:lnTo>
-                  <a:lnTo>
-                    <a:pt x="257" y="493"/>
-                  </a:lnTo>
-                  <a:lnTo>
-                    <a:pt x="211" y="489"/>
-                  </a:lnTo>
-                  <a:lnTo>
-                    <a:pt x="192" y="427"/>
-                  </a:lnTo>
-                  <a:lnTo>
-                    <a:pt x="182" y="423"/>
-                  </a:lnTo>
-                  <a:lnTo>
-                    <a:pt x="171" y="419"/>
-                  </a:lnTo>
-                  <a:lnTo>
-                    <a:pt x="162" y="414"/>
-                  </a:lnTo>
-                  <a:lnTo>
-                    <a:pt x="152" y="409"/>
-                  </a:lnTo>
-                  <a:lnTo>
-                    <a:pt x="96" y="439"/>
-                  </a:lnTo>
-                  <a:lnTo>
-                    <a:pt x="63" y="406"/>
-                  </a:lnTo>
-                  <a:lnTo>
-                    <a:pt x="88" y="348"/>
-                  </a:lnTo>
-                  <a:lnTo>
-                    <a:pt x="85" y="343"/>
-                  </a:lnTo>
-                  <a:lnTo>
-                    <a:pt x="82" y="338"/>
-                  </a:lnTo>
-                  <a:lnTo>
-                    <a:pt x="77" y="327"/>
-                  </a:lnTo>
-                  <a:lnTo>
-                    <a:pt x="72" y="318"/>
-                  </a:lnTo>
-                  <a:lnTo>
-                    <a:pt x="68" y="308"/>
-                  </a:lnTo>
-                  <a:lnTo>
-                    <a:pt x="5" y="291"/>
-                  </a:lnTo>
-                  <a:lnTo>
-                    <a:pt x="0" y="245"/>
-                  </a:lnTo>
-                  <a:lnTo>
-                    <a:pt x="59" y="219"/>
-                  </a:lnTo>
-                  <a:lnTo>
-                    <a:pt x="60" y="208"/>
-                  </a:lnTo>
-                  <a:lnTo>
-                    <a:pt x="63" y="197"/>
-                  </a:lnTo>
-                  <a:lnTo>
-                    <a:pt x="64" y="191"/>
-                  </a:lnTo>
-                  <a:lnTo>
-                    <a:pt x="66" y="186"/>
-                  </a:lnTo>
-                  <a:lnTo>
-                    <a:pt x="69" y="176"/>
-                  </a:lnTo>
-                  <a:lnTo>
-                    <a:pt x="32" y="124"/>
-                  </a:lnTo>
-                  <a:lnTo>
-                    <a:pt x="58" y="85"/>
-                  </a:lnTo>
-                  <a:lnTo>
-                    <a:pt x="118" y="102"/>
-                  </a:lnTo>
-                  <a:lnTo>
-                    <a:pt x="127" y="95"/>
-                  </a:lnTo>
-                  <a:lnTo>
-                    <a:pt x="136" y="88"/>
-                  </a:lnTo>
-                  <a:lnTo>
-                    <a:pt x="146" y="81"/>
-                  </a:lnTo>
-                  <a:lnTo>
-                    <a:pt x="155" y="76"/>
-                  </a:lnTo>
-                  <a:lnTo>
-                    <a:pt x="157" y="13"/>
-                  </a:lnTo>
-                  <a:close/>
-                </a:path>
-              </a:pathLst>
-            </a:custGeom>
-            <a:solidFill>
-              <a:srgbClr val="EEF3F6"/>
-            </a:solidFill>
-            <a:ln w="6350" cap="flat" cmpd="sng">
-              <a:noFill/>
-              <a:prstDash val="solid"/>
-              <a:round/>
-              <a:headEnd type="none" w="med" len="med"/>
-              <a:tailEnd type="none" w="med" len="med"/>
-            </a:ln>
-          </p:spPr>
-          <p:txBody>
-            <a:bodyPr lIns="0" tIns="0" rIns="0" bIns="0" anchor="ctr">
-              <a:prstTxWarp prst="textArchUp">
-                <a:avLst>
-                  <a:gd name="adj" fmla="val 14000183"/>
-                </a:avLst>
-              </a:prstTxWarp>
-            </a:bodyPr>
-            <a:lstStyle/>
-            <a:p>
-              <a:pPr algn="ctr"/>
-              <a:endParaRPr lang="de-CH" sz="1600" dirty="0">
-                <a:latin typeface="+mj-lt"/>
-              </a:endParaRPr>
-            </a:p>
-          </p:txBody>
-        </p:sp>
-        <p:sp>
-          <p:nvSpPr>
-            <p:cNvPr id="4" name="Ellipse 63">
-              <a:extLst>
-                <a:ext uri="{FF2B5EF4-FFF2-40B4-BE49-F238E27FC236}">
-                  <a16:creationId xmlns:a16="http://schemas.microsoft.com/office/drawing/2014/main" id="{5B506C75-DB2C-E9FD-5621-A2EB8F229D98}"/>
-                </a:ext>
-              </a:extLst>
-            </p:cNvPr>
-            <p:cNvSpPr/>
-            <p:nvPr/>
-          </p:nvSpPr>
-          <p:spPr>
-            <a:xfrm>
-              <a:off x="6337998" y="3035642"/>
-              <a:ext cx="1048312" cy="1048312"/>
-            </a:xfrm>
-            <a:prstGeom prst="ellipse">
-              <a:avLst/>
-            </a:prstGeom>
-            <a:solidFill>
-              <a:schemeClr val="bg1"/>
-            </a:solidFill>
-            <a:ln w="6350">
-              <a:noFill/>
-            </a:ln>
-          </p:spPr>
-          <p:style>
-            <a:lnRef idx="2">
-              <a:schemeClr val="accent1">
-                <a:shade val="50000"/>
-              </a:schemeClr>
-            </a:lnRef>
-            <a:fillRef idx="1">
-              <a:schemeClr val="accent1"/>
-            </a:fillRef>
-            <a:effectRef idx="0">
-              <a:schemeClr val="accent1"/>
-            </a:effectRef>
-            <a:fontRef idx="minor">
-              <a:schemeClr val="lt1"/>
-            </a:fontRef>
-          </p:style>
-          <p:txBody>
-            <a:bodyPr rot="0" spcFirstLastPara="0" vertOverflow="overflow" horzOverflow="overflow" vert="horz" wrap="square" lIns="0" tIns="0" rIns="0" bIns="0" numCol="1" spcCol="0" rtlCol="0" fromWordArt="0" anchor="ctr" anchorCtr="0" forceAA="0" compatLnSpc="1">
-              <a:prstTxWarp prst="textNoShape">
-                <a:avLst/>
-              </a:prstTxWarp>
-              <a:noAutofit/>
-            </a:bodyPr>
-            <a:lstStyle/>
-            <a:p>
-              <a:pPr algn="ctr"/>
-              <a:endParaRPr lang="de-CH" sz="1200" dirty="0">
-                <a:solidFill>
-                  <a:schemeClr val="tx1"/>
-                </a:solidFill>
-              </a:endParaRPr>
-            </a:p>
-          </p:txBody>
-        </p:sp>
-      </p:grpSp>
-      <p:grpSp>
-        <p:nvGrpSpPr>
-          <p:cNvPr id="7" name="Gruppieren 61">
-            <a:extLst>
-              <a:ext uri="{FF2B5EF4-FFF2-40B4-BE49-F238E27FC236}">
-                <a16:creationId xmlns:a16="http://schemas.microsoft.com/office/drawing/2014/main" id="{7C1B7D10-CADD-E767-BF5D-3AACB7A4AC27}"/>
-              </a:ext>
-            </a:extLst>
-          </p:cNvPr>
-          <p:cNvGrpSpPr>
-            <a:grpSpLocks noChangeAspect="1"/>
-          </p:cNvGrpSpPr>
-          <p:nvPr/>
-        </p:nvGrpSpPr>
-        <p:grpSpPr>
-          <a:xfrm>
-            <a:off x="2935894" y="2758070"/>
-            <a:ext cx="1584176" cy="1584176"/>
-            <a:chOff x="5891686" y="2589438"/>
-            <a:chExt cx="1940934" cy="1940720"/>
-          </a:xfrm>
-          <a:noFill/>
-        </p:grpSpPr>
-        <p:sp>
-          <p:nvSpPr>
-            <p:cNvPr id="8" name="Freeform 10">
-              <a:extLst>
-                <a:ext uri="{FF2B5EF4-FFF2-40B4-BE49-F238E27FC236}">
-                  <a16:creationId xmlns:a16="http://schemas.microsoft.com/office/drawing/2014/main" id="{1F9496D8-846F-DE2D-88EB-E5FCD5850EB5}"/>
-                </a:ext>
-              </a:extLst>
-            </p:cNvPr>
-            <p:cNvSpPr>
-              <a:spLocks noEditPoints="1"/>
-            </p:cNvSpPr>
-            <p:nvPr>
-              <p:custDataLst>
                 <p:tags r:id="rId10"/>
               </p:custDataLst>
             </p:nvPr>
@@ -24105,10 +23272,10 @@
         </p:sp>
         <p:sp>
           <p:nvSpPr>
-            <p:cNvPr id="9" name="Ellipse 63">
+            <p:cNvPr id="4" name="Ellipse 63">
               <a:extLst>
                 <a:ext uri="{FF2B5EF4-FFF2-40B4-BE49-F238E27FC236}">
-                  <a16:creationId xmlns:a16="http://schemas.microsoft.com/office/drawing/2014/main" id="{431EF67B-01C0-CA05-826A-05EDB7E13BE4}"/>
+                  <a16:creationId xmlns:a16="http://schemas.microsoft.com/office/drawing/2014/main" id="{5B506C75-DB2C-E9FD-5621-A2EB8F229D98}"/>
                 </a:ext>
               </a:extLst>
             </p:cNvPr>
@@ -24156,24 +23323,21 @@
             <a:lstStyle/>
             <a:p>
               <a:pPr algn="ctr"/>
-              <a:r>
-                <a:rPr lang="de-CH" sz="1200" dirty="0">
-                  <a:solidFill>
-                    <a:schemeClr val="tx1"/>
-                  </a:solidFill>
-                </a:rPr>
-                <a:t>Text</a:t>
-              </a:r>
+              <a:endParaRPr lang="de-CH" sz="1200" dirty="0">
+                <a:solidFill>
+                  <a:schemeClr val="tx1"/>
+                </a:solidFill>
+              </a:endParaRPr>
             </a:p>
           </p:txBody>
         </p:sp>
       </p:grpSp>
       <p:grpSp>
         <p:nvGrpSpPr>
-          <p:cNvPr id="10" name="Gruppieren 61">
+          <p:cNvPr id="7" name="Gruppieren 61">
             <a:extLst>
               <a:ext uri="{FF2B5EF4-FFF2-40B4-BE49-F238E27FC236}">
-                <a16:creationId xmlns:a16="http://schemas.microsoft.com/office/drawing/2014/main" id="{C8A0CB8B-C371-780C-D3C3-97E020879042}"/>
+                <a16:creationId xmlns:a16="http://schemas.microsoft.com/office/drawing/2014/main" id="{7C1B7D10-CADD-E767-BF5D-3AACB7A4AC27}"/>
               </a:ext>
             </a:extLst>
           </p:cNvPr>
@@ -24184,7 +23348,7 @@
         </p:nvGrpSpPr>
         <p:grpSpPr>
           <a:xfrm>
-            <a:off x="4355799" y="4042076"/>
+            <a:off x="2935894" y="2758070"/>
             <a:ext cx="1584176" cy="1584176"/>
             <a:chOff x="5891686" y="2589438"/>
             <a:chExt cx="1940934" cy="1940720"/>
@@ -24193,10 +23357,10 @@
         </p:grpSpPr>
         <p:sp>
           <p:nvSpPr>
-            <p:cNvPr id="11" name="Freeform 10">
+            <p:cNvPr id="8" name="Freeform 10">
               <a:extLst>
                 <a:ext uri="{FF2B5EF4-FFF2-40B4-BE49-F238E27FC236}">
-                  <a16:creationId xmlns:a16="http://schemas.microsoft.com/office/drawing/2014/main" id="{898B9307-A255-F4D7-8514-9F2DB77AA3DF}"/>
+                  <a16:creationId xmlns:a16="http://schemas.microsoft.com/office/drawing/2014/main" id="{1F9496D8-846F-DE2D-88EB-E5FCD5850EB5}"/>
                 </a:ext>
               </a:extLst>
             </p:cNvPr>
@@ -25010,10 +24174,10 @@
         </p:sp>
         <p:sp>
           <p:nvSpPr>
-            <p:cNvPr id="12" name="Ellipse 63">
+            <p:cNvPr id="9" name="Ellipse 63">
               <a:extLst>
                 <a:ext uri="{FF2B5EF4-FFF2-40B4-BE49-F238E27FC236}">
-                  <a16:creationId xmlns:a16="http://schemas.microsoft.com/office/drawing/2014/main" id="{7A60F582-55A9-8E45-C031-7026DF544C7A}"/>
+                  <a16:creationId xmlns:a16="http://schemas.microsoft.com/office/drawing/2014/main" id="{431EF67B-01C0-CA05-826A-05EDB7E13BE4}"/>
                 </a:ext>
               </a:extLst>
             </p:cNvPr>
@@ -25061,68 +24225,24 @@
             <a:lstStyle/>
             <a:p>
               <a:pPr algn="ctr"/>
-              <a:endParaRPr lang="de-CH" sz="1200" dirty="0">
-                <a:solidFill>
-                  <a:schemeClr val="tx1"/>
-                </a:solidFill>
-              </a:endParaRPr>
+              <a:r>
+                <a:rPr lang="de-CH" sz="1200" dirty="0">
+                  <a:solidFill>
+                    <a:schemeClr val="tx1"/>
+                  </a:solidFill>
+                </a:rPr>
+                <a:t>Text</a:t>
+              </a:r>
             </a:p>
           </p:txBody>
         </p:sp>
       </p:grpSp>
-      <p:pic>
-        <p:nvPicPr>
-          <p:cNvPr id="13" name="Picture 2" descr="data:image/jpeg;base64,/9j/4AAQSkZJRgABAQAAAQABAAD/2wCEAAkGBwgHBgkIBwgKCgkLDRYPDQwMDRsUFRAWIB0iIiAdHx8kKDQsJCYxJx8fLT0tMTU3Ojo6Iys/RD84QzQ5OjcBCgoKDQwNGg8PGjclHyU3Nzc3Nzc3Nzc3Nzc3Nzc3Nzc3Nzc3Nzc3Nzc3Nzc3Nzc3Nzc3Nzc3Nzc3Nzc3Nzc3N//AABEIAKEAoQMBEQACEQEDEQH/xAAcAAACAgMBAQAAAAAAAAAAAAAGBwAFAgMEAQj/xABTEAABAwICBQYHCQsLBAMAAAABAgMEAAUGEQcSITFBEyJRYXGBFDJCkaGxwSM1YnJzgpKy4QgWFyRSU1WU0dLwFTQ2N0NFdIOTosIzY2SVJSZU/8QAGwEBAAIDAQEAAAAAAAAAAAAAAAEEAgMFBgf/xAA5EQACAQIDBAYJAwQDAQAAAAAAAQIDBBEhMQUSQVETImFxkdEGFCOBobHB4fAWMlMzQlLxFSRDNP/aAAwDAQACEQMRAD8AeNASgJQEoCUBCchQAzivF8KwKTHCTImqTmGUnIJHSo8PXWitXjT7WdTZ+yqt51tIc/IApWLr3cFHWmKZQfIYGoAO3f6a507ipLj4Hoqey7Siso4vm8/t8DbYrq/CuzEx151zbquFSyolB37/AD91Y0qjjNSbMbu1hVounFYcu8biMinMbQa7R4s9O6gAq/TFybmoNqUlDHMSQePE/wAdFc2vNynlwO7Z0VCji9XmYR7lPj+JIWR0L5w9NRGtUjxMp29GesQgtV8blKDMkBp47vyVdnXVulXU8nkzm3FnKn1o5ouasFIlASgJQEoCUBKAlASgJQEoCUBS4svYsdkfmaoU7sQyg+Us7u4bz1CtdWp0ccS7s+09buI09Fx7kI5TzkqS4/IcU484rWWtW8k8a5Ms3iz6CoRpwUILBLQ7o9aivM72RQrTGxhaUZliiuKOakp1FdqTl7K7NvLepo8df0+juJJaa+J3znxGhPvn+zQVeitk3uxbK9KG/NR5gC3zjmo5k7TXK1zPRPLJHUlAyrLA1Yml1IFQzOLCvD1wVNhkOnN1s5KP5Q4H+Oir9Cpvx7Uca8odFPLRltW8qEoCUBKAlASgJQEoDVJkMxY7j8hxLbTaSpa1HIJAqG0lizKEJVJKEVi2aLVcYt0htzITodYc8VW7bxBHA9VRGSksUZ16FShUdOosGjsrI1Cz0wSFBdrijxDyjqu0ZAes1Su5aI9T6NU17Wp3L5i8aPPqlI9RLQsWDWoqTO9miK0hhaP5GtDksE/9NwKHYR9ldKyl1XE81tiGFSM+ZZ4qf5K0qTntcWlPt9lbbl4Uyps+G9WT5Ak0oCuejtSR0Jd2b6zxNe6a3V1DMoosMJu5XZaOC2jn2gj7a3Wr6+BV2hD2KfJhmN1dA4hqkPNx2VPOrShtAKlKJ2AVDaSxZMYubUY6s1W+fGuMREqK6FtL3HiOojgaiE4zWMTZWozozcJrBo6qyNRKAlASgPCcqAUWkfFBuU1VqhLPgcdfuqkn/qrHDsHr28KoXFbelurQ9lsTZ3Q0+nqLrS07F9/kcGBMSqsVx5GSs+ASSA6DmQ2rcFgevq7Kwo1XTeehY2ts71ulvQ/etO3s8vuOttQUgKSQQdoI410jwuGGQtNMLKi7apGXMAdbJ6+aQPQapXazTPVejU1hVh3P5oXaDkoVTZ6d6HfHVurUytNFgyqoK8kGej17/wCRkNcFs63eFD9tXbKXXaODtmPsovtLXG7uq1Da/KWpR7gB7a3XjySKeyoYynIGUOVRxOu4mzlKnEw3TFbmdRiZKJb4OSV3da+CGVZ95H21ZtVjPEo7TeFBLtDY+LXROCxd45v3hbpt0Vz3Bo+6KSfHUOHYPXXMuq+892Oh6bZVl0a6aazenYvuUuGMQKsdxHKkmG8QHk5+L8MdY9I7BWu3rOnLPRl2/sFd0ur+9aeQ3UOJcSFIIKSMwRuIrrnjHingzKgJQEoAcx7eTZMPPPNK1ZDx5Fkjgog7e4AnurVWnuQ7zo7KtfWbqMXos33CNFcw9+ZCoJGdowxMXWxY5rg5RsZxVKO1SRvR3cOrsq7bVf7H7jym3tnbr9ZprJ69/P3/AJqW2kyAZmFnnWxrORVpeHxc8legk91bbmONPHkUdhVlTvYxbyll5fETnGuae6OmOusGjVNHeyvYKwK0kFmAXSMQIGfjNLHqPsqzaf1TjbYjjbe9Ftj53KdERnuaUfOfsrbePrJFLY8fZzfaDaHKqHVcTPlanEx3TxTvSagndDDAsciG/KVs5ReqnsH2k+auhZx6rkzh7Xn7SNPl9TZjK+m2Q/BY68pTw3jehPT29H2VldVtxbq1Zjsuz6epvy/avixYOqyFco9akcL66lFiERnaL7wZ9ocguqJdgkJSTxbPi+bIjuFdS1njDdfA8lt606GuqsdJ/Pj9GGtWjhkoCUAr9Mr55e1xtuqEuOd+wVSunmkep9HIdWpLuXzFyKqHpzIVBKNjLzkd5t9hZbdaUFoWPJUNxqU2niiJRjOLjJYpjvwxeGMTWIOrSnlCktSmh5Kstvcd47a6dOaqwPn9/Zzsbjd4ap9n5qJq9W5y03WTAd/sHClJ/KTvSfNlXNnHdk0e7tbhXNGNVcV/v4nIhWqdlYNG5o7WXK1tGicQpwI7/wDZYg/K1h/tNb7X+qjkbWj/ANSXu+ZbaQ3crywnoYHrNbL19ddxS2NH2En2g2l2qmJ1HAz5WmJG6eoK3nEtNJ1nFkJSBxJNSs3giGopNy0GctyNh6xpLp9zjtgda1dXWTXY6tGn3HkUql7cdXWT+H2FTcZ70+W7KknN1w5kcB1Ds3Vx5yc5OTPZUKEKMFThoitdcqC1GJwvOZk5VmkWooLdFD6m8TrZG52KrPuKSKt2z9ocX0hgnaKXJ+Y4K6B4klASgFxpjhKVEt9wQnY0tTKz0awzHpT5yKqXUdGej9HayU503xWPh/sWAqkesRkKEntQZIvcHX9eH7y28tR8Ed5khPweCu0Hb2Z1spVOjljwOftOxV5QcV+5Zry94WaVLOl6PHv0XJWqEtPKScwpBPMV5zl3irN1DLfRxPR67cJStZ967+K/OQtjVI9WZoWU5VDRDQT4DezxVb0jipX1TWy3XtUcna8f+nP84ouNJLmriBsf+On1msrz967ihsOONs+/yBhL3XVQ6+4Z8r10I3Qs0e27wueu4OJzajc1B4FZHsB9Iq5Z096W/wAjibZuOjpKitZa933Zx46v4uVwMSOvOLGOrsOxa+J7OHnrG6q78sFoixsmw6GlvzXWl8ECTj3XVbA7UYHI47nurNI3Rias6yMw60Rwi7eZc3V5jDPJhXDWUd3mT6qtWseu2ed9IqyjQjT4t4+H+xsVfPHkoDmjTospbqY0ll1TSyhxKFglChwI4GoTT0MpU5RSclhiab1bmLvbn4MoEtPIyzG9J4EdYO2olFTi0zZb3E7erGrDVCEvNpl2S4uwZyCFoPNWBklxPBSer1bq5c4ODwZ9AtbqFzTVSDyfwZyCsSye1Bke0JGXo7urV3tL+HbmQvVbIbB8to7Mu1Pqy6Ku281KPRyPJ7btZW1aN5S4vPv5+8AbxbHrRcn7fI2rZVkF5Za6d4V3iqk4uEnFnpbW5jc0o1YcfxnFWJvCPR6M8XwOorP+01uof1EczbP/AMM/d8y20qK1MRM9cZP1lVldrrlL0eWNrLv+iBAP9dVN07bgbo3KypDceOnXddUEIR0k0UG3gjXU3acXOeSQx8Rzm8IYWYtcRweGvp1QsbD8NeXfkO3qroVH0FJQjqeVsqMtpXkq811V+JeYsFP7Mhwqhunr901KWTU4GaRhUkm+FEkTpbcWG0p1906qUD1noHSamMXJ4LU11asKMHOo8EvzxHlhWyN2C0tQ0kKc8Z5wDLXWd57NwHZXUpU+jjgfPb+8ld13UenBcl+ZllMmRoTXLS5DbLW7WcWEjP8AbWbaWpWp051HuwWL7DPlm/zg89SY7rPmpm8zGLw/coElyNIceW5rtnLPNRO3gRt3Gua208Ue4jRhOkqdRYrAZeGNKKHCmPiFkNnd4UyCQfjJ4d2dWIXPCRx7rYjXWt37mGN3tdqxZagFLaebUCWZLJCig9IPrFbZwjVicq3uK9jWxWT4p/UT+IsN3DD0gIloLjCjk1JQOYv909R9NUKlOVPU9tZX9G8jjDJ8UVHZWsvHtQSdVtnP22cxNiKCXmFhSc9x6R3jMd9TFuLxRrrUYXFN0p6P8x92ow8cwGcR4fjYjtiNZxpvNwZc4t8QetJz9NXK8VUgqiPL7JrysrqVnW0b+PDx8hZ1SPWhRo1Tr4wi/BbcV6K3269ojk7ceFjLvRZ6XU5XyErLxox9Cqzul1kVPRt/9ea7foAtVT0IwdGdmQyl7ENwAQ0yFBgq4ADnr9nnq3bQWc3wPM7du5SatKWrwx+i+vgCWJbw5fbw9OczCCdVlB8lsbh7e+q9SbnJtnbsbRWlCNJa8e/j5FXWBbPKAsLLZp17liPb2Ss+W4diGx0k/wAGsoQlN4RK11eUbSG/VeHLm+4b2GMOQMMQVLLiFSCnN+U4NXZ0DPxU/wAGujSpRpLE8PfbQrX9TDDLgl+alNiHSJFj5s2VtMp3cX1ZhtPZ+V6B11rqXSWUToWewKk+tcPdXLj9hc3W5Tbu+p64SFvL26useajqSNwqnKTl+49Rb29K2ju0o4L59/Mv/v0m9ArZ0zOX/wAPR/GL+6xjb7xOiEEcjIW3t6Ao5ejKpksG0Z29TfpxlzR40usGW4yLiyXy42R8O22StrM85vehfance3fUwm4PFGFe1o3Md2rHH5r3jNsePrTfGPAL+w3HcdGoQsazLnefF7/PVmNeM+rM87c7HuLaXS27xS5arzKzE2jt1sKmYeJeaPOMVSucB8BXEdR+ytdS3wzgXbHbqfs7nJ8/MAHELacU06gocQdVSFDIpPWKq8cD0kZKSTTyZ5UGQe6LL1yMt2yylZsyc1s57gvyk9hG3tB6atWtTB7j0Z5z0gs96CuYaxyfdwfuKPGuHzh+7lDKfxJ/NbB6OlHd6sq11qe5M6Oyr5XdBY/ujk/M7tFrevixKvyIzh9KR7aytv6ho9IJYWWHNr6lnpgRlcLW50tOJ8xT+2s7vVFX0al7OpHtX1BLDtnevt2Zgs5pSrnOufm0DefYOsiq9ODnJI7N9dxtKDqy93aw20kXJm12qNh23gNpUhJcSnyGh4qe8j0Hpq1czUYqnE89sK2lXrSu6vB5d/P3C2qkesJntGwmgDTDOj+bcNWRdwuHF3hv+0cH/Edu2rNK3lLOWSOBf7dpUepQ60ufBefyCe4YpsWFo38n2dhDzrf9kzsQk9Kl9PnNb3Vp0luw1OTQ2ZebQn01d4J8Xrh2LkL2+4huV8dJnSDyXBhvmtju4nrOdU6lSU9T09pYW9osKcc+b1Ko7d9YFs8OeR1RmrLYOk8KAYH3gfDV56ternm/+bQO6ZLAuBfEXdlH4vOyCyPJdA9oGfcayrxwljzNGyLjep9E9V8gDaXlWhnajI6kLrE3RZuSdlQzcmEOGsXXXD+TcZ0PRc9sZ4kp69U7092zqrOFWUNCjebMt7tYyWEua+vMPm5GF8fNBp5Jj3IJ5oJCXR8U7lDq29lWsaddZ5M4Dhf7JeMXjD4fYD8R4Iutl13m0+GQxt5Voc5I+En2jPuqtUt5w7Ud2y2xQucIvqy5eTBth5xhxuRHcKXW1BbaxwUNxrQnhmjqThGcXCaxTHPKjxcc4RbcRqodcTrtq/NPDYQerPMHqrpNKvTxPDU51NlXzXBZPtQJ6KorrOJbimQ2W3I8ctuIO8KKx+6ar20eu1yO16QVYztabi8VJ4/D7nfpgaJYtLqRnk443kOJUAR9Ws7v+1lf0aklKrF8k/DHzLjB9nZwrh52bcAG5C2+WkqPkJAJCe711spQVKG8yhtK7ltC5VOnongu3Hj7/kKe73B263KTPfzC3llWR8lPkjuGyqEpObcmeztqEbajGlHh8+JZYewpdb8pLkZoMxTvkvbE/NHlerrrOnSlU0K17tS3tMpPGXJfXkHTUDDOBWkvSnDJuBGaCQFOH4qdyR1+mrW7ToLF5s85Kvf7We7BYQ+HvfEE8RY0uV512EKMSGdgbaUQpQ+Erj2DIdtV6leU8tEdqx2Pb2yUn1pc39AZGwZVpOtieUBKENhBgWzqvOIGARnGikPPHs8Ud5HmBrdRp70zmbWu1bWz/wApZL6vwHZmroFdM8Fmcd7tMS82x+BcG9dh4ZHpSeBHQRWMoqSwZupVZUpqcXmj56xdhS4YWm6klJcirOTEpI5q+o9CurqqjOm4PM9ZaXkLiOWvFFO25WsvxkdKF1iblI3JVUYGxMzSrIggkFJzBGwg9tQZrNNB1hnSLMt+qxeQqZG3B0Zcqj2K9fbVincuOUs0cO92HSq9ah1ZcuD8vkFU7DWHMXR/5QtriWnV734+zM9C09PmNbpUadXNHJo7Qvdnz6KqsVyf0f4jHA1nu+G5kq3TUoegvDlWpDSualYyBBB2jMZebfU0ITpyaehO1bu2vYRqwymsmny+31Cxi2xWbhJntN6siShCXVDygnPLv2+qtyilLeOTKvUlSjSbyjjh7zydbIs5cVclvXMV4PNZ8F5EA9e+koqWGPAUq9SipKDw3lg+4oMeQbrd4ce1Wpoaj69eQ84vVQlKcsgeO09A4Vqrqc0oxOjsmtb29SVes81olrn+fE4LRgmy2Bjw68vIkLaGspb/ADWUHqTx786whbwhnLMsXG2bq8l0VusE+Wr9/kVWI9IbjgVFsCOSbHNMpadp+Inh2nzVhUueEC5Y7BivaXLxfLzfkAbrrjzy3nVqccWc1rWc1E9pqo89T0cYqEVGKwS5GFDIlCGeUGJ32W0Tb3MEWA3rk+O4rxG09Kj7N5rOEHN4Iq3V3StafSVH3c33Dqw1Yo1htqYkbnKz1nXDvcV0/ZXSpwUFgjwt5dzu6vST9y5Itsuusyqe0Bolx48phbEppt1lwZLQ4kEKHZRpPUmMnF4xeDAG8aJrLLUpy2PP29Z3JT7ogHsO3LvrRK3i9DqUdr1qeU8yjXohuKFZNXeKpPSppST6zWt20uZejt2HGD8T0aJrsP70hfQXUerS5m1bfpf4PxRmNFF1H95w/wDTXUeqy5mX6ho/4PxRkNFV0B99Iefyaqeqz5mX6io/4PxR3WrR9f7PKEq33uMy7s1tVtWSx0EHYRUxt6kHjGRpuNtWtxDcqUm136DFhh4Mo8KLZf1eeWwQknqzq2scMzzc93ee5p26nRUmJKA1u55c3LPhnQAHe8FXy+yeWn31lSUnNtoRlBDfYNb0nM1UnQqT1l8D0Npte1tIbtOi8eLxz+RX/gumfpdj9XP71YeqT5lr9SU/434ryJ+C2Z+l4/6ur96nqkuY/UlP+N+K8jz8Fsz9Lx/1dX71PVJcx+o6f8b8V5E/BbM/S7H6ur96nqkuZH6jp/xvxXkWdu0ZQGTrXKY9L6UIHJJ9BJ9NbI2sf7mVK/pBWllSio9+b8vgGdugxLfHTGgsNsMp3IQMh21ZjFRWCOJVrVK0t+o8WdQAG6pNZ7QEoDRMacdjuNsvKYdUgpQ6kAlBI2HI5g5dYqGTFpNNrERN8xfjizXN+3z7s4h1lWWaY7QChwUObuNU5TqJ4NnpqFnZ1qanGOvayqXjvFK997k92qPUKjpJ8zetn2y/sNQxliQnnXyf3PkVG/PmbY2dsv8AzRn9898cHPvE4/56v21hvS5m6NrbLPcXgeC73V9SU/yhPWtRyCQ+slR6MgaxbfM3KlQisdxeCGJhLA10lakvEUyY01wiCQvXV8Y583sG3sqxToSec3kcS92rRhjC2im+eCy7hmtNJaSlKQAlIyAHAVcWWR5t5vFmygJQGKk55dVAAGLMEy3VLmYfmyG3DmVxDIUEqJ4pOezsOzsqrUoPWDPQWG1qUUqdzFPtwXx/PEW7s+7wnlsPTJ7DrZyW2t5YKT2E1U3pJ4Ynpo0rapHejGLXPBGSMQ3pHi3aaP8APV+2m/LmzB2dq9aa8DMYpv6d15nf6xNT0s+Zi7C0/iXgbU4xxIjdeZJ7dU+yp6Sp/ka3s2yf/mvidEXGmLH32o8a5vOvOqCG0ci2SpR3DxayVWppiaamzbCCcpQwS7X5jnsjEyPbmG7lJ8JmBObzuqEgqPAAADIbqvwTS6zxZ42vKnKo3SjhHgv9lhWRqJQEoDwjOgBbHGD4mKoYBIYnNA8jIAzy+CrpHqrXUpqa7S5Z3kraXZxQib/h66YekFm6RVtDPJLo2tr6wrd3b6pyi4vM9PQuaVdYwZVZgViWMApwxga+35xK2o5jQzvkyBqp+aN6u7Z11nGlKRRuNo0aHHF8hy4TwTacOJDjKPCJuXOlOpGt80eSOyrcKUYHn7q/rXOTeC5IJtUVsKR7QEoCUBKA8yoClxHhi139kJnMZPDYiQ3kHEdh6Oo7K1zpxnqW7S+rWssaby5cBT4iwJeLKVOMtmfEG3lWU85I+Ejf5s6pToSh2o9Va7YoXGUnuy5P6PzBLlNpB2EbD1VqOm5HRboMy6SPBrbFdkvZ5arY2DtO4d9ZKLbwRpq3FOjHeqywQ4sCYJbw8nwyeUPXJacs07UsjoT19Jq7So7mb1PJbR2nK6e5DKHzDUAA51vOUe0BKAlASgJQGt5pDyCh1CVoO9KgCDQlNp4or2MO2WM8Ho9nt7bwOYcRFQkjvArHditEbJV60lg5PDvZaDdWRqJQEoCUBKAlASgJQEoCUBWy7FaZrxel2qC+7+W5HQpXnIrFwi9UboXNemsITaXezsixWIjQaisNMtjchpASB3CpSwNcpym8ZPE3VJiSgJQEoCpg4lslwlJiwbrDkSFZ6rbToUo5b9lAW1AVlzxBaLS8lm53KLFcUnWSh50JJHTtoDe/dIEe3i4Py2W4ZSlQfUsBBB3HPrzoDC13m23dLirXOjy0tkBZZWFapO7PKgO+gKiLiexzJiYcW7Q3pKlFIZQ6Cokbxl3GgLegKy5Yhs9qkBi5XOJFdKQsIddCSQSQDl3GgOyFMjT4rcqE+2/HcGaHG1ayVcNhoCvnYnsVulLiz7tDjvt5a7brwSpOYzGzsIoC1QoLSFJIKSMwRxFAcN0vdrtBaF0nxohdzLYecCdbLLPLPozHnoDO13a33dpbtsmMSm0K1FKZWFBKsgcjlxyIoDqddQy2tx1QQ2hJUpROQAG80BW27Edluknwa23SJKf1Svk2nQo6oyzOQ4bR56AsJEhmM0p6S6hlpPjLcUEpHaTQFQvGGG0KKVX23AjePCE0But+JbJcpKY0C6w5D6gSG2nQpRA37KAzuWILPanwxcrlFiuqTrBDzgSSOnbQHJ9+eGf09bv9dNAI3Q8ANIkH4r31DQk+jxQgQ+n/APpNb/8ABH65oSgsxlt0JR8+MOJ/woCu+56/mN8+Xa+qaEMb1AfNWjn+tOB/jJH1XKEn0i662wyt11aUNtpKlKUcgkDaSaEHzTJRcNIuKbxPhoV7nHXIQkjaGkbEI6iro6c6EhtoExJrNysOvq2IBkxTnsKT46fOQrvPRQg0afrJqy7fe2280OpMV85cRzkZ92uPNQlB5opu5vGB7etxZU9GT4M6TvJRsBPanI99CBYaZJT18x/HtEMFxyM0hhtCfzjhzPflqUB0aB7qYWIZ9le5vhbfKIH/AHGzkR26pP0aAP8ATDdza8DTENq1XpqkxUHoCvGP0QrvyoAT0EW5qFarviGUNRB9xQsjc2gayyO85fN6qEsCZcy76TsXMx+VKUvLJjsuH3OK0BvI4kDfxJO8DcAw2NCNoDSQ/dp63MucpKUJGfZlQYl3hTRja8M3tu6w50x11tCkBDurqnWy6B1UIxF7p724rh5//hH11UJFtkOigLnC8a8S8QMs4deU1cTr8mtLmpsyOe3soA9+97S0f7ykfr4oMgKxxBxHBuDKMWPrellnNpS3uU5mfTw20CGxjH+pKN/g4n/CgK77no/iF8+XaOXzTQgb1AfNWjj+tKAeHhkj6rlCRm6bsQm14ZFrjuasm5K1DkdqWRtWe/Yn51CAW0SYlwvhezyXLnODVwlu5uJDSlaradiRmB2q+dQAdLusSw49Xd8NvcpBalB9kJSU6yFbVt5HtUnzUJHvjO3s4vwHKTBKXeXjCTDUOKwNZHn3d9CBb6BL2mNcLnbH3NVt9oSkJOzVUjYv/aU/RoSV+jhpeJ9Kjt3czW0h56co7xtzS2nu1hl8WhBz4oT95Olkz0JKY6ZQmjLPY25nynrX6qE8C20+XgSLvbrUyrXbjMGQsJ26y15hI7QlJ+kKEDAcsyrBook2xoZOs2xzX1eKyklZ85NAInBkS9zb2lnDL5YuJZWQtLvJnU2a23zbKEh597mlr9Kvf+wH7KDIIMDWbH8PETT2JJ7r1uDawpCpYcGsRzTl56EAlp7/AKVw/wDBD6yqAW1CQz0OuIVpEgpSpJIS9sBz8g0DPpGhAhfugVpRia36ygPxI7zl5RoShjPWZzEOiiNbI60peftjHJKVu1wlKk59RIA76ECjwfiado2vUxi7Wx3UkpSh5hxXJqBRnkpBOxXjHjkdm2gC+8acoXgDibXapKJSwUoclLQlCD080knLo9NAVOhfCtxexC1f5jDjEKKhZbW8nVL7iklOwHgAonPpy66ElJiKcvSJpIEaA9my48IsdaTnqspJ1lgfSV3igGp+CDCJOfg8z9bXQgFNJWjS12PDa7pYG5AcjOBUhLjxXm0dhO3dlmD2Z0JTLPQNiRubZ37C66FPQTyjPOzzaUdoHxVegigYuceRHsI46uLcR3kEu67jCwcvcnkkKHdmodwNAhg/c+2sN2u53YpHu7qY7Ry8hAzJB6yrL5tAzT90FaAY1svSUjJsqivHcCk85OfYQr6VAgJ0fR3cWY8twluiQlgJedOeeTbKQEjzhA76A+lH2m5Edxl5AW24koWk7lAjIihB85XKy33RjiZufFbW7FZUeQlqRm262dhSvLccthzy6RQBQ1p5RqgO2BvWy8i4jI+dvZQBBgrSs1izEDVoRafBy42tfKiUHMtUbstUUAFaflpRiyHrKSPxIbzl5aqEoWnLNfnUfSFCT6Ewl/SCP2K+qaGIxRQANjr3zY+R9poAss3vRC+QR6hQA9pF96FdlALHAfv2j41CR5v/AMxc+RPqoQAmD/f5j4q/qmgGJQHBffead8gr1UAH4K9+v8pXsoDZjr30Z+QHrNAX2DPeJv5RfroDHGvvGr5RNAUmBffV75A+sUAc8KA0T/5m72UAsJv85X8Y0BaYO9/mviK9VAdGOffZr5Ees0AO0B//2Q==">
+      <p:grpSp>
+        <p:nvGrpSpPr>
+          <p:cNvPr id="10" name="Gruppieren 61">
             <a:extLst>
               <a:ext uri="{FF2B5EF4-FFF2-40B4-BE49-F238E27FC236}">
-                <a16:creationId xmlns:a16="http://schemas.microsoft.com/office/drawing/2014/main" id="{2860D6E0-9881-D96B-5C6D-ECC3FBE9D15D}"/>
-              </a:ext>
-            </a:extLst>
-          </p:cNvPr>
-          <p:cNvPicPr>
-            <a:picLocks noChangeAspect="1" noChangeArrowheads="1"/>
-          </p:cNvPicPr>
-          <p:nvPr/>
-        </p:nvPicPr>
-        <p:blipFill>
-          <a:blip r:embed="rId13" cstate="print">
-            <a:extLst>
-              <a:ext uri="{28A0092B-C50C-407E-A947-70E740481C1C}">
-                <a14:useLocalDpi xmlns:a14="http://schemas.microsoft.com/office/drawing/2010/main" val="0"/>
-              </a:ext>
-            </a:extLst>
-          </a:blip>
-          <a:srcRect/>
-          <a:stretch>
-            <a:fillRect/>
-          </a:stretch>
-        </p:blipFill>
-        <p:spPr bwMode="auto">
-          <a:xfrm>
-            <a:off x="3457271" y="3256000"/>
-            <a:ext cx="536182" cy="536182"/>
-          </a:xfrm>
-          <a:prstGeom prst="rect">
-            <a:avLst/>
-          </a:prstGeom>
-          <a:noFill/>
-          <a:extLst>
-            <a:ext uri="{909E8E84-426E-40DD-AFC4-6F175D3DCCD1}">
-              <a14:hiddenFill xmlns:a14="http://schemas.microsoft.com/office/drawing/2010/main">
-                <a:solidFill>
-                  <a:srgbClr val="FFFFFF"/>
-                </a:solidFill>
-              </a14:hiddenFill>
-            </a:ext>
-          </a:extLst>
-        </p:spPr>
-      </p:pic>
-      <p:grpSp>
-        <p:nvGrpSpPr>
-          <p:cNvPr id="14" name="Gruppieren 61">
-            <a:extLst>
-              <a:ext uri="{FF2B5EF4-FFF2-40B4-BE49-F238E27FC236}">
-                <a16:creationId xmlns:a16="http://schemas.microsoft.com/office/drawing/2014/main" id="{AAFD97C9-F6A9-2985-0480-8E1400D3A637}"/>
+                <a16:creationId xmlns:a16="http://schemas.microsoft.com/office/drawing/2014/main" id="{C8A0CB8B-C371-780C-D3C3-97E020879042}"/>
               </a:ext>
             </a:extLst>
           </p:cNvPr>
@@ -25133,7 +24253,7 @@
         </p:nvGrpSpPr>
         <p:grpSpPr>
           <a:xfrm>
-            <a:off x="1619216" y="1600218"/>
+            <a:off x="4355799" y="4042076"/>
             <a:ext cx="1584176" cy="1584176"/>
             <a:chOff x="5891686" y="2589438"/>
             <a:chExt cx="1940934" cy="1940720"/>
@@ -25142,10 +24262,10 @@
         </p:grpSpPr>
         <p:sp>
           <p:nvSpPr>
-            <p:cNvPr id="15" name="Freeform 10">
+            <p:cNvPr id="11" name="Freeform 10">
               <a:extLst>
                 <a:ext uri="{FF2B5EF4-FFF2-40B4-BE49-F238E27FC236}">
-                  <a16:creationId xmlns:a16="http://schemas.microsoft.com/office/drawing/2014/main" id="{47D62A29-1DD9-3DF6-BEBA-4939890C06C9}"/>
+                  <a16:creationId xmlns:a16="http://schemas.microsoft.com/office/drawing/2014/main" id="{898B9307-A255-F4D7-8514-9F2DB77AA3DF}"/>
                 </a:ext>
               </a:extLst>
             </p:cNvPr>
@@ -25959,10 +25079,10 @@
         </p:sp>
         <p:sp>
           <p:nvSpPr>
-            <p:cNvPr id="16" name="Ellipse 63">
+            <p:cNvPr id="12" name="Ellipse 63">
               <a:extLst>
                 <a:ext uri="{FF2B5EF4-FFF2-40B4-BE49-F238E27FC236}">
-                  <a16:creationId xmlns:a16="http://schemas.microsoft.com/office/drawing/2014/main" id="{FB53E8EF-14B0-86FB-CEEB-F0882F682453}"/>
+                  <a16:creationId xmlns:a16="http://schemas.microsoft.com/office/drawing/2014/main" id="{7A60F582-55A9-8E45-C031-7026DF544C7A}"/>
                 </a:ext>
               </a:extLst>
             </p:cNvPr>
@@ -26010,54 +25130,68 @@
             <a:lstStyle/>
             <a:p>
               <a:pPr algn="ctr"/>
-              <a:r>
-                <a:rPr lang="de-CH" sz="1200" dirty="0">
-                  <a:solidFill>
-                    <a:schemeClr val="tx1"/>
-                  </a:solidFill>
-                </a:rPr>
-                <a:t>Text</a:t>
-              </a:r>
+              <a:endParaRPr lang="de-CH" sz="1200" dirty="0">
+                <a:solidFill>
+                  <a:schemeClr val="tx1"/>
+                </a:solidFill>
+              </a:endParaRPr>
             </a:p>
           </p:txBody>
         </p:sp>
       </p:grpSp>
       <p:pic>
         <p:nvPicPr>
-          <p:cNvPr id="17" name="Picture 16">
+          <p:cNvPr id="13" name="Picture 2" descr="data:image/jpeg;base64,/9j/4AAQSkZJRgABAQAAAQABAAD/2wCEAAkGBwgHBgkIBwgKCgkLDRYPDQwMDRsUFRAWIB0iIiAdHx8kKDQsJCYxJx8fLT0tMTU3Ojo6Iys/RD84QzQ5OjcBCgoKDQwNGg8PGjclHyU3Nzc3Nzc3Nzc3Nzc3Nzc3Nzc3Nzc3Nzc3Nzc3Nzc3Nzc3Nzc3Nzc3Nzc3Nzc3Nzc3N//AABEIAKEAoQMBEQACEQEDEQH/xAAcAAACAgMBAQAAAAAAAAAAAAAGBwAFAgMEAQj/xABTEAABAwICBQYHCQsLBAMAAAABAgMEAAUGEQcSITFBEyJRYXGBFDJCkaGxwSM1YnJzgpKy4QgWFyRSU1WU0dLwFTQ2N0NFdIOTosIzY2SVJSZU/8QAGwEBAAIDAQEAAAAAAAAAAAAAAAEEAgMFBgf/xAA5EQACAQIDBAYJAwQDAQAAAAAAAQIDBBEhMQUSQVETImFxkdEGFCOBobHB4fAWMlMzQlLxFSRDNP/aAAwDAQACEQMRAD8AeNASgJQEoCUBCchQAzivF8KwKTHCTImqTmGUnIJHSo8PXWitXjT7WdTZ+yqt51tIc/IApWLr3cFHWmKZQfIYGoAO3f6a507ipLj4Hoqey7Siso4vm8/t8DbYrq/CuzEx151zbquFSyolB37/AD91Y0qjjNSbMbu1hVounFYcu8biMinMbQa7R4s9O6gAq/TFybmoNqUlDHMSQePE/wAdFc2vNynlwO7Z0VCji9XmYR7lPj+JIWR0L5w9NRGtUjxMp29GesQgtV8blKDMkBp47vyVdnXVulXU8nkzm3FnKn1o5ouasFIlASgJQEoCUBKAlASgJQEoCUBS4svYsdkfmaoU7sQyg+Us7u4bz1CtdWp0ccS7s+09buI09Fx7kI5TzkqS4/IcU484rWWtW8k8a5Ms3iz6CoRpwUILBLQ7o9aivM72RQrTGxhaUZliiuKOakp1FdqTl7K7NvLepo8df0+juJJaa+J3znxGhPvn+zQVeitk3uxbK9KG/NR5gC3zjmo5k7TXK1zPRPLJHUlAyrLA1Yml1IFQzOLCvD1wVNhkOnN1s5KP5Q4H+Oir9Cpvx7Uca8odFPLRltW8qEoCUBKAlASgJQEoDVJkMxY7j8hxLbTaSpa1HIJAqG0lizKEJVJKEVi2aLVcYt0htzITodYc8VW7bxBHA9VRGSksUZ16FShUdOosGjsrI1Cz0wSFBdrijxDyjqu0ZAes1Su5aI9T6NU17Wp3L5i8aPPqlI9RLQsWDWoqTO9miK0hhaP5GtDksE/9NwKHYR9ldKyl1XE81tiGFSM+ZZ4qf5K0qTntcWlPt9lbbl4Uyps+G9WT5Ak0oCuejtSR0Jd2b6zxNe6a3V1DMoosMJu5XZaOC2jn2gj7a3Wr6+BV2hD2KfJhmN1dA4hqkPNx2VPOrShtAKlKJ2AVDaSxZMYubUY6s1W+fGuMREqK6FtL3HiOojgaiE4zWMTZWozozcJrBo6qyNRKAlASgPCcqAUWkfFBuU1VqhLPgcdfuqkn/qrHDsHr28KoXFbelurQ9lsTZ3Q0+nqLrS07F9/kcGBMSqsVx5GSs+ASSA6DmQ2rcFgevq7Kwo1XTeehY2ts71ulvQ/etO3s8vuOttQUgKSQQdoI410jwuGGQtNMLKi7apGXMAdbJ6+aQPQapXazTPVejU1hVh3P5oXaDkoVTZ6d6HfHVurUytNFgyqoK8kGej17/wCRkNcFs63eFD9tXbKXXaODtmPsovtLXG7uq1Da/KWpR7gB7a3XjySKeyoYynIGUOVRxOu4mzlKnEw3TFbmdRiZKJb4OSV3da+CGVZ95H21ZtVjPEo7TeFBLtDY+LXROCxd45v3hbpt0Vz3Bo+6KSfHUOHYPXXMuq+892Oh6bZVl0a6aazenYvuUuGMQKsdxHKkmG8QHk5+L8MdY9I7BWu3rOnLPRl2/sFd0ur+9aeQ3UOJcSFIIKSMwRuIrrnjHingzKgJQEoAcx7eTZMPPPNK1ZDx5Fkjgog7e4AnurVWnuQ7zo7KtfWbqMXos33CNFcw9+ZCoJGdowxMXWxY5rg5RsZxVKO1SRvR3cOrsq7bVf7H7jym3tnbr9ZprJ69/P3/AJqW2kyAZmFnnWxrORVpeHxc8legk91bbmONPHkUdhVlTvYxbyll5fETnGuae6OmOusGjVNHeyvYKwK0kFmAXSMQIGfjNLHqPsqzaf1TjbYjjbe9Ftj53KdERnuaUfOfsrbePrJFLY8fZzfaDaHKqHVcTPlanEx3TxTvSagndDDAsciG/KVs5ReqnsH2k+auhZx6rkzh7Xn7SNPl9TZjK+m2Q/BY68pTw3jehPT29H2VldVtxbq1Zjsuz6epvy/avixYOqyFco9akcL66lFiERnaL7wZ9ocguqJdgkJSTxbPi+bIjuFdS1njDdfA8lt606GuqsdJ/Pj9GGtWjhkoCUAr9Mr55e1xtuqEuOd+wVSunmkep9HIdWpLuXzFyKqHpzIVBKNjLzkd5t9hZbdaUFoWPJUNxqU2niiJRjOLjJYpjvwxeGMTWIOrSnlCktSmh5Kstvcd47a6dOaqwPn9/Zzsbjd4ap9n5qJq9W5y03WTAd/sHClJ/KTvSfNlXNnHdk0e7tbhXNGNVcV/v4nIhWqdlYNG5o7WXK1tGicQpwI7/wDZYg/K1h/tNb7X+qjkbWj/ANSXu+ZbaQ3crywnoYHrNbL19ddxS2NH2En2g2l2qmJ1HAz5WmJG6eoK3nEtNJ1nFkJSBxJNSs3giGopNy0GctyNh6xpLp9zjtgda1dXWTXY6tGn3HkUql7cdXWT+H2FTcZ70+W7KknN1w5kcB1Ds3Vx5yc5OTPZUKEKMFThoitdcqC1GJwvOZk5VmkWooLdFD6m8TrZG52KrPuKSKt2z9ocX0hgnaKXJ+Y4K6B4klASgFxpjhKVEt9wQnY0tTKz0awzHpT5yKqXUdGej9HayU503xWPh/sWAqkesRkKEntQZIvcHX9eH7y28tR8Ed5khPweCu0Hb2Z1spVOjljwOftOxV5QcV+5Zry94WaVLOl6PHv0XJWqEtPKScwpBPMV5zl3irN1DLfRxPR67cJStZ967+K/OQtjVI9WZoWU5VDRDQT4DezxVb0jipX1TWy3XtUcna8f+nP84ouNJLmriBsf+On1msrz967ihsOONs+/yBhL3XVQ6+4Z8r10I3Qs0e27wueu4OJzajc1B4FZHsB9Iq5Z096W/wAjibZuOjpKitZa933Zx46v4uVwMSOvOLGOrsOxa+J7OHnrG6q78sFoixsmw6GlvzXWl8ECTj3XVbA7UYHI47nurNI3Rias6yMw60Rwi7eZc3V5jDPJhXDWUd3mT6qtWseu2ed9IqyjQjT4t4+H+xsVfPHkoDmjTospbqY0ll1TSyhxKFglChwI4GoTT0MpU5RSclhiab1bmLvbn4MoEtPIyzG9J4EdYO2olFTi0zZb3E7erGrDVCEvNpl2S4uwZyCFoPNWBklxPBSer1bq5c4ODwZ9AtbqFzTVSDyfwZyCsSye1Bke0JGXo7urV3tL+HbmQvVbIbB8to7Mu1Pqy6Ku281KPRyPJ7btZW1aN5S4vPv5+8AbxbHrRcn7fI2rZVkF5Za6d4V3iqk4uEnFnpbW5jc0o1YcfxnFWJvCPR6M8XwOorP+01uof1EczbP/AMM/d8y20qK1MRM9cZP1lVldrrlL0eWNrLv+iBAP9dVN07bgbo3KypDceOnXddUEIR0k0UG3gjXU3acXOeSQx8Rzm8IYWYtcRweGvp1QsbD8NeXfkO3qroVH0FJQjqeVsqMtpXkq811V+JeYsFP7Mhwqhunr901KWTU4GaRhUkm+FEkTpbcWG0p1906qUD1noHSamMXJ4LU11asKMHOo8EvzxHlhWyN2C0tQ0kKc8Z5wDLXWd57NwHZXUpU+jjgfPb+8ld13UenBcl+ZllMmRoTXLS5DbLW7WcWEjP8AbWbaWpWp051HuwWL7DPlm/zg89SY7rPmpm8zGLw/coElyNIceW5rtnLPNRO3gRt3Gua208Ue4jRhOkqdRYrAZeGNKKHCmPiFkNnd4UyCQfjJ4d2dWIXPCRx7rYjXWt37mGN3tdqxZagFLaebUCWZLJCig9IPrFbZwjVicq3uK9jWxWT4p/UT+IsN3DD0gIloLjCjk1JQOYv909R9NUKlOVPU9tZX9G8jjDJ8UVHZWsvHtQSdVtnP22cxNiKCXmFhSc9x6R3jMd9TFuLxRrrUYXFN0p6P8x92ow8cwGcR4fjYjtiNZxpvNwZc4t8QetJz9NXK8VUgqiPL7JrysrqVnW0b+PDx8hZ1SPWhRo1Tr4wi/BbcV6K3269ojk7ceFjLvRZ6XU5XyErLxox9Cqzul1kVPRt/9ea7foAtVT0IwdGdmQyl7ENwAQ0yFBgq4ADnr9nnq3bQWc3wPM7du5SatKWrwx+i+vgCWJbw5fbw9OczCCdVlB8lsbh7e+q9SbnJtnbsbRWlCNJa8e/j5FXWBbPKAsLLZp17liPb2Ss+W4diGx0k/wAGsoQlN4RK11eUbSG/VeHLm+4b2GMOQMMQVLLiFSCnN+U4NXZ0DPxU/wAGujSpRpLE8PfbQrX9TDDLgl+alNiHSJFj5s2VtMp3cX1ZhtPZ+V6B11rqXSWUToWewKk+tcPdXLj9hc3W5Tbu+p64SFvL26useajqSNwqnKTl+49Rb29K2ju0o4L59/Mv/v0m9ArZ0zOX/wAPR/GL+6xjb7xOiEEcjIW3t6Ao5ejKpksG0Z29TfpxlzR40usGW4yLiyXy42R8O22StrM85vehfance3fUwm4PFGFe1o3Md2rHH5r3jNsePrTfGPAL+w3HcdGoQsazLnefF7/PVmNeM+rM87c7HuLaXS27xS5arzKzE2jt1sKmYeJeaPOMVSucB8BXEdR+ytdS3wzgXbHbqfs7nJ8/MAHELacU06gocQdVSFDIpPWKq8cD0kZKSTTyZ5UGQe6LL1yMt2yylZsyc1s57gvyk9hG3tB6atWtTB7j0Z5z0gs96CuYaxyfdwfuKPGuHzh+7lDKfxJ/NbB6OlHd6sq11qe5M6Oyr5XdBY/ujk/M7tFrevixKvyIzh9KR7aytv6ho9IJYWWHNr6lnpgRlcLW50tOJ8xT+2s7vVFX0al7OpHtX1BLDtnevt2Zgs5pSrnOufm0DefYOsiq9ODnJI7N9dxtKDqy93aw20kXJm12qNh23gNpUhJcSnyGh4qe8j0Hpq1czUYqnE89sK2lXrSu6vB5d/P3C2qkesJntGwmgDTDOj+bcNWRdwuHF3hv+0cH/Edu2rNK3lLOWSOBf7dpUepQ60ufBefyCe4YpsWFo38n2dhDzrf9kzsQk9Kl9PnNb3Vp0luw1OTQ2ZebQn01d4J8Xrh2LkL2+4huV8dJnSDyXBhvmtju4nrOdU6lSU9T09pYW9osKcc+b1Ko7d9YFs8OeR1RmrLYOk8KAYH3gfDV56ternm/+bQO6ZLAuBfEXdlH4vOyCyPJdA9oGfcayrxwljzNGyLjep9E9V8gDaXlWhnajI6kLrE3RZuSdlQzcmEOGsXXXD+TcZ0PRc9sZ4kp69U7092zqrOFWUNCjebMt7tYyWEua+vMPm5GF8fNBp5Jj3IJ5oJCXR8U7lDq29lWsaddZ5M4Dhf7JeMXjD4fYD8R4Iutl13m0+GQxt5Voc5I+En2jPuqtUt5w7Ud2y2xQucIvqy5eTBth5xhxuRHcKXW1BbaxwUNxrQnhmjqThGcXCaxTHPKjxcc4RbcRqodcTrtq/NPDYQerPMHqrpNKvTxPDU51NlXzXBZPtQJ6KorrOJbimQ2W3I8ctuIO8KKx+6ar20eu1yO16QVYztabi8VJ4/D7nfpgaJYtLqRnk443kOJUAR9Ws7v+1lf0aklKrF8k/DHzLjB9nZwrh52bcAG5C2+WkqPkJAJCe711spQVKG8yhtK7ltC5VOnongu3Hj7/kKe73B263KTPfzC3llWR8lPkjuGyqEpObcmeztqEbajGlHh8+JZYewpdb8pLkZoMxTvkvbE/NHlerrrOnSlU0K17tS3tMpPGXJfXkHTUDDOBWkvSnDJuBGaCQFOH4qdyR1+mrW7ToLF5s85Kvf7We7BYQ+HvfEE8RY0uV512EKMSGdgbaUQpQ+Erj2DIdtV6leU8tEdqx2Pb2yUn1pc39AZGwZVpOtieUBKENhBgWzqvOIGARnGikPPHs8Ud5HmBrdRp70zmbWu1bWz/wApZL6vwHZmroFdM8Fmcd7tMS82x+BcG9dh4ZHpSeBHQRWMoqSwZupVZUpqcXmj56xdhS4YWm6klJcirOTEpI5q+o9CurqqjOm4PM9ZaXkLiOWvFFO25WsvxkdKF1iblI3JVUYGxMzSrIggkFJzBGwg9tQZrNNB1hnSLMt+qxeQqZG3B0Zcqj2K9fbVincuOUs0cO92HSq9ah1ZcuD8vkFU7DWHMXR/5QtriWnV734+zM9C09PmNbpUadXNHJo7Qvdnz6KqsVyf0f4jHA1nu+G5kq3TUoegvDlWpDSualYyBBB2jMZebfU0ITpyaehO1bu2vYRqwymsmny+31Cxi2xWbhJntN6siShCXVDygnPLv2+qtyilLeOTKvUlSjSbyjjh7zydbIs5cVclvXMV4PNZ8F5EA9e+koqWGPAUq9SipKDw3lg+4oMeQbrd4ce1Wpoaj69eQ84vVQlKcsgeO09A4Vqrqc0oxOjsmtb29SVes81olrn+fE4LRgmy2Bjw68vIkLaGspb/ADWUHqTx786whbwhnLMsXG2bq8l0VusE+Wr9/kVWI9IbjgVFsCOSbHNMpadp+Inh2nzVhUueEC5Y7BivaXLxfLzfkAbrrjzy3nVqccWc1rWc1E9pqo89T0cYqEVGKwS5GFDIlCGeUGJ32W0Tb3MEWA3rk+O4rxG09Kj7N5rOEHN4Iq3V3StafSVH3c33Dqw1Yo1htqYkbnKz1nXDvcV0/ZXSpwUFgjwt5dzu6vST9y5Itsuusyqe0Bolx48phbEppt1lwZLQ4kEKHZRpPUmMnF4xeDAG8aJrLLUpy2PP29Z3JT7ogHsO3LvrRK3i9DqUdr1qeU8yjXohuKFZNXeKpPSppST6zWt20uZejt2HGD8T0aJrsP70hfQXUerS5m1bfpf4PxRmNFF1H95w/wDTXUeqy5mX6ho/4PxRkNFV0B99Iefyaqeqz5mX6io/4PxR3WrR9f7PKEq33uMy7s1tVtWSx0EHYRUxt6kHjGRpuNtWtxDcqUm136DFhh4Mo8KLZf1eeWwQknqzq2scMzzc93ee5p26nRUmJKA1u55c3LPhnQAHe8FXy+yeWn31lSUnNtoRlBDfYNb0nM1UnQqT1l8D0Npte1tIbtOi8eLxz+RX/gumfpdj9XP71YeqT5lr9SU/434ryJ+C2Z+l4/6ur96nqkuY/UlP+N+K8jz8Fsz9Lx/1dX71PVJcx+o6f8b8V5E/BbM/S7H6ur96nqkuZH6jp/xvxXkWdu0ZQGTrXKY9L6UIHJJ9BJ9NbI2sf7mVK/pBWllSio9+b8vgGdugxLfHTGgsNsMp3IQMh21ZjFRWCOJVrVK0t+o8WdQAG6pNZ7QEoDRMacdjuNsvKYdUgpQ6kAlBI2HI5g5dYqGTFpNNrERN8xfjizXN+3z7s4h1lWWaY7QChwUObuNU5TqJ4NnpqFnZ1qanGOvayqXjvFK997k92qPUKjpJ8zetn2y/sNQxliQnnXyf3PkVG/PmbY2dsv8AzRn9898cHPvE4/56v21hvS5m6NrbLPcXgeC73V9SU/yhPWtRyCQ+slR6MgaxbfM3KlQisdxeCGJhLA10lakvEUyY01wiCQvXV8Y583sG3sqxToSec3kcS92rRhjC2im+eCy7hmtNJaSlKQAlIyAHAVcWWR5t5vFmygJQGKk55dVAAGLMEy3VLmYfmyG3DmVxDIUEqJ4pOezsOzsqrUoPWDPQWG1qUUqdzFPtwXx/PEW7s+7wnlsPTJ7DrZyW2t5YKT2E1U3pJ4Ynpo0rapHejGLXPBGSMQ3pHi3aaP8APV+2m/LmzB2dq9aa8DMYpv6d15nf6xNT0s+Zi7C0/iXgbU4xxIjdeZJ7dU+yp6Sp/ka3s2yf/mvidEXGmLH32o8a5vOvOqCG0ci2SpR3DxayVWppiaamzbCCcpQwS7X5jnsjEyPbmG7lJ8JmBObzuqEgqPAAADIbqvwTS6zxZ42vKnKo3SjhHgv9lhWRqJQEoDwjOgBbHGD4mKoYBIYnNA8jIAzy+CrpHqrXUpqa7S5Z3kraXZxQib/h66YekFm6RVtDPJLo2tr6wrd3b6pyi4vM9PQuaVdYwZVZgViWMApwxga+35xK2o5jQzvkyBqp+aN6u7Z11nGlKRRuNo0aHHF8hy4TwTacOJDjKPCJuXOlOpGt80eSOyrcKUYHn7q/rXOTeC5IJtUVsKR7QEoCUBKA8yoClxHhi139kJnMZPDYiQ3kHEdh6Oo7K1zpxnqW7S+rWssaby5cBT4iwJeLKVOMtmfEG3lWU85I+Ejf5s6pToSh2o9Va7YoXGUnuy5P6PzBLlNpB2EbD1VqOm5HRboMy6SPBrbFdkvZ5arY2DtO4d9ZKLbwRpq3FOjHeqywQ4sCYJbw8nwyeUPXJacs07UsjoT19Jq7So7mb1PJbR2nK6e5DKHzDUAA51vOUe0BKAlASgJQGt5pDyCh1CVoO9KgCDQlNp4or2MO2WM8Ho9nt7bwOYcRFQkjvArHditEbJV60lg5PDvZaDdWRqJQEoCUBKAlASgJQEoCUBWy7FaZrxel2qC+7+W5HQpXnIrFwi9UboXNemsITaXezsixWIjQaisNMtjchpASB3CpSwNcpym8ZPE3VJiSgJQEoCpg4lslwlJiwbrDkSFZ6rbToUo5b9lAW1AVlzxBaLS8lm53KLFcUnWSh50JJHTtoDe/dIEe3i4Py2W4ZSlQfUsBBB3HPrzoDC13m23dLirXOjy0tkBZZWFapO7PKgO+gKiLiexzJiYcW7Q3pKlFIZQ6Cokbxl3GgLegKy5Yhs9qkBi5XOJFdKQsIddCSQSQDl3GgOyFMjT4rcqE+2/HcGaHG1ayVcNhoCvnYnsVulLiz7tDjvt5a7brwSpOYzGzsIoC1QoLSFJIKSMwRxFAcN0vdrtBaF0nxohdzLYecCdbLLPLPozHnoDO13a33dpbtsmMSm0K1FKZWFBKsgcjlxyIoDqddQy2tx1QQ2hJUpROQAG80BW27Edluknwa23SJKf1Svk2nQo6oyzOQ4bR56AsJEhmM0p6S6hlpPjLcUEpHaTQFQvGGG0KKVX23AjePCE0But+JbJcpKY0C6w5D6gSG2nQpRA37KAzuWILPanwxcrlFiuqTrBDzgSSOnbQHJ9+eGf09bv9dNAI3Q8ANIkH4r31DQk+jxQgQ+n/APpNb/8ABH65oSgsxlt0JR8+MOJ/woCu+56/mN8+Xa+qaEMb1AfNWjn+tOB/jJH1XKEn0i662wyt11aUNtpKlKUcgkDaSaEHzTJRcNIuKbxPhoV7nHXIQkjaGkbEI6iro6c6EhtoExJrNysOvq2IBkxTnsKT46fOQrvPRQg0afrJqy7fe2280OpMV85cRzkZ92uPNQlB5opu5vGB7etxZU9GT4M6TvJRsBPanI99CBYaZJT18x/HtEMFxyM0hhtCfzjhzPflqUB0aB7qYWIZ9le5vhbfKIH/AHGzkR26pP0aAP8ATDdza8DTENq1XpqkxUHoCvGP0QrvyoAT0EW5qFarviGUNRB9xQsjc2gayyO85fN6qEsCZcy76TsXMx+VKUvLJjsuH3OK0BvI4kDfxJO8DcAw2NCNoDSQ/dp63MucpKUJGfZlQYl3hTRja8M3tu6w50x11tCkBDurqnWy6B1UIxF7p724rh5//hH11UJFtkOigLnC8a8S8QMs4deU1cTr8mtLmpsyOe3soA9+97S0f7ykfr4oMgKxxBxHBuDKMWPrellnNpS3uU5mfTw20CGxjH+pKN/g4n/CgK77no/iF8+XaOXzTQgb1AfNWjj+tKAeHhkj6rlCRm6bsQm14ZFrjuasm5K1DkdqWRtWe/Yn51CAW0SYlwvhezyXLnODVwlu5uJDSlaradiRmB2q+dQAdLusSw49Xd8NvcpBalB9kJSU6yFbVt5HtUnzUJHvjO3s4vwHKTBKXeXjCTDUOKwNZHn3d9CBb6BL2mNcLnbH3NVt9oSkJOzVUjYv/aU/RoSV+jhpeJ9Kjt3czW0h56co7xtzS2nu1hl8WhBz4oT95Olkz0JKY6ZQmjLPY25nynrX6qE8C20+XgSLvbrUyrXbjMGQsJ26y15hI7QlJ+kKEDAcsyrBook2xoZOs2xzX1eKyklZ85NAInBkS9zb2lnDL5YuJZWQtLvJnU2a23zbKEh597mlr9Kvf+wH7KDIIMDWbH8PETT2JJ7r1uDawpCpYcGsRzTl56EAlp7/AKVw/wDBD6yqAW1CQz0OuIVpEgpSpJIS9sBz8g0DPpGhAhfugVpRia36ygPxI7zl5RoShjPWZzEOiiNbI60peftjHJKVu1wlKk59RIA76ECjwfiado2vUxi7Wx3UkpSh5hxXJqBRnkpBOxXjHjkdm2gC+8acoXgDibXapKJSwUoclLQlCD080knLo9NAVOhfCtxexC1f5jDjEKKhZbW8nVL7iklOwHgAonPpy66ElJiKcvSJpIEaA9my48IsdaTnqspJ1lgfSV3igGp+CDCJOfg8z9bXQgFNJWjS12PDa7pYG5AcjOBUhLjxXm0dhO3dlmD2Z0JTLPQNiRubZ37C66FPQTyjPOzzaUdoHxVegigYuceRHsI46uLcR3kEu67jCwcvcnkkKHdmodwNAhg/c+2sN2u53YpHu7qY7Ry8hAzJB6yrL5tAzT90FaAY1svSUjJsqivHcCk85OfYQr6VAgJ0fR3cWY8twluiQlgJedOeeTbKQEjzhA76A+lH2m5Edxl5AW24koWk7lAjIihB85XKy33RjiZufFbW7FZUeQlqRm262dhSvLccthzy6RQBQ1p5RqgO2BvWy8i4jI+dvZQBBgrSs1izEDVoRafBy42tfKiUHMtUbstUUAFaflpRiyHrKSPxIbzl5aqEoWnLNfnUfSFCT6Ewl/SCP2K+qaGIxRQANjr3zY+R9poAss3vRC+QR6hQA9pF96FdlALHAfv2j41CR5v/AMxc+RPqoQAmD/f5j4q/qmgGJQHBffead8gr1UAH4K9+v8pXsoDZjr30Z+QHrNAX2DPeJv5RfroDHGvvGr5RNAUmBffV75A+sUAc8KA0T/5m72UAsJv85X8Y0BaYO9/mviK9VAdGOffZr5Ees0AO0B//2Q==">
             <a:extLst>
               <a:ext uri="{FF2B5EF4-FFF2-40B4-BE49-F238E27FC236}">
-                <a16:creationId xmlns:a16="http://schemas.microsoft.com/office/drawing/2014/main" id="{A8EE9557-75A0-C0DE-947E-AA074BC709DD}"/>
+                <a16:creationId xmlns:a16="http://schemas.microsoft.com/office/drawing/2014/main" id="{2860D6E0-9881-D96B-5C6D-ECC3FBE9D15D}"/>
               </a:ext>
             </a:extLst>
           </p:cNvPr>
           <p:cNvPicPr>
-            <a:picLocks noChangeAspect="1"/>
+            <a:picLocks noChangeAspect="1" noChangeArrowheads="1"/>
           </p:cNvPicPr>
           <p:nvPr/>
         </p:nvPicPr>
         <p:blipFill>
-          <a:blip r:embed="rId14"/>
+          <a:blip r:embed="rId12" cstate="print">
+            <a:extLst>
+              <a:ext uri="{28A0092B-C50C-407E-A947-70E740481C1C}">
+                <a14:useLocalDpi xmlns:a14="http://schemas.microsoft.com/office/drawing/2010/main" val="0"/>
+              </a:ext>
+            </a:extLst>
+          </a:blip>
+          <a:srcRect/>
           <a:stretch>
             <a:fillRect/>
           </a:stretch>
         </p:blipFill>
-        <p:spPr>
+        <p:spPr bwMode="auto">
           <a:xfrm>
-            <a:off x="2073018" y="2245071"/>
-            <a:ext cx="735023" cy="329568"/>
+            <a:off x="3457271" y="3256000"/>
+            <a:ext cx="536182" cy="536182"/>
           </a:xfrm>
           <a:prstGeom prst="rect">
             <a:avLst/>
           </a:prstGeom>
+          <a:noFill/>
+          <a:extLst>
+            <a:ext uri="{909E8E84-426E-40DD-AFC4-6F175D3DCCD1}">
+              <a14:hiddenFill xmlns:a14="http://schemas.microsoft.com/office/drawing/2010/main">
+                <a:solidFill>
+                  <a:srgbClr val="FFFFFF"/>
+                </a:solidFill>
+              </a14:hiddenFill>
+            </a:ext>
+          </a:extLst>
         </p:spPr>
       </p:pic>
       <p:grpSp>
         <p:nvGrpSpPr>
-          <p:cNvPr id="18" name="Gruppieren 61">
+          <p:cNvPr id="14" name="Gruppieren 61">
             <a:extLst>
               <a:ext uri="{FF2B5EF4-FFF2-40B4-BE49-F238E27FC236}">
-                <a16:creationId xmlns:a16="http://schemas.microsoft.com/office/drawing/2014/main" id="{43470DDF-CA15-3710-887D-4D75A051BB08}"/>
+                <a16:creationId xmlns:a16="http://schemas.microsoft.com/office/drawing/2014/main" id="{AAFD97C9-F6A9-2985-0480-8E1400D3A637}"/>
               </a:ext>
             </a:extLst>
           </p:cNvPr>
@@ -26068,7 +25202,7 @@
         </p:nvGrpSpPr>
         <p:grpSpPr>
           <a:xfrm>
-            <a:off x="4438942" y="1700658"/>
+            <a:off x="1619216" y="1600218"/>
             <a:ext cx="1584176" cy="1584176"/>
             <a:chOff x="5891686" y="2589438"/>
             <a:chExt cx="1940934" cy="1940720"/>
@@ -26077,10 +25211,10 @@
         </p:grpSpPr>
         <p:sp>
           <p:nvSpPr>
-            <p:cNvPr id="20" name="Freeform 10">
+            <p:cNvPr id="15" name="Freeform 10">
               <a:extLst>
                 <a:ext uri="{FF2B5EF4-FFF2-40B4-BE49-F238E27FC236}">
-                  <a16:creationId xmlns:a16="http://schemas.microsoft.com/office/drawing/2014/main" id="{473D2B14-6DEC-CC92-FF5A-30771948B17A}"/>
+                  <a16:creationId xmlns:a16="http://schemas.microsoft.com/office/drawing/2014/main" id="{47D62A29-1DD9-3DF6-BEBA-4939890C06C9}"/>
                 </a:ext>
               </a:extLst>
             </p:cNvPr>
@@ -26894,10 +26028,10 @@
         </p:sp>
         <p:sp>
           <p:nvSpPr>
-            <p:cNvPr id="21" name="Ellipse 63">
+            <p:cNvPr id="16" name="Ellipse 63">
               <a:extLst>
                 <a:ext uri="{FF2B5EF4-FFF2-40B4-BE49-F238E27FC236}">
-                  <a16:creationId xmlns:a16="http://schemas.microsoft.com/office/drawing/2014/main" id="{AD866475-C079-2FD4-5FD1-191D7BBA493A}"/>
+                  <a16:creationId xmlns:a16="http://schemas.microsoft.com/office/drawing/2014/main" id="{FB53E8EF-14B0-86FB-CEEB-F0882F682453}"/>
                 </a:ext>
               </a:extLst>
             </p:cNvPr>
@@ -26945,21 +26079,54 @@
             <a:lstStyle/>
             <a:p>
               <a:pPr algn="ctr"/>
-              <a:endParaRPr lang="de-CH" sz="1200" dirty="0">
-                <a:solidFill>
-                  <a:schemeClr val="tx1"/>
-                </a:solidFill>
-              </a:endParaRPr>
+              <a:r>
+                <a:rPr lang="de-CH" sz="1200" dirty="0">
+                  <a:solidFill>
+                    <a:schemeClr val="tx1"/>
+                  </a:solidFill>
+                </a:rPr>
+                <a:t>Text</a:t>
+              </a:r>
             </a:p>
           </p:txBody>
         </p:sp>
       </p:grpSp>
+      <p:pic>
+        <p:nvPicPr>
+          <p:cNvPr id="17" name="Picture 16">
+            <a:extLst>
+              <a:ext uri="{FF2B5EF4-FFF2-40B4-BE49-F238E27FC236}">
+                <a16:creationId xmlns:a16="http://schemas.microsoft.com/office/drawing/2014/main" id="{A8EE9557-75A0-C0DE-947E-AA074BC709DD}"/>
+              </a:ext>
+            </a:extLst>
+          </p:cNvPr>
+          <p:cNvPicPr>
+            <a:picLocks noChangeAspect="1"/>
+          </p:cNvPicPr>
+          <p:nvPr/>
+        </p:nvPicPr>
+        <p:blipFill>
+          <a:blip r:embed="rId13"/>
+          <a:stretch>
+            <a:fillRect/>
+          </a:stretch>
+        </p:blipFill>
+        <p:spPr>
+          <a:xfrm>
+            <a:off x="2073018" y="2245071"/>
+            <a:ext cx="735023" cy="329568"/>
+          </a:xfrm>
+          <a:prstGeom prst="rect">
+            <a:avLst/>
+          </a:prstGeom>
+        </p:spPr>
+      </p:pic>
       <p:grpSp>
         <p:nvGrpSpPr>
-          <p:cNvPr id="23" name="Gruppieren 61">
+          <p:cNvPr id="18" name="Gruppieren 61">
             <a:extLst>
               <a:ext uri="{FF2B5EF4-FFF2-40B4-BE49-F238E27FC236}">
-                <a16:creationId xmlns:a16="http://schemas.microsoft.com/office/drawing/2014/main" id="{4931DAE9-2D98-695B-3A6C-B799A83E5F50}"/>
+                <a16:creationId xmlns:a16="http://schemas.microsoft.com/office/drawing/2014/main" id="{43470DDF-CA15-3710-887D-4D75A051BB08}"/>
               </a:ext>
             </a:extLst>
           </p:cNvPr>
@@ -26970,7 +26137,7 @@
         </p:nvGrpSpPr>
         <p:grpSpPr>
           <a:xfrm>
-            <a:off x="303286" y="2777200"/>
+            <a:off x="4438942" y="1700658"/>
             <a:ext cx="1584176" cy="1584176"/>
             <a:chOff x="5891686" y="2589438"/>
             <a:chExt cx="1940934" cy="1940720"/>
@@ -26979,10 +26146,10 @@
         </p:grpSpPr>
         <p:sp>
           <p:nvSpPr>
-            <p:cNvPr id="24" name="Freeform 10">
+            <p:cNvPr id="20" name="Freeform 10">
               <a:extLst>
                 <a:ext uri="{FF2B5EF4-FFF2-40B4-BE49-F238E27FC236}">
-                  <a16:creationId xmlns:a16="http://schemas.microsoft.com/office/drawing/2014/main" id="{40DC2BDE-89A7-5942-570D-2D9ED5DC3574}"/>
+                  <a16:creationId xmlns:a16="http://schemas.microsoft.com/office/drawing/2014/main" id="{473D2B14-6DEC-CC92-FF5A-30771948B17A}"/>
                 </a:ext>
               </a:extLst>
             </p:cNvPr>
@@ -27796,6 +26963,908 @@
         </p:sp>
         <p:sp>
           <p:nvSpPr>
+            <p:cNvPr id="21" name="Ellipse 63">
+              <a:extLst>
+                <a:ext uri="{FF2B5EF4-FFF2-40B4-BE49-F238E27FC236}">
+                  <a16:creationId xmlns:a16="http://schemas.microsoft.com/office/drawing/2014/main" id="{AD866475-C079-2FD4-5FD1-191D7BBA493A}"/>
+                </a:ext>
+              </a:extLst>
+            </p:cNvPr>
+            <p:cNvSpPr/>
+            <p:nvPr/>
+          </p:nvSpPr>
+          <p:spPr>
+            <a:xfrm>
+              <a:off x="6337998" y="3035642"/>
+              <a:ext cx="1048312" cy="1048312"/>
+            </a:xfrm>
+            <a:prstGeom prst="ellipse">
+              <a:avLst/>
+            </a:prstGeom>
+            <a:solidFill>
+              <a:schemeClr val="bg1"/>
+            </a:solidFill>
+            <a:ln w="6350">
+              <a:noFill/>
+            </a:ln>
+          </p:spPr>
+          <p:style>
+            <a:lnRef idx="2">
+              <a:schemeClr val="accent1">
+                <a:shade val="50000"/>
+              </a:schemeClr>
+            </a:lnRef>
+            <a:fillRef idx="1">
+              <a:schemeClr val="accent1"/>
+            </a:fillRef>
+            <a:effectRef idx="0">
+              <a:schemeClr val="accent1"/>
+            </a:effectRef>
+            <a:fontRef idx="minor">
+              <a:schemeClr val="lt1"/>
+            </a:fontRef>
+          </p:style>
+          <p:txBody>
+            <a:bodyPr rot="0" spcFirstLastPara="0" vertOverflow="overflow" horzOverflow="overflow" vert="horz" wrap="square" lIns="0" tIns="0" rIns="0" bIns="0" numCol="1" spcCol="0" rtlCol="0" fromWordArt="0" anchor="ctr" anchorCtr="0" forceAA="0" compatLnSpc="1">
+              <a:prstTxWarp prst="textNoShape">
+                <a:avLst/>
+              </a:prstTxWarp>
+              <a:noAutofit/>
+            </a:bodyPr>
+            <a:lstStyle/>
+            <a:p>
+              <a:pPr algn="ctr"/>
+              <a:endParaRPr lang="de-CH" sz="1200" dirty="0">
+                <a:solidFill>
+                  <a:schemeClr val="tx1"/>
+                </a:solidFill>
+              </a:endParaRPr>
+            </a:p>
+          </p:txBody>
+        </p:sp>
+      </p:grpSp>
+      <p:grpSp>
+        <p:nvGrpSpPr>
+          <p:cNvPr id="23" name="Gruppieren 61">
+            <a:extLst>
+              <a:ext uri="{FF2B5EF4-FFF2-40B4-BE49-F238E27FC236}">
+                <a16:creationId xmlns:a16="http://schemas.microsoft.com/office/drawing/2014/main" id="{4931DAE9-2D98-695B-3A6C-B799A83E5F50}"/>
+              </a:ext>
+            </a:extLst>
+          </p:cNvPr>
+          <p:cNvGrpSpPr>
+            <a:grpSpLocks noChangeAspect="1"/>
+          </p:cNvGrpSpPr>
+          <p:nvPr/>
+        </p:nvGrpSpPr>
+        <p:grpSpPr>
+          <a:xfrm>
+            <a:off x="303286" y="2777200"/>
+            <a:ext cx="1584176" cy="1584176"/>
+            <a:chOff x="5891686" y="2589438"/>
+            <a:chExt cx="1940934" cy="1940720"/>
+          </a:xfrm>
+          <a:noFill/>
+        </p:grpSpPr>
+        <p:sp>
+          <p:nvSpPr>
+            <p:cNvPr id="24" name="Freeform 10">
+              <a:extLst>
+                <a:ext uri="{FF2B5EF4-FFF2-40B4-BE49-F238E27FC236}">
+                  <a16:creationId xmlns:a16="http://schemas.microsoft.com/office/drawing/2014/main" id="{40DC2BDE-89A7-5942-570D-2D9ED5DC3574}"/>
+                </a:ext>
+              </a:extLst>
+            </p:cNvPr>
+            <p:cNvSpPr>
+              <a:spLocks noEditPoints="1"/>
+            </p:cNvSpPr>
+            <p:nvPr>
+              <p:custDataLst>
+                <p:tags r:id="rId5"/>
+              </p:custDataLst>
+            </p:nvPr>
+          </p:nvSpPr>
+          <p:spPr bwMode="gray">
+            <a:xfrm>
+              <a:off x="5891686" y="2589438"/>
+              <a:ext cx="1940934" cy="1940720"/>
+            </a:xfrm>
+            <a:custGeom>
+              <a:avLst/>
+              <a:gdLst>
+                <a:gd name="T0" fmla="*/ 210 w 495"/>
+                <a:gd name="T1" fmla="*/ 267 h 493"/>
+                <a:gd name="T2" fmla="*/ 214 w 495"/>
+                <a:gd name="T3" fmla="*/ 274 h 493"/>
+                <a:gd name="T4" fmla="*/ 223 w 495"/>
+                <a:gd name="T5" fmla="*/ 282 h 493"/>
+                <a:gd name="T6" fmla="*/ 238 w 495"/>
+                <a:gd name="T7" fmla="*/ 288 h 493"/>
+                <a:gd name="T8" fmla="*/ 246 w 495"/>
+                <a:gd name="T9" fmla="*/ 289 h 493"/>
+                <a:gd name="T10" fmla="*/ 254 w 495"/>
+                <a:gd name="T11" fmla="*/ 289 h 493"/>
+                <a:gd name="T12" fmla="*/ 266 w 495"/>
+                <a:gd name="T13" fmla="*/ 286 h 493"/>
+                <a:gd name="T14" fmla="*/ 273 w 495"/>
+                <a:gd name="T15" fmla="*/ 283 h 493"/>
+                <a:gd name="T16" fmla="*/ 280 w 495"/>
+                <a:gd name="T17" fmla="*/ 278 h 493"/>
+                <a:gd name="T18" fmla="*/ 285 w 495"/>
+                <a:gd name="T19" fmla="*/ 272 h 493"/>
+                <a:gd name="T20" fmla="*/ 292 w 495"/>
+                <a:gd name="T21" fmla="*/ 262 h 493"/>
+                <a:gd name="T22" fmla="*/ 294 w 495"/>
+                <a:gd name="T23" fmla="*/ 254 h 493"/>
+                <a:gd name="T24" fmla="*/ 296 w 495"/>
+                <a:gd name="T25" fmla="*/ 246 h 493"/>
+                <a:gd name="T26" fmla="*/ 295 w 495"/>
+                <a:gd name="T27" fmla="*/ 238 h 493"/>
+                <a:gd name="T28" fmla="*/ 291 w 495"/>
+                <a:gd name="T29" fmla="*/ 223 h 493"/>
+                <a:gd name="T30" fmla="*/ 287 w 495"/>
+                <a:gd name="T31" fmla="*/ 216 h 493"/>
+                <a:gd name="T32" fmla="*/ 282 w 495"/>
+                <a:gd name="T33" fmla="*/ 210 h 493"/>
+                <a:gd name="T34" fmla="*/ 275 w 495"/>
+                <a:gd name="T35" fmla="*/ 205 h 493"/>
+                <a:gd name="T36" fmla="*/ 261 w 495"/>
+                <a:gd name="T37" fmla="*/ 198 h 493"/>
+                <a:gd name="T38" fmla="*/ 253 w 495"/>
+                <a:gd name="T39" fmla="*/ 197 h 493"/>
+                <a:gd name="T40" fmla="*/ 244 w 495"/>
+                <a:gd name="T41" fmla="*/ 197 h 493"/>
+                <a:gd name="T42" fmla="*/ 229 w 495"/>
+                <a:gd name="T43" fmla="*/ 202 h 493"/>
+                <a:gd name="T44" fmla="*/ 222 w 495"/>
+                <a:gd name="T45" fmla="*/ 206 h 493"/>
+                <a:gd name="T46" fmla="*/ 216 w 495"/>
+                <a:gd name="T47" fmla="*/ 211 h 493"/>
+                <a:gd name="T48" fmla="*/ 207 w 495"/>
+                <a:gd name="T49" fmla="*/ 224 h 493"/>
+                <a:gd name="T50" fmla="*/ 204 w 495"/>
+                <a:gd name="T51" fmla="*/ 236 h 493"/>
+                <a:gd name="T52" fmla="*/ 203 w 495"/>
+                <a:gd name="T53" fmla="*/ 244 h 493"/>
+                <a:gd name="T54" fmla="*/ 205 w 495"/>
+                <a:gd name="T55" fmla="*/ 256 h 493"/>
+                <a:gd name="T56" fmla="*/ 157 w 495"/>
+                <a:gd name="T57" fmla="*/ 13 h 493"/>
+                <a:gd name="T58" fmla="*/ 240 w 495"/>
+                <a:gd name="T59" fmla="*/ 51 h 493"/>
+                <a:gd name="T60" fmla="*/ 263 w 495"/>
+                <a:gd name="T61" fmla="*/ 51 h 493"/>
+                <a:gd name="T62" fmla="*/ 285 w 495"/>
+                <a:gd name="T63" fmla="*/ 54 h 493"/>
+                <a:gd name="T64" fmla="*/ 369 w 495"/>
+                <a:gd name="T65" fmla="*/ 26 h 493"/>
+                <a:gd name="T66" fmla="*/ 375 w 495"/>
+                <a:gd name="T67" fmla="*/ 97 h 493"/>
+                <a:gd name="T68" fmla="*/ 387 w 495"/>
+                <a:gd name="T69" fmla="*/ 109 h 493"/>
+                <a:gd name="T70" fmla="*/ 398 w 495"/>
+                <a:gd name="T71" fmla="*/ 122 h 493"/>
+                <a:gd name="T72" fmla="*/ 483 w 495"/>
+                <a:gd name="T73" fmla="*/ 158 h 493"/>
+                <a:gd name="T74" fmla="*/ 439 w 495"/>
+                <a:gd name="T75" fmla="*/ 213 h 493"/>
+                <a:gd name="T76" fmla="*/ 441 w 495"/>
+                <a:gd name="T77" fmla="*/ 234 h 493"/>
+                <a:gd name="T78" fmla="*/ 495 w 495"/>
+                <a:gd name="T79" fmla="*/ 283 h 493"/>
+                <a:gd name="T80" fmla="*/ 420 w 495"/>
+                <a:gd name="T81" fmla="*/ 332 h 493"/>
+                <a:gd name="T82" fmla="*/ 409 w 495"/>
+                <a:gd name="T83" fmla="*/ 351 h 493"/>
+                <a:gd name="T84" fmla="*/ 398 w 495"/>
+                <a:gd name="T85" fmla="*/ 365 h 493"/>
+                <a:gd name="T86" fmla="*/ 411 w 495"/>
+                <a:gd name="T87" fmla="*/ 430 h 493"/>
+                <a:gd name="T88" fmla="*/ 323 w 495"/>
+                <a:gd name="T89" fmla="*/ 421 h 493"/>
+                <a:gd name="T90" fmla="*/ 302 w 495"/>
+                <a:gd name="T91" fmla="*/ 428 h 493"/>
+                <a:gd name="T92" fmla="*/ 282 w 495"/>
+                <a:gd name="T93" fmla="*/ 433 h 493"/>
+                <a:gd name="T94" fmla="*/ 211 w 495"/>
+                <a:gd name="T95" fmla="*/ 489 h 493"/>
+                <a:gd name="T96" fmla="*/ 182 w 495"/>
+                <a:gd name="T97" fmla="*/ 423 h 493"/>
+                <a:gd name="T98" fmla="*/ 162 w 495"/>
+                <a:gd name="T99" fmla="*/ 414 h 493"/>
+                <a:gd name="T100" fmla="*/ 96 w 495"/>
+                <a:gd name="T101" fmla="*/ 439 h 493"/>
+                <a:gd name="T102" fmla="*/ 88 w 495"/>
+                <a:gd name="T103" fmla="*/ 348 h 493"/>
+                <a:gd name="T104" fmla="*/ 82 w 495"/>
+                <a:gd name="T105" fmla="*/ 338 h 493"/>
+                <a:gd name="T106" fmla="*/ 72 w 495"/>
+                <a:gd name="T107" fmla="*/ 318 h 493"/>
+                <a:gd name="T108" fmla="*/ 5 w 495"/>
+                <a:gd name="T109" fmla="*/ 291 h 493"/>
+                <a:gd name="T110" fmla="*/ 59 w 495"/>
+                <a:gd name="T111" fmla="*/ 219 h 493"/>
+                <a:gd name="T112" fmla="*/ 63 w 495"/>
+                <a:gd name="T113" fmla="*/ 197 h 493"/>
+                <a:gd name="T114" fmla="*/ 66 w 495"/>
+                <a:gd name="T115" fmla="*/ 186 h 493"/>
+                <a:gd name="T116" fmla="*/ 32 w 495"/>
+                <a:gd name="T117" fmla="*/ 124 h 493"/>
+                <a:gd name="T118" fmla="*/ 118 w 495"/>
+                <a:gd name="T119" fmla="*/ 102 h 493"/>
+                <a:gd name="T120" fmla="*/ 136 w 495"/>
+                <a:gd name="T121" fmla="*/ 88 h 493"/>
+                <a:gd name="T122" fmla="*/ 155 w 495"/>
+                <a:gd name="T123" fmla="*/ 76 h 493"/>
+                <a:gd name="T124" fmla="*/ 0 60000 65536"/>
+                <a:gd name="T125" fmla="*/ 0 60000 65536"/>
+                <a:gd name="T126" fmla="*/ 0 60000 65536"/>
+                <a:gd name="T127" fmla="*/ 0 60000 65536"/>
+                <a:gd name="T128" fmla="*/ 0 60000 65536"/>
+                <a:gd name="T129" fmla="*/ 0 60000 65536"/>
+                <a:gd name="T130" fmla="*/ 0 60000 65536"/>
+                <a:gd name="T131" fmla="*/ 0 60000 65536"/>
+                <a:gd name="T132" fmla="*/ 0 60000 65536"/>
+                <a:gd name="T133" fmla="*/ 0 60000 65536"/>
+                <a:gd name="T134" fmla="*/ 0 60000 65536"/>
+                <a:gd name="T135" fmla="*/ 0 60000 65536"/>
+                <a:gd name="T136" fmla="*/ 0 60000 65536"/>
+                <a:gd name="T137" fmla="*/ 0 60000 65536"/>
+                <a:gd name="T138" fmla="*/ 0 60000 65536"/>
+                <a:gd name="T139" fmla="*/ 0 60000 65536"/>
+                <a:gd name="T140" fmla="*/ 0 60000 65536"/>
+                <a:gd name="T141" fmla="*/ 0 60000 65536"/>
+                <a:gd name="T142" fmla="*/ 0 60000 65536"/>
+                <a:gd name="T143" fmla="*/ 0 60000 65536"/>
+                <a:gd name="T144" fmla="*/ 0 60000 65536"/>
+                <a:gd name="T145" fmla="*/ 0 60000 65536"/>
+                <a:gd name="T146" fmla="*/ 0 60000 65536"/>
+                <a:gd name="T147" fmla="*/ 0 60000 65536"/>
+                <a:gd name="T148" fmla="*/ 0 60000 65536"/>
+                <a:gd name="T149" fmla="*/ 0 60000 65536"/>
+                <a:gd name="T150" fmla="*/ 0 60000 65536"/>
+                <a:gd name="T151" fmla="*/ 0 60000 65536"/>
+                <a:gd name="T152" fmla="*/ 0 60000 65536"/>
+                <a:gd name="T153" fmla="*/ 0 60000 65536"/>
+                <a:gd name="T154" fmla="*/ 0 60000 65536"/>
+                <a:gd name="T155" fmla="*/ 0 60000 65536"/>
+                <a:gd name="T156" fmla="*/ 0 60000 65536"/>
+                <a:gd name="T157" fmla="*/ 0 60000 65536"/>
+                <a:gd name="T158" fmla="*/ 0 60000 65536"/>
+                <a:gd name="T159" fmla="*/ 0 60000 65536"/>
+                <a:gd name="T160" fmla="*/ 0 60000 65536"/>
+                <a:gd name="T161" fmla="*/ 0 60000 65536"/>
+                <a:gd name="T162" fmla="*/ 0 60000 65536"/>
+                <a:gd name="T163" fmla="*/ 0 60000 65536"/>
+                <a:gd name="T164" fmla="*/ 0 60000 65536"/>
+                <a:gd name="T165" fmla="*/ 0 60000 65536"/>
+                <a:gd name="T166" fmla="*/ 0 60000 65536"/>
+                <a:gd name="T167" fmla="*/ 0 60000 65536"/>
+                <a:gd name="T168" fmla="*/ 0 60000 65536"/>
+                <a:gd name="T169" fmla="*/ 0 60000 65536"/>
+                <a:gd name="T170" fmla="*/ 0 60000 65536"/>
+                <a:gd name="T171" fmla="*/ 0 60000 65536"/>
+                <a:gd name="T172" fmla="*/ 0 60000 65536"/>
+                <a:gd name="T173" fmla="*/ 0 60000 65536"/>
+                <a:gd name="T174" fmla="*/ 0 60000 65536"/>
+                <a:gd name="T175" fmla="*/ 0 60000 65536"/>
+                <a:gd name="T176" fmla="*/ 0 60000 65536"/>
+                <a:gd name="T177" fmla="*/ 0 60000 65536"/>
+                <a:gd name="T178" fmla="*/ 0 60000 65536"/>
+                <a:gd name="T179" fmla="*/ 0 60000 65536"/>
+                <a:gd name="T180" fmla="*/ 0 60000 65536"/>
+                <a:gd name="T181" fmla="*/ 0 60000 65536"/>
+                <a:gd name="T182" fmla="*/ 0 60000 65536"/>
+                <a:gd name="T183" fmla="*/ 0 60000 65536"/>
+                <a:gd name="T184" fmla="*/ 0 60000 65536"/>
+                <a:gd name="T185" fmla="*/ 0 60000 65536"/>
+                <a:gd name="T186" fmla="*/ 0 w 495"/>
+                <a:gd name="T187" fmla="*/ 0 h 493"/>
+                <a:gd name="T188" fmla="*/ 495 w 495"/>
+                <a:gd name="T189" fmla="*/ 493 h 493"/>
+              </a:gdLst>
+              <a:ahLst/>
+              <a:cxnLst>
+                <a:cxn ang="T124">
+                  <a:pos x="T0" y="T1"/>
+                </a:cxn>
+                <a:cxn ang="T125">
+                  <a:pos x="T2" y="T3"/>
+                </a:cxn>
+                <a:cxn ang="T126">
+                  <a:pos x="T4" y="T5"/>
+                </a:cxn>
+                <a:cxn ang="T127">
+                  <a:pos x="T6" y="T7"/>
+                </a:cxn>
+                <a:cxn ang="T128">
+                  <a:pos x="T8" y="T9"/>
+                </a:cxn>
+                <a:cxn ang="T129">
+                  <a:pos x="T10" y="T11"/>
+                </a:cxn>
+                <a:cxn ang="T130">
+                  <a:pos x="T12" y="T13"/>
+                </a:cxn>
+                <a:cxn ang="T131">
+                  <a:pos x="T14" y="T15"/>
+                </a:cxn>
+                <a:cxn ang="T132">
+                  <a:pos x="T16" y="T17"/>
+                </a:cxn>
+                <a:cxn ang="T133">
+                  <a:pos x="T18" y="T19"/>
+                </a:cxn>
+                <a:cxn ang="T134">
+                  <a:pos x="T20" y="T21"/>
+                </a:cxn>
+                <a:cxn ang="T135">
+                  <a:pos x="T22" y="T23"/>
+                </a:cxn>
+                <a:cxn ang="T136">
+                  <a:pos x="T24" y="T25"/>
+                </a:cxn>
+                <a:cxn ang="T137">
+                  <a:pos x="T26" y="T27"/>
+                </a:cxn>
+                <a:cxn ang="T138">
+                  <a:pos x="T28" y="T29"/>
+                </a:cxn>
+                <a:cxn ang="T139">
+                  <a:pos x="T30" y="T31"/>
+                </a:cxn>
+                <a:cxn ang="T140">
+                  <a:pos x="T32" y="T33"/>
+                </a:cxn>
+                <a:cxn ang="T141">
+                  <a:pos x="T34" y="T35"/>
+                </a:cxn>
+                <a:cxn ang="T142">
+                  <a:pos x="T36" y="T37"/>
+                </a:cxn>
+                <a:cxn ang="T143">
+                  <a:pos x="T38" y="T39"/>
+                </a:cxn>
+                <a:cxn ang="T144">
+                  <a:pos x="T40" y="T41"/>
+                </a:cxn>
+                <a:cxn ang="T145">
+                  <a:pos x="T42" y="T43"/>
+                </a:cxn>
+                <a:cxn ang="T146">
+                  <a:pos x="T44" y="T45"/>
+                </a:cxn>
+                <a:cxn ang="T147">
+                  <a:pos x="T46" y="T47"/>
+                </a:cxn>
+                <a:cxn ang="T148">
+                  <a:pos x="T48" y="T49"/>
+                </a:cxn>
+                <a:cxn ang="T149">
+                  <a:pos x="T50" y="T51"/>
+                </a:cxn>
+                <a:cxn ang="T150">
+                  <a:pos x="T52" y="T53"/>
+                </a:cxn>
+                <a:cxn ang="T151">
+                  <a:pos x="T54" y="T55"/>
+                </a:cxn>
+                <a:cxn ang="T152">
+                  <a:pos x="T56" y="T57"/>
+                </a:cxn>
+                <a:cxn ang="T153">
+                  <a:pos x="T58" y="T59"/>
+                </a:cxn>
+                <a:cxn ang="T154">
+                  <a:pos x="T60" y="T61"/>
+                </a:cxn>
+                <a:cxn ang="T155">
+                  <a:pos x="T62" y="T63"/>
+                </a:cxn>
+                <a:cxn ang="T156">
+                  <a:pos x="T64" y="T65"/>
+                </a:cxn>
+                <a:cxn ang="T157">
+                  <a:pos x="T66" y="T67"/>
+                </a:cxn>
+                <a:cxn ang="T158">
+                  <a:pos x="T68" y="T69"/>
+                </a:cxn>
+                <a:cxn ang="T159">
+                  <a:pos x="T70" y="T71"/>
+                </a:cxn>
+                <a:cxn ang="T160">
+                  <a:pos x="T72" y="T73"/>
+                </a:cxn>
+                <a:cxn ang="T161">
+                  <a:pos x="T74" y="T75"/>
+                </a:cxn>
+                <a:cxn ang="T162">
+                  <a:pos x="T76" y="T77"/>
+                </a:cxn>
+                <a:cxn ang="T163">
+                  <a:pos x="T78" y="T79"/>
+                </a:cxn>
+                <a:cxn ang="T164">
+                  <a:pos x="T80" y="T81"/>
+                </a:cxn>
+                <a:cxn ang="T165">
+                  <a:pos x="T82" y="T83"/>
+                </a:cxn>
+                <a:cxn ang="T166">
+                  <a:pos x="T84" y="T85"/>
+                </a:cxn>
+                <a:cxn ang="T167">
+                  <a:pos x="T86" y="T87"/>
+                </a:cxn>
+                <a:cxn ang="T168">
+                  <a:pos x="T88" y="T89"/>
+                </a:cxn>
+                <a:cxn ang="T169">
+                  <a:pos x="T90" y="T91"/>
+                </a:cxn>
+                <a:cxn ang="T170">
+                  <a:pos x="T92" y="T93"/>
+                </a:cxn>
+                <a:cxn ang="T171">
+                  <a:pos x="T94" y="T95"/>
+                </a:cxn>
+                <a:cxn ang="T172">
+                  <a:pos x="T96" y="T97"/>
+                </a:cxn>
+                <a:cxn ang="T173">
+                  <a:pos x="T98" y="T99"/>
+                </a:cxn>
+                <a:cxn ang="T174">
+                  <a:pos x="T100" y="T101"/>
+                </a:cxn>
+                <a:cxn ang="T175">
+                  <a:pos x="T102" y="T103"/>
+                </a:cxn>
+                <a:cxn ang="T176">
+                  <a:pos x="T104" y="T105"/>
+                </a:cxn>
+                <a:cxn ang="T177">
+                  <a:pos x="T106" y="T107"/>
+                </a:cxn>
+                <a:cxn ang="T178">
+                  <a:pos x="T108" y="T109"/>
+                </a:cxn>
+                <a:cxn ang="T179">
+                  <a:pos x="T110" y="T111"/>
+                </a:cxn>
+                <a:cxn ang="T180">
+                  <a:pos x="T112" y="T113"/>
+                </a:cxn>
+                <a:cxn ang="T181">
+                  <a:pos x="T114" y="T115"/>
+                </a:cxn>
+                <a:cxn ang="T182">
+                  <a:pos x="T116" y="T117"/>
+                </a:cxn>
+                <a:cxn ang="T183">
+                  <a:pos x="T118" y="T119"/>
+                </a:cxn>
+                <a:cxn ang="T184">
+                  <a:pos x="T120" y="T121"/>
+                </a:cxn>
+                <a:cxn ang="T185">
+                  <a:pos x="T122" y="T123"/>
+                </a:cxn>
+              </a:cxnLst>
+              <a:rect l="T186" t="T187" r="T188" b="T189"/>
+              <a:pathLst>
+                <a:path w="495" h="493">
+                  <a:moveTo>
+                    <a:pt x="208" y="264"/>
+                  </a:moveTo>
+                  <a:lnTo>
+                    <a:pt x="210" y="267"/>
+                  </a:lnTo>
+                  <a:lnTo>
+                    <a:pt x="212" y="270"/>
+                  </a:lnTo>
+                  <a:lnTo>
+                    <a:pt x="214" y="274"/>
+                  </a:lnTo>
+                  <a:lnTo>
+                    <a:pt x="217" y="277"/>
+                  </a:lnTo>
+                  <a:lnTo>
+                    <a:pt x="223" y="282"/>
+                  </a:lnTo>
+                  <a:lnTo>
+                    <a:pt x="230" y="286"/>
+                  </a:lnTo>
+                  <a:lnTo>
+                    <a:pt x="238" y="288"/>
+                  </a:lnTo>
+                  <a:lnTo>
+                    <a:pt x="242" y="289"/>
+                  </a:lnTo>
+                  <a:lnTo>
+                    <a:pt x="246" y="289"/>
+                  </a:lnTo>
+                  <a:lnTo>
+                    <a:pt x="250" y="290"/>
+                  </a:lnTo>
+                  <a:lnTo>
+                    <a:pt x="254" y="289"/>
+                  </a:lnTo>
+                  <a:lnTo>
+                    <a:pt x="262" y="288"/>
+                  </a:lnTo>
+                  <a:lnTo>
+                    <a:pt x="266" y="286"/>
+                  </a:lnTo>
+                  <a:lnTo>
+                    <a:pt x="270" y="285"/>
+                  </a:lnTo>
+                  <a:lnTo>
+                    <a:pt x="273" y="283"/>
+                  </a:lnTo>
+                  <a:lnTo>
+                    <a:pt x="277" y="281"/>
+                  </a:lnTo>
+                  <a:lnTo>
+                    <a:pt x="280" y="278"/>
+                  </a:lnTo>
+                  <a:lnTo>
+                    <a:pt x="283" y="275"/>
+                  </a:lnTo>
+                  <a:lnTo>
+                    <a:pt x="285" y="272"/>
+                  </a:lnTo>
+                  <a:lnTo>
+                    <a:pt x="288" y="269"/>
+                  </a:lnTo>
+                  <a:lnTo>
+                    <a:pt x="292" y="262"/>
+                  </a:lnTo>
+                  <a:lnTo>
+                    <a:pt x="293" y="258"/>
+                  </a:lnTo>
+                  <a:lnTo>
+                    <a:pt x="294" y="254"/>
+                  </a:lnTo>
+                  <a:lnTo>
+                    <a:pt x="295" y="250"/>
+                  </a:lnTo>
+                  <a:lnTo>
+                    <a:pt x="296" y="246"/>
+                  </a:lnTo>
+                  <a:lnTo>
+                    <a:pt x="296" y="242"/>
+                  </a:lnTo>
+                  <a:lnTo>
+                    <a:pt x="295" y="238"/>
+                  </a:lnTo>
+                  <a:lnTo>
+                    <a:pt x="294" y="230"/>
+                  </a:lnTo>
+                  <a:lnTo>
+                    <a:pt x="291" y="223"/>
+                  </a:lnTo>
+                  <a:lnTo>
+                    <a:pt x="289" y="219"/>
+                  </a:lnTo>
+                  <a:lnTo>
+                    <a:pt x="287" y="216"/>
+                  </a:lnTo>
+                  <a:lnTo>
+                    <a:pt x="284" y="213"/>
+                  </a:lnTo>
+                  <a:lnTo>
+                    <a:pt x="282" y="210"/>
+                  </a:lnTo>
+                  <a:lnTo>
+                    <a:pt x="279" y="207"/>
+                  </a:lnTo>
+                  <a:lnTo>
+                    <a:pt x="275" y="205"/>
+                  </a:lnTo>
+                  <a:lnTo>
+                    <a:pt x="268" y="201"/>
+                  </a:lnTo>
+                  <a:lnTo>
+                    <a:pt x="261" y="198"/>
+                  </a:lnTo>
+                  <a:lnTo>
+                    <a:pt x="257" y="197"/>
+                  </a:lnTo>
+                  <a:lnTo>
+                    <a:pt x="253" y="197"/>
+                  </a:lnTo>
+                  <a:lnTo>
+                    <a:pt x="249" y="197"/>
+                  </a:lnTo>
+                  <a:lnTo>
+                    <a:pt x="244" y="197"/>
+                  </a:lnTo>
+                  <a:lnTo>
+                    <a:pt x="237" y="199"/>
+                  </a:lnTo>
+                  <a:lnTo>
+                    <a:pt x="229" y="202"/>
+                  </a:lnTo>
+                  <a:lnTo>
+                    <a:pt x="225" y="203"/>
+                  </a:lnTo>
+                  <a:lnTo>
+                    <a:pt x="222" y="206"/>
+                  </a:lnTo>
+                  <a:lnTo>
+                    <a:pt x="219" y="208"/>
+                  </a:lnTo>
+                  <a:lnTo>
+                    <a:pt x="216" y="211"/>
+                  </a:lnTo>
+                  <a:lnTo>
+                    <a:pt x="211" y="217"/>
+                  </a:lnTo>
+                  <a:lnTo>
+                    <a:pt x="207" y="224"/>
+                  </a:lnTo>
+                  <a:lnTo>
+                    <a:pt x="204" y="232"/>
+                  </a:lnTo>
+                  <a:lnTo>
+                    <a:pt x="204" y="236"/>
+                  </a:lnTo>
+                  <a:lnTo>
+                    <a:pt x="203" y="240"/>
+                  </a:lnTo>
+                  <a:lnTo>
+                    <a:pt x="203" y="244"/>
+                  </a:lnTo>
+                  <a:lnTo>
+                    <a:pt x="203" y="248"/>
+                  </a:lnTo>
+                  <a:lnTo>
+                    <a:pt x="205" y="256"/>
+                  </a:lnTo>
+                  <a:lnTo>
+                    <a:pt x="208" y="264"/>
+                  </a:lnTo>
+                  <a:close/>
+                  <a:moveTo>
+                    <a:pt x="157" y="13"/>
+                  </a:moveTo>
+                  <a:lnTo>
+                    <a:pt x="202" y="0"/>
+                  </a:lnTo>
+                  <a:lnTo>
+                    <a:pt x="240" y="51"/>
+                  </a:lnTo>
+                  <a:lnTo>
+                    <a:pt x="251" y="51"/>
+                  </a:lnTo>
+                  <a:lnTo>
+                    <a:pt x="263" y="51"/>
+                  </a:lnTo>
+                  <a:lnTo>
+                    <a:pt x="274" y="53"/>
+                  </a:lnTo>
+                  <a:lnTo>
+                    <a:pt x="285" y="54"/>
+                  </a:lnTo>
+                  <a:lnTo>
+                    <a:pt x="327" y="7"/>
+                  </a:lnTo>
+                  <a:lnTo>
+                    <a:pt x="369" y="26"/>
+                  </a:lnTo>
+                  <a:lnTo>
+                    <a:pt x="366" y="90"/>
+                  </a:lnTo>
+                  <a:lnTo>
+                    <a:pt x="375" y="97"/>
+                  </a:lnTo>
+                  <a:lnTo>
+                    <a:pt x="383" y="105"/>
+                  </a:lnTo>
+                  <a:lnTo>
+                    <a:pt x="387" y="109"/>
+                  </a:lnTo>
+                  <a:lnTo>
+                    <a:pt x="391" y="113"/>
+                  </a:lnTo>
+                  <a:lnTo>
+                    <a:pt x="398" y="122"/>
+                  </a:lnTo>
+                  <a:lnTo>
+                    <a:pt x="463" y="116"/>
+                  </a:lnTo>
+                  <a:lnTo>
+                    <a:pt x="483" y="158"/>
+                  </a:lnTo>
+                  <a:lnTo>
+                    <a:pt x="437" y="202"/>
+                  </a:lnTo>
+                  <a:lnTo>
+                    <a:pt x="439" y="213"/>
+                  </a:lnTo>
+                  <a:lnTo>
+                    <a:pt x="440" y="223"/>
+                  </a:lnTo>
+                  <a:lnTo>
+                    <a:pt x="441" y="234"/>
+                  </a:lnTo>
+                  <a:lnTo>
+                    <a:pt x="441" y="246"/>
+                  </a:lnTo>
+                  <a:lnTo>
+                    <a:pt x="495" y="283"/>
+                  </a:lnTo>
+                  <a:lnTo>
+                    <a:pt x="484" y="328"/>
+                  </a:lnTo>
+                  <a:lnTo>
+                    <a:pt x="420" y="332"/>
+                  </a:lnTo>
+                  <a:lnTo>
+                    <a:pt x="414" y="342"/>
+                  </a:lnTo>
+                  <a:lnTo>
+                    <a:pt x="409" y="351"/>
+                  </a:lnTo>
+                  <a:lnTo>
+                    <a:pt x="402" y="360"/>
+                  </a:lnTo>
+                  <a:lnTo>
+                    <a:pt x="398" y="365"/>
+                  </a:lnTo>
+                  <a:lnTo>
+                    <a:pt x="394" y="369"/>
+                  </a:lnTo>
+                  <a:lnTo>
+                    <a:pt x="411" y="430"/>
+                  </a:lnTo>
+                  <a:lnTo>
+                    <a:pt x="373" y="457"/>
+                  </a:lnTo>
+                  <a:lnTo>
+                    <a:pt x="323" y="421"/>
+                  </a:lnTo>
+                  <a:lnTo>
+                    <a:pt x="313" y="425"/>
+                  </a:lnTo>
+                  <a:lnTo>
+                    <a:pt x="302" y="428"/>
+                  </a:lnTo>
+                  <a:lnTo>
+                    <a:pt x="292" y="431"/>
+                  </a:lnTo>
+                  <a:lnTo>
+                    <a:pt x="282" y="433"/>
+                  </a:lnTo>
+                  <a:lnTo>
+                    <a:pt x="257" y="493"/>
+                  </a:lnTo>
+                  <a:lnTo>
+                    <a:pt x="211" y="489"/>
+                  </a:lnTo>
+                  <a:lnTo>
+                    <a:pt x="192" y="427"/>
+                  </a:lnTo>
+                  <a:lnTo>
+                    <a:pt x="182" y="423"/>
+                  </a:lnTo>
+                  <a:lnTo>
+                    <a:pt x="171" y="419"/>
+                  </a:lnTo>
+                  <a:lnTo>
+                    <a:pt x="162" y="414"/>
+                  </a:lnTo>
+                  <a:lnTo>
+                    <a:pt x="152" y="409"/>
+                  </a:lnTo>
+                  <a:lnTo>
+                    <a:pt x="96" y="439"/>
+                  </a:lnTo>
+                  <a:lnTo>
+                    <a:pt x="63" y="406"/>
+                  </a:lnTo>
+                  <a:lnTo>
+                    <a:pt x="88" y="348"/>
+                  </a:lnTo>
+                  <a:lnTo>
+                    <a:pt x="85" y="343"/>
+                  </a:lnTo>
+                  <a:lnTo>
+                    <a:pt x="82" y="338"/>
+                  </a:lnTo>
+                  <a:lnTo>
+                    <a:pt x="77" y="327"/>
+                  </a:lnTo>
+                  <a:lnTo>
+                    <a:pt x="72" y="318"/>
+                  </a:lnTo>
+                  <a:lnTo>
+                    <a:pt x="68" y="308"/>
+                  </a:lnTo>
+                  <a:lnTo>
+                    <a:pt x="5" y="291"/>
+                  </a:lnTo>
+                  <a:lnTo>
+                    <a:pt x="0" y="245"/>
+                  </a:lnTo>
+                  <a:lnTo>
+                    <a:pt x="59" y="219"/>
+                  </a:lnTo>
+                  <a:lnTo>
+                    <a:pt x="60" y="208"/>
+                  </a:lnTo>
+                  <a:lnTo>
+                    <a:pt x="63" y="197"/>
+                  </a:lnTo>
+                  <a:lnTo>
+                    <a:pt x="64" y="191"/>
+                  </a:lnTo>
+                  <a:lnTo>
+                    <a:pt x="66" y="186"/>
+                  </a:lnTo>
+                  <a:lnTo>
+                    <a:pt x="69" y="176"/>
+                  </a:lnTo>
+                  <a:lnTo>
+                    <a:pt x="32" y="124"/>
+                  </a:lnTo>
+                  <a:lnTo>
+                    <a:pt x="58" y="85"/>
+                  </a:lnTo>
+                  <a:lnTo>
+                    <a:pt x="118" y="102"/>
+                  </a:lnTo>
+                  <a:lnTo>
+                    <a:pt x="127" y="95"/>
+                  </a:lnTo>
+                  <a:lnTo>
+                    <a:pt x="136" y="88"/>
+                  </a:lnTo>
+                  <a:lnTo>
+                    <a:pt x="146" y="81"/>
+                  </a:lnTo>
+                  <a:lnTo>
+                    <a:pt x="155" y="76"/>
+                  </a:lnTo>
+                  <a:lnTo>
+                    <a:pt x="157" y="13"/>
+                  </a:lnTo>
+                  <a:close/>
+                </a:path>
+              </a:pathLst>
+            </a:custGeom>
+            <a:solidFill>
+              <a:srgbClr val="EEF3F6"/>
+            </a:solidFill>
+            <a:ln w="6350" cap="flat" cmpd="sng">
+              <a:noFill/>
+              <a:prstDash val="solid"/>
+              <a:round/>
+              <a:headEnd type="none" w="med" len="med"/>
+              <a:tailEnd type="none" w="med" len="med"/>
+            </a:ln>
+          </p:spPr>
+          <p:txBody>
+            <a:bodyPr lIns="0" tIns="0" rIns="0" bIns="0" anchor="ctr">
+              <a:prstTxWarp prst="textArchUp">
+                <a:avLst>
+                  <a:gd name="adj" fmla="val 14000183"/>
+                </a:avLst>
+              </a:prstTxWarp>
+            </a:bodyPr>
+            <a:lstStyle/>
+            <a:p>
+              <a:pPr algn="ctr"/>
+              <a:endParaRPr lang="de-CH" sz="1600" dirty="0">
+                <a:latin typeface="+mj-lt"/>
+              </a:endParaRPr>
+            </a:p>
+          </p:txBody>
+        </p:sp>
+        <p:sp>
+          <p:nvSpPr>
             <p:cNvPr id="25" name="Ellipse 63">
               <a:extLst>
                 <a:ext uri="{FF2B5EF4-FFF2-40B4-BE49-F238E27FC236}">
@@ -27874,7 +27943,7 @@
           <p:nvPr/>
         </p:nvPicPr>
         <p:blipFill>
-          <a:blip r:embed="rId15"/>
+          <a:blip r:embed="rId14"/>
           <a:stretch>
             <a:fillRect/>
           </a:stretch>
@@ -27904,7 +27973,7 @@
           <p:nvPr/>
         </p:nvPicPr>
         <p:blipFill>
-          <a:blip r:embed="rId16" cstate="print">
+          <a:blip r:embed="rId15" cstate="print">
             <a:extLst>
               <a:ext uri="{28A0092B-C50C-407E-A947-70E740481C1C}">
                 <a14:useLocalDpi xmlns:a14="http://schemas.microsoft.com/office/drawing/2010/main" val="0"/>
@@ -27965,7 +28034,7 @@
             </p:cNvSpPr>
             <p:nvPr>
               <p:custDataLst>
-                <p:tags r:id="rId5"/>
+                <p:tags r:id="rId4"/>
               </p:custDataLst>
             </p:nvPr>
           </p:nvSpPr>
@@ -30523,7 +30592,7 @@
             </p:cNvSpPr>
             <p:nvPr>
               <p:custDataLst>
-                <p:tags r:id="rId4"/>
+                <p:tags r:id="rId3"/>
               </p:custDataLst>
             </p:nvPr>
           </p:nvSpPr>
@@ -31643,7 +31712,7 @@
           <p:nvPr/>
         </p:nvPicPr>
         <p:blipFill>
-          <a:blip r:embed="rId17" cstate="print">
+          <a:blip r:embed="rId16" cstate="print">
             <a:extLst>
               <a:ext uri="{28A0092B-C50C-407E-A947-70E740481C1C}">
                 <a14:useLocalDpi xmlns:a14="http://schemas.microsoft.com/office/drawing/2010/main" val="0"/>
@@ -31701,7 +31770,7 @@
             </p:cNvSpPr>
             <p:nvPr>
               <p:custDataLst>
-                <p:tags r:id="rId3"/>
+                <p:tags r:id="rId2"/>
               </p:custDataLst>
             </p:nvPr>
           </p:nvSpPr>
@@ -32821,7 +32890,7 @@
           <p:nvPr/>
         </p:nvPicPr>
         <p:blipFill>
-          <a:blip r:embed="rId18"/>
+          <a:blip r:embed="rId17"/>
           <a:stretch>
             <a:fillRect/>
           </a:stretch>
@@ -32873,7 +32942,7 @@
             </p:cNvSpPr>
             <p:nvPr>
               <p:custDataLst>
-                <p:tags r:id="rId2"/>
+                <p:tags r:id="rId1"/>
               </p:custDataLst>
             </p:nvPr>
           </p:nvSpPr>
@@ -33991,7 +34060,7 @@
           <p:nvPr/>
         </p:nvPicPr>
         <p:blipFill>
-          <a:blip r:embed="rId19" cstate="print">
+          <a:blip r:embed="rId18" cstate="print">
             <a:extLst>
               <a:ext uri="{28A0092B-C50C-407E-A947-70E740481C1C}">
                 <a14:useLocalDpi xmlns:a14="http://schemas.microsoft.com/office/drawing/2010/main" val="0"/>
@@ -34051,7 +34120,7 @@
           <p:nvPr/>
         </p:nvPicPr>
         <p:blipFill>
-          <a:blip r:embed="rId20"/>
+          <a:blip r:embed="rId19"/>
           <a:stretch>
             <a:fillRect/>
           </a:stretch>
@@ -34081,7 +34150,7 @@
           <p:nvPr/>
         </p:nvPicPr>
         <p:blipFill>
-          <a:blip r:embed="rId21">
+          <a:blip r:embed="rId20">
             <a:extLst>
               <a:ext uri="{28A0092B-C50C-407E-A947-70E740481C1C}">
                 <a14:useLocalDpi xmlns:a14="http://schemas.microsoft.com/office/drawing/2010/main" val="0"/>
@@ -34117,7 +34186,7 @@
           <p:nvPr/>
         </p:nvPicPr>
         <p:blipFill>
-          <a:blip r:embed="rId22">
+          <a:blip r:embed="rId21">
             <a:extLst>
               <a:ext uri="{28A0092B-C50C-407E-A947-70E740481C1C}">
                 <a14:useLocalDpi xmlns:a14="http://schemas.microsoft.com/office/drawing/2010/main" val="0"/>
@@ -34132,1185 +34201,6 @@
           <a:xfrm>
             <a:off x="4831958" y="2091458"/>
             <a:ext cx="802576" cy="802576"/>
-          </a:xfrm>
-          <a:prstGeom prst="rect">
-            <a:avLst/>
-          </a:prstGeom>
-        </p:spPr>
-      </p:pic>
-      <p:grpSp>
-        <p:nvGrpSpPr>
-          <p:cNvPr id="5" name="Gruppieren 61">
-            <a:extLst>
-              <a:ext uri="{FF2B5EF4-FFF2-40B4-BE49-F238E27FC236}">
-                <a16:creationId xmlns:a16="http://schemas.microsoft.com/office/drawing/2014/main" id="{3B251C8B-3DF7-9016-69AF-BE92FC105632}"/>
-              </a:ext>
-            </a:extLst>
-          </p:cNvPr>
-          <p:cNvGrpSpPr>
-            <a:grpSpLocks noChangeAspect="1"/>
-          </p:cNvGrpSpPr>
-          <p:nvPr/>
-        </p:nvGrpSpPr>
-        <p:grpSpPr>
-          <a:xfrm>
-            <a:off x="9958395" y="1887339"/>
-            <a:ext cx="1584176" cy="1584176"/>
-            <a:chOff x="5891686" y="2589438"/>
-            <a:chExt cx="1940934" cy="1940720"/>
-          </a:xfrm>
-          <a:noFill/>
-        </p:grpSpPr>
-        <p:sp>
-          <p:nvSpPr>
-            <p:cNvPr id="22" name="Freeform 10">
-              <a:extLst>
-                <a:ext uri="{FF2B5EF4-FFF2-40B4-BE49-F238E27FC236}">
-                  <a16:creationId xmlns:a16="http://schemas.microsoft.com/office/drawing/2014/main" id="{49350957-348E-B074-5DEA-FA5A4682A63F}"/>
-                </a:ext>
-              </a:extLst>
-            </p:cNvPr>
-            <p:cNvSpPr>
-              <a:spLocks noEditPoints="1"/>
-            </p:cNvSpPr>
-            <p:nvPr>
-              <p:custDataLst>
-                <p:tags r:id="rId1"/>
-              </p:custDataLst>
-            </p:nvPr>
-          </p:nvSpPr>
-          <p:spPr bwMode="gray">
-            <a:xfrm>
-              <a:off x="5891686" y="2589438"/>
-              <a:ext cx="1940934" cy="1940720"/>
-            </a:xfrm>
-            <a:custGeom>
-              <a:avLst/>
-              <a:gdLst>
-                <a:gd name="T0" fmla="*/ 210 w 495"/>
-                <a:gd name="T1" fmla="*/ 267 h 493"/>
-                <a:gd name="T2" fmla="*/ 214 w 495"/>
-                <a:gd name="T3" fmla="*/ 274 h 493"/>
-                <a:gd name="T4" fmla="*/ 223 w 495"/>
-                <a:gd name="T5" fmla="*/ 282 h 493"/>
-                <a:gd name="T6" fmla="*/ 238 w 495"/>
-                <a:gd name="T7" fmla="*/ 288 h 493"/>
-                <a:gd name="T8" fmla="*/ 246 w 495"/>
-                <a:gd name="T9" fmla="*/ 289 h 493"/>
-                <a:gd name="T10" fmla="*/ 254 w 495"/>
-                <a:gd name="T11" fmla="*/ 289 h 493"/>
-                <a:gd name="T12" fmla="*/ 266 w 495"/>
-                <a:gd name="T13" fmla="*/ 286 h 493"/>
-                <a:gd name="T14" fmla="*/ 273 w 495"/>
-                <a:gd name="T15" fmla="*/ 283 h 493"/>
-                <a:gd name="T16" fmla="*/ 280 w 495"/>
-                <a:gd name="T17" fmla="*/ 278 h 493"/>
-                <a:gd name="T18" fmla="*/ 285 w 495"/>
-                <a:gd name="T19" fmla="*/ 272 h 493"/>
-                <a:gd name="T20" fmla="*/ 292 w 495"/>
-                <a:gd name="T21" fmla="*/ 262 h 493"/>
-                <a:gd name="T22" fmla="*/ 294 w 495"/>
-                <a:gd name="T23" fmla="*/ 254 h 493"/>
-                <a:gd name="T24" fmla="*/ 296 w 495"/>
-                <a:gd name="T25" fmla="*/ 246 h 493"/>
-                <a:gd name="T26" fmla="*/ 295 w 495"/>
-                <a:gd name="T27" fmla="*/ 238 h 493"/>
-                <a:gd name="T28" fmla="*/ 291 w 495"/>
-                <a:gd name="T29" fmla="*/ 223 h 493"/>
-                <a:gd name="T30" fmla="*/ 287 w 495"/>
-                <a:gd name="T31" fmla="*/ 216 h 493"/>
-                <a:gd name="T32" fmla="*/ 282 w 495"/>
-                <a:gd name="T33" fmla="*/ 210 h 493"/>
-                <a:gd name="T34" fmla="*/ 275 w 495"/>
-                <a:gd name="T35" fmla="*/ 205 h 493"/>
-                <a:gd name="T36" fmla="*/ 261 w 495"/>
-                <a:gd name="T37" fmla="*/ 198 h 493"/>
-                <a:gd name="T38" fmla="*/ 253 w 495"/>
-                <a:gd name="T39" fmla="*/ 197 h 493"/>
-                <a:gd name="T40" fmla="*/ 244 w 495"/>
-                <a:gd name="T41" fmla="*/ 197 h 493"/>
-                <a:gd name="T42" fmla="*/ 229 w 495"/>
-                <a:gd name="T43" fmla="*/ 202 h 493"/>
-                <a:gd name="T44" fmla="*/ 222 w 495"/>
-                <a:gd name="T45" fmla="*/ 206 h 493"/>
-                <a:gd name="T46" fmla="*/ 216 w 495"/>
-                <a:gd name="T47" fmla="*/ 211 h 493"/>
-                <a:gd name="T48" fmla="*/ 207 w 495"/>
-                <a:gd name="T49" fmla="*/ 224 h 493"/>
-                <a:gd name="T50" fmla="*/ 204 w 495"/>
-                <a:gd name="T51" fmla="*/ 236 h 493"/>
-                <a:gd name="T52" fmla="*/ 203 w 495"/>
-                <a:gd name="T53" fmla="*/ 244 h 493"/>
-                <a:gd name="T54" fmla="*/ 205 w 495"/>
-                <a:gd name="T55" fmla="*/ 256 h 493"/>
-                <a:gd name="T56" fmla="*/ 157 w 495"/>
-                <a:gd name="T57" fmla="*/ 13 h 493"/>
-                <a:gd name="T58" fmla="*/ 240 w 495"/>
-                <a:gd name="T59" fmla="*/ 51 h 493"/>
-                <a:gd name="T60" fmla="*/ 263 w 495"/>
-                <a:gd name="T61" fmla="*/ 51 h 493"/>
-                <a:gd name="T62" fmla="*/ 285 w 495"/>
-                <a:gd name="T63" fmla="*/ 54 h 493"/>
-                <a:gd name="T64" fmla="*/ 369 w 495"/>
-                <a:gd name="T65" fmla="*/ 26 h 493"/>
-                <a:gd name="T66" fmla="*/ 375 w 495"/>
-                <a:gd name="T67" fmla="*/ 97 h 493"/>
-                <a:gd name="T68" fmla="*/ 387 w 495"/>
-                <a:gd name="T69" fmla="*/ 109 h 493"/>
-                <a:gd name="T70" fmla="*/ 398 w 495"/>
-                <a:gd name="T71" fmla="*/ 122 h 493"/>
-                <a:gd name="T72" fmla="*/ 483 w 495"/>
-                <a:gd name="T73" fmla="*/ 158 h 493"/>
-                <a:gd name="T74" fmla="*/ 439 w 495"/>
-                <a:gd name="T75" fmla="*/ 213 h 493"/>
-                <a:gd name="T76" fmla="*/ 441 w 495"/>
-                <a:gd name="T77" fmla="*/ 234 h 493"/>
-                <a:gd name="T78" fmla="*/ 495 w 495"/>
-                <a:gd name="T79" fmla="*/ 283 h 493"/>
-                <a:gd name="T80" fmla="*/ 420 w 495"/>
-                <a:gd name="T81" fmla="*/ 332 h 493"/>
-                <a:gd name="T82" fmla="*/ 409 w 495"/>
-                <a:gd name="T83" fmla="*/ 351 h 493"/>
-                <a:gd name="T84" fmla="*/ 398 w 495"/>
-                <a:gd name="T85" fmla="*/ 365 h 493"/>
-                <a:gd name="T86" fmla="*/ 411 w 495"/>
-                <a:gd name="T87" fmla="*/ 430 h 493"/>
-                <a:gd name="T88" fmla="*/ 323 w 495"/>
-                <a:gd name="T89" fmla="*/ 421 h 493"/>
-                <a:gd name="T90" fmla="*/ 302 w 495"/>
-                <a:gd name="T91" fmla="*/ 428 h 493"/>
-                <a:gd name="T92" fmla="*/ 282 w 495"/>
-                <a:gd name="T93" fmla="*/ 433 h 493"/>
-                <a:gd name="T94" fmla="*/ 211 w 495"/>
-                <a:gd name="T95" fmla="*/ 489 h 493"/>
-                <a:gd name="T96" fmla="*/ 182 w 495"/>
-                <a:gd name="T97" fmla="*/ 423 h 493"/>
-                <a:gd name="T98" fmla="*/ 162 w 495"/>
-                <a:gd name="T99" fmla="*/ 414 h 493"/>
-                <a:gd name="T100" fmla="*/ 96 w 495"/>
-                <a:gd name="T101" fmla="*/ 439 h 493"/>
-                <a:gd name="T102" fmla="*/ 88 w 495"/>
-                <a:gd name="T103" fmla="*/ 348 h 493"/>
-                <a:gd name="T104" fmla="*/ 82 w 495"/>
-                <a:gd name="T105" fmla="*/ 338 h 493"/>
-                <a:gd name="T106" fmla="*/ 72 w 495"/>
-                <a:gd name="T107" fmla="*/ 318 h 493"/>
-                <a:gd name="T108" fmla="*/ 5 w 495"/>
-                <a:gd name="T109" fmla="*/ 291 h 493"/>
-                <a:gd name="T110" fmla="*/ 59 w 495"/>
-                <a:gd name="T111" fmla="*/ 219 h 493"/>
-                <a:gd name="T112" fmla="*/ 63 w 495"/>
-                <a:gd name="T113" fmla="*/ 197 h 493"/>
-                <a:gd name="T114" fmla="*/ 66 w 495"/>
-                <a:gd name="T115" fmla="*/ 186 h 493"/>
-                <a:gd name="T116" fmla="*/ 32 w 495"/>
-                <a:gd name="T117" fmla="*/ 124 h 493"/>
-                <a:gd name="T118" fmla="*/ 118 w 495"/>
-                <a:gd name="T119" fmla="*/ 102 h 493"/>
-                <a:gd name="T120" fmla="*/ 136 w 495"/>
-                <a:gd name="T121" fmla="*/ 88 h 493"/>
-                <a:gd name="T122" fmla="*/ 155 w 495"/>
-                <a:gd name="T123" fmla="*/ 76 h 493"/>
-                <a:gd name="T124" fmla="*/ 0 60000 65536"/>
-                <a:gd name="T125" fmla="*/ 0 60000 65536"/>
-                <a:gd name="T126" fmla="*/ 0 60000 65536"/>
-                <a:gd name="T127" fmla="*/ 0 60000 65536"/>
-                <a:gd name="T128" fmla="*/ 0 60000 65536"/>
-                <a:gd name="T129" fmla="*/ 0 60000 65536"/>
-                <a:gd name="T130" fmla="*/ 0 60000 65536"/>
-                <a:gd name="T131" fmla="*/ 0 60000 65536"/>
-                <a:gd name="T132" fmla="*/ 0 60000 65536"/>
-                <a:gd name="T133" fmla="*/ 0 60000 65536"/>
-                <a:gd name="T134" fmla="*/ 0 60000 65536"/>
-                <a:gd name="T135" fmla="*/ 0 60000 65536"/>
-                <a:gd name="T136" fmla="*/ 0 60000 65536"/>
-                <a:gd name="T137" fmla="*/ 0 60000 65536"/>
-                <a:gd name="T138" fmla="*/ 0 60000 65536"/>
-                <a:gd name="T139" fmla="*/ 0 60000 65536"/>
-                <a:gd name="T140" fmla="*/ 0 60000 65536"/>
-                <a:gd name="T141" fmla="*/ 0 60000 65536"/>
-                <a:gd name="T142" fmla="*/ 0 60000 65536"/>
-                <a:gd name="T143" fmla="*/ 0 60000 65536"/>
-                <a:gd name="T144" fmla="*/ 0 60000 65536"/>
-                <a:gd name="T145" fmla="*/ 0 60000 65536"/>
-                <a:gd name="T146" fmla="*/ 0 60000 65536"/>
-                <a:gd name="T147" fmla="*/ 0 60000 65536"/>
-                <a:gd name="T148" fmla="*/ 0 60000 65536"/>
-                <a:gd name="T149" fmla="*/ 0 60000 65536"/>
-                <a:gd name="T150" fmla="*/ 0 60000 65536"/>
-                <a:gd name="T151" fmla="*/ 0 60000 65536"/>
-                <a:gd name="T152" fmla="*/ 0 60000 65536"/>
-                <a:gd name="T153" fmla="*/ 0 60000 65536"/>
-                <a:gd name="T154" fmla="*/ 0 60000 65536"/>
-                <a:gd name="T155" fmla="*/ 0 60000 65536"/>
-                <a:gd name="T156" fmla="*/ 0 60000 65536"/>
-                <a:gd name="T157" fmla="*/ 0 60000 65536"/>
-                <a:gd name="T158" fmla="*/ 0 60000 65536"/>
-                <a:gd name="T159" fmla="*/ 0 60000 65536"/>
-                <a:gd name="T160" fmla="*/ 0 60000 65536"/>
-                <a:gd name="T161" fmla="*/ 0 60000 65536"/>
-                <a:gd name="T162" fmla="*/ 0 60000 65536"/>
-                <a:gd name="T163" fmla="*/ 0 60000 65536"/>
-                <a:gd name="T164" fmla="*/ 0 60000 65536"/>
-                <a:gd name="T165" fmla="*/ 0 60000 65536"/>
-                <a:gd name="T166" fmla="*/ 0 60000 65536"/>
-                <a:gd name="T167" fmla="*/ 0 60000 65536"/>
-                <a:gd name="T168" fmla="*/ 0 60000 65536"/>
-                <a:gd name="T169" fmla="*/ 0 60000 65536"/>
-                <a:gd name="T170" fmla="*/ 0 60000 65536"/>
-                <a:gd name="T171" fmla="*/ 0 60000 65536"/>
-                <a:gd name="T172" fmla="*/ 0 60000 65536"/>
-                <a:gd name="T173" fmla="*/ 0 60000 65536"/>
-                <a:gd name="T174" fmla="*/ 0 60000 65536"/>
-                <a:gd name="T175" fmla="*/ 0 60000 65536"/>
-                <a:gd name="T176" fmla="*/ 0 60000 65536"/>
-                <a:gd name="T177" fmla="*/ 0 60000 65536"/>
-                <a:gd name="T178" fmla="*/ 0 60000 65536"/>
-                <a:gd name="T179" fmla="*/ 0 60000 65536"/>
-                <a:gd name="T180" fmla="*/ 0 60000 65536"/>
-                <a:gd name="T181" fmla="*/ 0 60000 65536"/>
-                <a:gd name="T182" fmla="*/ 0 60000 65536"/>
-                <a:gd name="T183" fmla="*/ 0 60000 65536"/>
-                <a:gd name="T184" fmla="*/ 0 60000 65536"/>
-                <a:gd name="T185" fmla="*/ 0 60000 65536"/>
-                <a:gd name="T186" fmla="*/ 0 w 495"/>
-                <a:gd name="T187" fmla="*/ 0 h 493"/>
-                <a:gd name="T188" fmla="*/ 495 w 495"/>
-                <a:gd name="T189" fmla="*/ 493 h 493"/>
-              </a:gdLst>
-              <a:ahLst/>
-              <a:cxnLst>
-                <a:cxn ang="T124">
-                  <a:pos x="T0" y="T1"/>
-                </a:cxn>
-                <a:cxn ang="T125">
-                  <a:pos x="T2" y="T3"/>
-                </a:cxn>
-                <a:cxn ang="T126">
-                  <a:pos x="T4" y="T5"/>
-                </a:cxn>
-                <a:cxn ang="T127">
-                  <a:pos x="T6" y="T7"/>
-                </a:cxn>
-                <a:cxn ang="T128">
-                  <a:pos x="T8" y="T9"/>
-                </a:cxn>
-                <a:cxn ang="T129">
-                  <a:pos x="T10" y="T11"/>
-                </a:cxn>
-                <a:cxn ang="T130">
-                  <a:pos x="T12" y="T13"/>
-                </a:cxn>
-                <a:cxn ang="T131">
-                  <a:pos x="T14" y="T15"/>
-                </a:cxn>
-                <a:cxn ang="T132">
-                  <a:pos x="T16" y="T17"/>
-                </a:cxn>
-                <a:cxn ang="T133">
-                  <a:pos x="T18" y="T19"/>
-                </a:cxn>
-                <a:cxn ang="T134">
-                  <a:pos x="T20" y="T21"/>
-                </a:cxn>
-                <a:cxn ang="T135">
-                  <a:pos x="T22" y="T23"/>
-                </a:cxn>
-                <a:cxn ang="T136">
-                  <a:pos x="T24" y="T25"/>
-                </a:cxn>
-                <a:cxn ang="T137">
-                  <a:pos x="T26" y="T27"/>
-                </a:cxn>
-                <a:cxn ang="T138">
-                  <a:pos x="T28" y="T29"/>
-                </a:cxn>
-                <a:cxn ang="T139">
-                  <a:pos x="T30" y="T31"/>
-                </a:cxn>
-                <a:cxn ang="T140">
-                  <a:pos x="T32" y="T33"/>
-                </a:cxn>
-                <a:cxn ang="T141">
-                  <a:pos x="T34" y="T35"/>
-                </a:cxn>
-                <a:cxn ang="T142">
-                  <a:pos x="T36" y="T37"/>
-                </a:cxn>
-                <a:cxn ang="T143">
-                  <a:pos x="T38" y="T39"/>
-                </a:cxn>
-                <a:cxn ang="T144">
-                  <a:pos x="T40" y="T41"/>
-                </a:cxn>
-                <a:cxn ang="T145">
-                  <a:pos x="T42" y="T43"/>
-                </a:cxn>
-                <a:cxn ang="T146">
-                  <a:pos x="T44" y="T45"/>
-                </a:cxn>
-                <a:cxn ang="T147">
-                  <a:pos x="T46" y="T47"/>
-                </a:cxn>
-                <a:cxn ang="T148">
-                  <a:pos x="T48" y="T49"/>
-                </a:cxn>
-                <a:cxn ang="T149">
-                  <a:pos x="T50" y="T51"/>
-                </a:cxn>
-                <a:cxn ang="T150">
-                  <a:pos x="T52" y="T53"/>
-                </a:cxn>
-                <a:cxn ang="T151">
-                  <a:pos x="T54" y="T55"/>
-                </a:cxn>
-                <a:cxn ang="T152">
-                  <a:pos x="T56" y="T57"/>
-                </a:cxn>
-                <a:cxn ang="T153">
-                  <a:pos x="T58" y="T59"/>
-                </a:cxn>
-                <a:cxn ang="T154">
-                  <a:pos x="T60" y="T61"/>
-                </a:cxn>
-                <a:cxn ang="T155">
-                  <a:pos x="T62" y="T63"/>
-                </a:cxn>
-                <a:cxn ang="T156">
-                  <a:pos x="T64" y="T65"/>
-                </a:cxn>
-                <a:cxn ang="T157">
-                  <a:pos x="T66" y="T67"/>
-                </a:cxn>
-                <a:cxn ang="T158">
-                  <a:pos x="T68" y="T69"/>
-                </a:cxn>
-                <a:cxn ang="T159">
-                  <a:pos x="T70" y="T71"/>
-                </a:cxn>
-                <a:cxn ang="T160">
-                  <a:pos x="T72" y="T73"/>
-                </a:cxn>
-                <a:cxn ang="T161">
-                  <a:pos x="T74" y="T75"/>
-                </a:cxn>
-                <a:cxn ang="T162">
-                  <a:pos x="T76" y="T77"/>
-                </a:cxn>
-                <a:cxn ang="T163">
-                  <a:pos x="T78" y="T79"/>
-                </a:cxn>
-                <a:cxn ang="T164">
-                  <a:pos x="T80" y="T81"/>
-                </a:cxn>
-                <a:cxn ang="T165">
-                  <a:pos x="T82" y="T83"/>
-                </a:cxn>
-                <a:cxn ang="T166">
-                  <a:pos x="T84" y="T85"/>
-                </a:cxn>
-                <a:cxn ang="T167">
-                  <a:pos x="T86" y="T87"/>
-                </a:cxn>
-                <a:cxn ang="T168">
-                  <a:pos x="T88" y="T89"/>
-                </a:cxn>
-                <a:cxn ang="T169">
-                  <a:pos x="T90" y="T91"/>
-                </a:cxn>
-                <a:cxn ang="T170">
-                  <a:pos x="T92" y="T93"/>
-                </a:cxn>
-                <a:cxn ang="T171">
-                  <a:pos x="T94" y="T95"/>
-                </a:cxn>
-                <a:cxn ang="T172">
-                  <a:pos x="T96" y="T97"/>
-                </a:cxn>
-                <a:cxn ang="T173">
-                  <a:pos x="T98" y="T99"/>
-                </a:cxn>
-                <a:cxn ang="T174">
-                  <a:pos x="T100" y="T101"/>
-                </a:cxn>
-                <a:cxn ang="T175">
-                  <a:pos x="T102" y="T103"/>
-                </a:cxn>
-                <a:cxn ang="T176">
-                  <a:pos x="T104" y="T105"/>
-                </a:cxn>
-                <a:cxn ang="T177">
-                  <a:pos x="T106" y="T107"/>
-                </a:cxn>
-                <a:cxn ang="T178">
-                  <a:pos x="T108" y="T109"/>
-                </a:cxn>
-                <a:cxn ang="T179">
-                  <a:pos x="T110" y="T111"/>
-                </a:cxn>
-                <a:cxn ang="T180">
-                  <a:pos x="T112" y="T113"/>
-                </a:cxn>
-                <a:cxn ang="T181">
-                  <a:pos x="T114" y="T115"/>
-                </a:cxn>
-                <a:cxn ang="T182">
-                  <a:pos x="T116" y="T117"/>
-                </a:cxn>
-                <a:cxn ang="T183">
-                  <a:pos x="T118" y="T119"/>
-                </a:cxn>
-                <a:cxn ang="T184">
-                  <a:pos x="T120" y="T121"/>
-                </a:cxn>
-                <a:cxn ang="T185">
-                  <a:pos x="T122" y="T123"/>
-                </a:cxn>
-              </a:cxnLst>
-              <a:rect l="T186" t="T187" r="T188" b="T189"/>
-              <a:pathLst>
-                <a:path w="495" h="493">
-                  <a:moveTo>
-                    <a:pt x="208" y="264"/>
-                  </a:moveTo>
-                  <a:lnTo>
-                    <a:pt x="210" y="267"/>
-                  </a:lnTo>
-                  <a:lnTo>
-                    <a:pt x="212" y="270"/>
-                  </a:lnTo>
-                  <a:lnTo>
-                    <a:pt x="214" y="274"/>
-                  </a:lnTo>
-                  <a:lnTo>
-                    <a:pt x="217" y="277"/>
-                  </a:lnTo>
-                  <a:lnTo>
-                    <a:pt x="223" y="282"/>
-                  </a:lnTo>
-                  <a:lnTo>
-                    <a:pt x="230" y="286"/>
-                  </a:lnTo>
-                  <a:lnTo>
-                    <a:pt x="238" y="288"/>
-                  </a:lnTo>
-                  <a:lnTo>
-                    <a:pt x="242" y="289"/>
-                  </a:lnTo>
-                  <a:lnTo>
-                    <a:pt x="246" y="289"/>
-                  </a:lnTo>
-                  <a:lnTo>
-                    <a:pt x="250" y="290"/>
-                  </a:lnTo>
-                  <a:lnTo>
-                    <a:pt x="254" y="289"/>
-                  </a:lnTo>
-                  <a:lnTo>
-                    <a:pt x="262" y="288"/>
-                  </a:lnTo>
-                  <a:lnTo>
-                    <a:pt x="266" y="286"/>
-                  </a:lnTo>
-                  <a:lnTo>
-                    <a:pt x="270" y="285"/>
-                  </a:lnTo>
-                  <a:lnTo>
-                    <a:pt x="273" y="283"/>
-                  </a:lnTo>
-                  <a:lnTo>
-                    <a:pt x="277" y="281"/>
-                  </a:lnTo>
-                  <a:lnTo>
-                    <a:pt x="280" y="278"/>
-                  </a:lnTo>
-                  <a:lnTo>
-                    <a:pt x="283" y="275"/>
-                  </a:lnTo>
-                  <a:lnTo>
-                    <a:pt x="285" y="272"/>
-                  </a:lnTo>
-                  <a:lnTo>
-                    <a:pt x="288" y="269"/>
-                  </a:lnTo>
-                  <a:lnTo>
-                    <a:pt x="292" y="262"/>
-                  </a:lnTo>
-                  <a:lnTo>
-                    <a:pt x="293" y="258"/>
-                  </a:lnTo>
-                  <a:lnTo>
-                    <a:pt x="294" y="254"/>
-                  </a:lnTo>
-                  <a:lnTo>
-                    <a:pt x="295" y="250"/>
-                  </a:lnTo>
-                  <a:lnTo>
-                    <a:pt x="296" y="246"/>
-                  </a:lnTo>
-                  <a:lnTo>
-                    <a:pt x="296" y="242"/>
-                  </a:lnTo>
-                  <a:lnTo>
-                    <a:pt x="295" y="238"/>
-                  </a:lnTo>
-                  <a:lnTo>
-                    <a:pt x="294" y="230"/>
-                  </a:lnTo>
-                  <a:lnTo>
-                    <a:pt x="291" y="223"/>
-                  </a:lnTo>
-                  <a:lnTo>
-                    <a:pt x="289" y="219"/>
-                  </a:lnTo>
-                  <a:lnTo>
-                    <a:pt x="287" y="216"/>
-                  </a:lnTo>
-                  <a:lnTo>
-                    <a:pt x="284" y="213"/>
-                  </a:lnTo>
-                  <a:lnTo>
-                    <a:pt x="282" y="210"/>
-                  </a:lnTo>
-                  <a:lnTo>
-                    <a:pt x="279" y="207"/>
-                  </a:lnTo>
-                  <a:lnTo>
-                    <a:pt x="275" y="205"/>
-                  </a:lnTo>
-                  <a:lnTo>
-                    <a:pt x="268" y="201"/>
-                  </a:lnTo>
-                  <a:lnTo>
-                    <a:pt x="261" y="198"/>
-                  </a:lnTo>
-                  <a:lnTo>
-                    <a:pt x="257" y="197"/>
-                  </a:lnTo>
-                  <a:lnTo>
-                    <a:pt x="253" y="197"/>
-                  </a:lnTo>
-                  <a:lnTo>
-                    <a:pt x="249" y="197"/>
-                  </a:lnTo>
-                  <a:lnTo>
-                    <a:pt x="244" y="197"/>
-                  </a:lnTo>
-                  <a:lnTo>
-                    <a:pt x="237" y="199"/>
-                  </a:lnTo>
-                  <a:lnTo>
-                    <a:pt x="229" y="202"/>
-                  </a:lnTo>
-                  <a:lnTo>
-                    <a:pt x="225" y="203"/>
-                  </a:lnTo>
-                  <a:lnTo>
-                    <a:pt x="222" y="206"/>
-                  </a:lnTo>
-                  <a:lnTo>
-                    <a:pt x="219" y="208"/>
-                  </a:lnTo>
-                  <a:lnTo>
-                    <a:pt x="216" y="211"/>
-                  </a:lnTo>
-                  <a:lnTo>
-                    <a:pt x="211" y="217"/>
-                  </a:lnTo>
-                  <a:lnTo>
-                    <a:pt x="207" y="224"/>
-                  </a:lnTo>
-                  <a:lnTo>
-                    <a:pt x="204" y="232"/>
-                  </a:lnTo>
-                  <a:lnTo>
-                    <a:pt x="204" y="236"/>
-                  </a:lnTo>
-                  <a:lnTo>
-                    <a:pt x="203" y="240"/>
-                  </a:lnTo>
-                  <a:lnTo>
-                    <a:pt x="203" y="244"/>
-                  </a:lnTo>
-                  <a:lnTo>
-                    <a:pt x="203" y="248"/>
-                  </a:lnTo>
-                  <a:lnTo>
-                    <a:pt x="205" y="256"/>
-                  </a:lnTo>
-                  <a:lnTo>
-                    <a:pt x="208" y="264"/>
-                  </a:lnTo>
-                  <a:close/>
-                  <a:moveTo>
-                    <a:pt x="157" y="13"/>
-                  </a:moveTo>
-                  <a:lnTo>
-                    <a:pt x="202" y="0"/>
-                  </a:lnTo>
-                  <a:lnTo>
-                    <a:pt x="240" y="51"/>
-                  </a:lnTo>
-                  <a:lnTo>
-                    <a:pt x="251" y="51"/>
-                  </a:lnTo>
-                  <a:lnTo>
-                    <a:pt x="263" y="51"/>
-                  </a:lnTo>
-                  <a:lnTo>
-                    <a:pt x="274" y="53"/>
-                  </a:lnTo>
-                  <a:lnTo>
-                    <a:pt x="285" y="54"/>
-                  </a:lnTo>
-                  <a:lnTo>
-                    <a:pt x="327" y="7"/>
-                  </a:lnTo>
-                  <a:lnTo>
-                    <a:pt x="369" y="26"/>
-                  </a:lnTo>
-                  <a:lnTo>
-                    <a:pt x="366" y="90"/>
-                  </a:lnTo>
-                  <a:lnTo>
-                    <a:pt x="375" y="97"/>
-                  </a:lnTo>
-                  <a:lnTo>
-                    <a:pt x="383" y="105"/>
-                  </a:lnTo>
-                  <a:lnTo>
-                    <a:pt x="387" y="109"/>
-                  </a:lnTo>
-                  <a:lnTo>
-                    <a:pt x="391" y="113"/>
-                  </a:lnTo>
-                  <a:lnTo>
-                    <a:pt x="398" y="122"/>
-                  </a:lnTo>
-                  <a:lnTo>
-                    <a:pt x="463" y="116"/>
-                  </a:lnTo>
-                  <a:lnTo>
-                    <a:pt x="483" y="158"/>
-                  </a:lnTo>
-                  <a:lnTo>
-                    <a:pt x="437" y="202"/>
-                  </a:lnTo>
-                  <a:lnTo>
-                    <a:pt x="439" y="213"/>
-                  </a:lnTo>
-                  <a:lnTo>
-                    <a:pt x="440" y="223"/>
-                  </a:lnTo>
-                  <a:lnTo>
-                    <a:pt x="441" y="234"/>
-                  </a:lnTo>
-                  <a:lnTo>
-                    <a:pt x="441" y="246"/>
-                  </a:lnTo>
-                  <a:lnTo>
-                    <a:pt x="495" y="283"/>
-                  </a:lnTo>
-                  <a:lnTo>
-                    <a:pt x="484" y="328"/>
-                  </a:lnTo>
-                  <a:lnTo>
-                    <a:pt x="420" y="332"/>
-                  </a:lnTo>
-                  <a:lnTo>
-                    <a:pt x="414" y="342"/>
-                  </a:lnTo>
-                  <a:lnTo>
-                    <a:pt x="409" y="351"/>
-                  </a:lnTo>
-                  <a:lnTo>
-                    <a:pt x="402" y="360"/>
-                  </a:lnTo>
-                  <a:lnTo>
-                    <a:pt x="398" y="365"/>
-                  </a:lnTo>
-                  <a:lnTo>
-                    <a:pt x="394" y="369"/>
-                  </a:lnTo>
-                  <a:lnTo>
-                    <a:pt x="411" y="430"/>
-                  </a:lnTo>
-                  <a:lnTo>
-                    <a:pt x="373" y="457"/>
-                  </a:lnTo>
-                  <a:lnTo>
-                    <a:pt x="323" y="421"/>
-                  </a:lnTo>
-                  <a:lnTo>
-                    <a:pt x="313" y="425"/>
-                  </a:lnTo>
-                  <a:lnTo>
-                    <a:pt x="302" y="428"/>
-                  </a:lnTo>
-                  <a:lnTo>
-                    <a:pt x="292" y="431"/>
-                  </a:lnTo>
-                  <a:lnTo>
-                    <a:pt x="282" y="433"/>
-                  </a:lnTo>
-                  <a:lnTo>
-                    <a:pt x="257" y="493"/>
-                  </a:lnTo>
-                  <a:lnTo>
-                    <a:pt x="211" y="489"/>
-                  </a:lnTo>
-                  <a:lnTo>
-                    <a:pt x="192" y="427"/>
-                  </a:lnTo>
-                  <a:lnTo>
-                    <a:pt x="182" y="423"/>
-                  </a:lnTo>
-                  <a:lnTo>
-                    <a:pt x="171" y="419"/>
-                  </a:lnTo>
-                  <a:lnTo>
-                    <a:pt x="162" y="414"/>
-                  </a:lnTo>
-                  <a:lnTo>
-                    <a:pt x="152" y="409"/>
-                  </a:lnTo>
-                  <a:lnTo>
-                    <a:pt x="96" y="439"/>
-                  </a:lnTo>
-                  <a:lnTo>
-                    <a:pt x="63" y="406"/>
-                  </a:lnTo>
-                  <a:lnTo>
-                    <a:pt x="88" y="348"/>
-                  </a:lnTo>
-                  <a:lnTo>
-                    <a:pt x="85" y="343"/>
-                  </a:lnTo>
-                  <a:lnTo>
-                    <a:pt x="82" y="338"/>
-                  </a:lnTo>
-                  <a:lnTo>
-                    <a:pt x="77" y="327"/>
-                  </a:lnTo>
-                  <a:lnTo>
-                    <a:pt x="72" y="318"/>
-                  </a:lnTo>
-                  <a:lnTo>
-                    <a:pt x="68" y="308"/>
-                  </a:lnTo>
-                  <a:lnTo>
-                    <a:pt x="5" y="291"/>
-                  </a:lnTo>
-                  <a:lnTo>
-                    <a:pt x="0" y="245"/>
-                  </a:lnTo>
-                  <a:lnTo>
-                    <a:pt x="59" y="219"/>
-                  </a:lnTo>
-                  <a:lnTo>
-                    <a:pt x="60" y="208"/>
-                  </a:lnTo>
-                  <a:lnTo>
-                    <a:pt x="63" y="197"/>
-                  </a:lnTo>
-                  <a:lnTo>
-                    <a:pt x="64" y="191"/>
-                  </a:lnTo>
-                  <a:lnTo>
-                    <a:pt x="66" y="186"/>
-                  </a:lnTo>
-                  <a:lnTo>
-                    <a:pt x="69" y="176"/>
-                  </a:lnTo>
-                  <a:lnTo>
-                    <a:pt x="32" y="124"/>
-                  </a:lnTo>
-                  <a:lnTo>
-                    <a:pt x="58" y="85"/>
-                  </a:lnTo>
-                  <a:lnTo>
-                    <a:pt x="118" y="102"/>
-                  </a:lnTo>
-                  <a:lnTo>
-                    <a:pt x="127" y="95"/>
-                  </a:lnTo>
-                  <a:lnTo>
-                    <a:pt x="136" y="88"/>
-                  </a:lnTo>
-                  <a:lnTo>
-                    <a:pt x="146" y="81"/>
-                  </a:lnTo>
-                  <a:lnTo>
-                    <a:pt x="155" y="76"/>
-                  </a:lnTo>
-                  <a:lnTo>
-                    <a:pt x="157" y="13"/>
-                  </a:lnTo>
-                  <a:close/>
-                </a:path>
-              </a:pathLst>
-            </a:custGeom>
-            <a:solidFill>
-              <a:srgbClr val="EEF3F6"/>
-            </a:solidFill>
-            <a:ln w="6350" cap="flat" cmpd="sng">
-              <a:noFill/>
-              <a:prstDash val="solid"/>
-              <a:round/>
-              <a:headEnd type="none" w="med" len="med"/>
-              <a:tailEnd type="none" w="med" len="med"/>
-            </a:ln>
-          </p:spPr>
-          <p:txBody>
-            <a:bodyPr lIns="0" tIns="0" rIns="0" bIns="0" anchor="ctr">
-              <a:prstTxWarp prst="textArchUp">
-                <a:avLst>
-                  <a:gd name="adj" fmla="val 14000183"/>
-                </a:avLst>
-              </a:prstTxWarp>
-            </a:bodyPr>
-            <a:lstStyle/>
-            <a:p>
-              <a:pPr algn="ctr"/>
-              <a:endParaRPr lang="de-CH" sz="1600" dirty="0">
-                <a:latin typeface="+mj-lt"/>
-              </a:endParaRPr>
-            </a:p>
-          </p:txBody>
-        </p:sp>
-        <p:sp>
-          <p:nvSpPr>
-            <p:cNvPr id="55" name="Ellipse 63">
-              <a:extLst>
-                <a:ext uri="{FF2B5EF4-FFF2-40B4-BE49-F238E27FC236}">
-                  <a16:creationId xmlns:a16="http://schemas.microsoft.com/office/drawing/2014/main" id="{C48C2013-04AD-2948-BF01-F12853527E8E}"/>
-                </a:ext>
-              </a:extLst>
-            </p:cNvPr>
-            <p:cNvSpPr/>
-            <p:nvPr/>
-          </p:nvSpPr>
-          <p:spPr>
-            <a:xfrm>
-              <a:off x="6337998" y="3035642"/>
-              <a:ext cx="1048312" cy="1048312"/>
-            </a:xfrm>
-            <a:prstGeom prst="ellipse">
-              <a:avLst/>
-            </a:prstGeom>
-            <a:solidFill>
-              <a:schemeClr val="bg1"/>
-            </a:solidFill>
-            <a:ln w="6350">
-              <a:noFill/>
-            </a:ln>
-          </p:spPr>
-          <p:style>
-            <a:lnRef idx="2">
-              <a:schemeClr val="accent1">
-                <a:shade val="50000"/>
-              </a:schemeClr>
-            </a:lnRef>
-            <a:fillRef idx="1">
-              <a:schemeClr val="accent1"/>
-            </a:fillRef>
-            <a:effectRef idx="0">
-              <a:schemeClr val="accent1"/>
-            </a:effectRef>
-            <a:fontRef idx="minor">
-              <a:schemeClr val="lt1"/>
-            </a:fontRef>
-          </p:style>
-          <p:txBody>
-            <a:bodyPr rot="0" spcFirstLastPara="0" vertOverflow="overflow" horzOverflow="overflow" vert="horz" wrap="square" lIns="0" tIns="0" rIns="0" bIns="0" numCol="1" spcCol="0" rtlCol="0" fromWordArt="0" anchor="ctr" anchorCtr="0" forceAA="0" compatLnSpc="1">
-              <a:prstTxWarp prst="textNoShape">
-                <a:avLst/>
-              </a:prstTxWarp>
-              <a:noAutofit/>
-            </a:bodyPr>
-            <a:lstStyle/>
-            <a:p>
-              <a:pPr algn="ctr"/>
-              <a:r>
-                <a:rPr lang="de-CH" sz="1200" dirty="0">
-                  <a:solidFill>
-                    <a:schemeClr val="tx1"/>
-                  </a:solidFill>
-                </a:rPr>
-                <a:t>Text</a:t>
-              </a:r>
-            </a:p>
-          </p:txBody>
-        </p:sp>
-      </p:grpSp>
-      <p:sp>
-        <p:nvSpPr>
-          <p:cNvPr id="56" name="Inhaltsplatzhalter 1">
-            <a:extLst>
-              <a:ext uri="{FF2B5EF4-FFF2-40B4-BE49-F238E27FC236}">
-                <a16:creationId xmlns:a16="http://schemas.microsoft.com/office/drawing/2014/main" id="{09029945-3AFE-7E1C-A103-BDA3D6654C67}"/>
-              </a:ext>
-            </a:extLst>
-          </p:cNvPr>
-          <p:cNvSpPr txBox="1">
-            <a:spLocks/>
-          </p:cNvSpPr>
-          <p:nvPr/>
-        </p:nvSpPr>
-        <p:spPr bwMode="gray">
-          <a:xfrm>
-            <a:off x="10212221" y="3608531"/>
-            <a:ext cx="1221102" cy="441191"/>
-          </a:xfrm>
-          <a:prstGeom prst="rect">
-            <a:avLst/>
-          </a:prstGeom>
-        </p:spPr>
-        <p:txBody>
-          <a:bodyPr lIns="0" tIns="0" rIns="0" bIns="0" anchor="b"/>
-          <a:lstStyle>
-            <a:lvl1pPr marL="0" indent="0" algn="l" defTabSz="914400" rtl="0" eaLnBrk="1" latinLnBrk="0" hangingPunct="1">
-              <a:lnSpc>
-                <a:spcPct val="110000"/>
-              </a:lnSpc>
-              <a:spcBef>
-                <a:spcPts val="600"/>
-              </a:spcBef>
-              <a:spcAft>
-                <a:spcPts val="600"/>
-              </a:spcAft>
-              <a:buFont typeface="Arial" panose="020B0604020202020204" pitchFamily="34" charset="0"/>
-              <a:buNone/>
-              <a:defRPr sz="1600" b="0" kern="1200">
-                <a:solidFill>
-                  <a:schemeClr val="tx1"/>
-                </a:solidFill>
-                <a:latin typeface="+mn-lt"/>
-                <a:ea typeface="+mn-ea"/>
-                <a:cs typeface="+mn-cs"/>
-              </a:defRPr>
-            </a:lvl1pPr>
-            <a:lvl2pPr marL="180000" indent="-180000" algn="l" defTabSz="914400" rtl="0" eaLnBrk="1" latinLnBrk="0" hangingPunct="1">
-              <a:lnSpc>
-                <a:spcPct val="110000"/>
-              </a:lnSpc>
-              <a:spcBef>
-                <a:spcPts val="200"/>
-              </a:spcBef>
-              <a:spcAft>
-                <a:spcPts val="200"/>
-              </a:spcAft>
-              <a:buFont typeface="Arial" panose="020B0604020202020204" pitchFamily="34" charset="0"/>
-              <a:buChar char="•"/>
-              <a:defRPr sz="1600" kern="1200">
-                <a:solidFill>
-                  <a:schemeClr val="tx1"/>
-                </a:solidFill>
-                <a:latin typeface="+mn-lt"/>
-                <a:ea typeface="+mn-ea"/>
-                <a:cs typeface="+mn-cs"/>
-              </a:defRPr>
-            </a:lvl2pPr>
-            <a:lvl3pPr marL="360000" indent="-180000" algn="l" defTabSz="914400" rtl="0" eaLnBrk="1" latinLnBrk="0" hangingPunct="1">
-              <a:lnSpc>
-                <a:spcPct val="110000"/>
-              </a:lnSpc>
-              <a:spcBef>
-                <a:spcPts val="200"/>
-              </a:spcBef>
-              <a:spcAft>
-                <a:spcPts val="200"/>
-              </a:spcAft>
-              <a:buFont typeface="TheSans Swisscom Light" panose="020B0300040303060204" pitchFamily="34" charset="0"/>
-              <a:buChar char="−"/>
-              <a:defRPr sz="1600" kern="1200">
-                <a:solidFill>
-                  <a:schemeClr val="tx1"/>
-                </a:solidFill>
-                <a:latin typeface="+mn-lt"/>
-                <a:ea typeface="+mn-ea"/>
-                <a:cs typeface="+mn-cs"/>
-              </a:defRPr>
-            </a:lvl3pPr>
-            <a:lvl4pPr marL="540000" indent="-180000" algn="l" defTabSz="914400" rtl="0" eaLnBrk="1" latinLnBrk="0" hangingPunct="1">
-              <a:lnSpc>
-                <a:spcPct val="110000"/>
-              </a:lnSpc>
-              <a:spcBef>
-                <a:spcPts val="200"/>
-              </a:spcBef>
-              <a:spcAft>
-                <a:spcPts val="200"/>
-              </a:spcAft>
-              <a:buFont typeface="TheSans Swisscom Light" panose="020B0300040303060204" pitchFamily="34" charset="0"/>
-              <a:buChar char="−"/>
-              <a:defRPr sz="1600" kern="1200">
-                <a:solidFill>
-                  <a:schemeClr val="tx1"/>
-                </a:solidFill>
-                <a:latin typeface="+mn-lt"/>
-                <a:ea typeface="+mn-ea"/>
-                <a:cs typeface="+mn-cs"/>
-              </a:defRPr>
-            </a:lvl4pPr>
-            <a:lvl5pPr marL="540000" indent="-180000" algn="l" defTabSz="914400" rtl="0" eaLnBrk="1" latinLnBrk="0" hangingPunct="1">
-              <a:lnSpc>
-                <a:spcPct val="110000"/>
-              </a:lnSpc>
-              <a:spcBef>
-                <a:spcPts val="200"/>
-              </a:spcBef>
-              <a:spcAft>
-                <a:spcPts val="200"/>
-              </a:spcAft>
-              <a:buFont typeface="TheSans Swisscom Light" panose="020B0300040303060204" pitchFamily="34" charset="0"/>
-              <a:buChar char="−"/>
-              <a:defRPr sz="1600" kern="1200">
-                <a:solidFill>
-                  <a:schemeClr val="tx1"/>
-                </a:solidFill>
-                <a:latin typeface="+mn-lt"/>
-                <a:ea typeface="+mn-ea"/>
-                <a:cs typeface="+mn-cs"/>
-              </a:defRPr>
-            </a:lvl5pPr>
-            <a:lvl6pPr marL="540000" indent="-180000" algn="l" defTabSz="914400" rtl="0" eaLnBrk="1" latinLnBrk="0" hangingPunct="1">
-              <a:lnSpc>
-                <a:spcPct val="110000"/>
-              </a:lnSpc>
-              <a:spcBef>
-                <a:spcPts val="200"/>
-              </a:spcBef>
-              <a:spcAft>
-                <a:spcPts val="200"/>
-              </a:spcAft>
-              <a:buFont typeface="TheSans Swisscom Light" panose="020B0300040303060204" pitchFamily="34" charset="0"/>
-              <a:buChar char="−"/>
-              <a:defRPr sz="1600" kern="1200">
-                <a:solidFill>
-                  <a:schemeClr val="tx1"/>
-                </a:solidFill>
-                <a:latin typeface="+mn-lt"/>
-                <a:ea typeface="+mn-ea"/>
-                <a:cs typeface="+mn-cs"/>
-              </a:defRPr>
-            </a:lvl6pPr>
-            <a:lvl7pPr marL="540000" indent="-180000" algn="l" defTabSz="914400" rtl="0" eaLnBrk="1" latinLnBrk="0" hangingPunct="1">
-              <a:lnSpc>
-                <a:spcPct val="110000"/>
-              </a:lnSpc>
-              <a:spcBef>
-                <a:spcPts val="200"/>
-              </a:spcBef>
-              <a:spcAft>
-                <a:spcPts val="200"/>
-              </a:spcAft>
-              <a:buFont typeface="TheSans Swisscom Light" panose="020B0300040303060204" pitchFamily="34" charset="0"/>
-              <a:buChar char="−"/>
-              <a:defRPr sz="1600" kern="1200">
-                <a:solidFill>
-                  <a:schemeClr val="tx1"/>
-                </a:solidFill>
-                <a:latin typeface="+mn-lt"/>
-                <a:ea typeface="+mn-ea"/>
-                <a:cs typeface="+mn-cs"/>
-              </a:defRPr>
-            </a:lvl7pPr>
-            <a:lvl8pPr marL="540000" indent="-180000" algn="l" defTabSz="914400" rtl="0" eaLnBrk="1" latinLnBrk="0" hangingPunct="1">
-              <a:lnSpc>
-                <a:spcPct val="110000"/>
-              </a:lnSpc>
-              <a:spcBef>
-                <a:spcPts val="200"/>
-              </a:spcBef>
-              <a:spcAft>
-                <a:spcPts val="200"/>
-              </a:spcAft>
-              <a:buFont typeface="TheSans Swisscom Light" panose="020B0300040303060204" pitchFamily="34" charset="0"/>
-              <a:buChar char="−"/>
-              <a:defRPr sz="1600" kern="1200">
-                <a:solidFill>
-                  <a:schemeClr val="tx1"/>
-                </a:solidFill>
-                <a:latin typeface="+mn-lt"/>
-                <a:ea typeface="+mn-ea"/>
-                <a:cs typeface="+mn-cs"/>
-              </a:defRPr>
-            </a:lvl8pPr>
-            <a:lvl9pPr marL="540000" indent="-180000" algn="l" defTabSz="914400" rtl="0" eaLnBrk="1" latinLnBrk="0" hangingPunct="1">
-              <a:lnSpc>
-                <a:spcPct val="110000"/>
-              </a:lnSpc>
-              <a:spcBef>
-                <a:spcPts val="200"/>
-              </a:spcBef>
-              <a:spcAft>
-                <a:spcPts val="200"/>
-              </a:spcAft>
-              <a:buFont typeface="TheSans Swisscom Light" panose="020B0300040303060204" pitchFamily="34" charset="0"/>
-              <a:buChar char="−"/>
-              <a:defRPr sz="1600" kern="1200">
-                <a:solidFill>
-                  <a:schemeClr val="tx1"/>
-                </a:solidFill>
-                <a:latin typeface="+mn-lt"/>
-                <a:ea typeface="+mn-ea"/>
-                <a:cs typeface="+mn-cs"/>
-              </a:defRPr>
-            </a:lvl9pPr>
-          </a:lstStyle>
-          <a:p>
-            <a:pPr algn="ctr">
-              <a:spcAft>
-                <a:spcPts val="0"/>
-              </a:spcAft>
-            </a:pPr>
-            <a:r>
-              <a:rPr lang="en-US" sz="1400" b="1" dirty="0" err="1"/>
-              <a:t>Ciena</a:t>
-            </a:r>
-            <a:endParaRPr lang="en-US" sz="1400" b="1" dirty="0"/>
-          </a:p>
-          <a:p>
-            <a:pPr algn="ctr"/>
-            <a:r>
-              <a:rPr lang="en-US" sz="1000" b="1" dirty="0" err="1"/>
-              <a:t>Blueplanet</a:t>
-            </a:r>
-            <a:endParaRPr lang="de-CH" sz="1000" b="1" dirty="0"/>
-          </a:p>
-        </p:txBody>
-      </p:sp>
-      <p:pic>
-        <p:nvPicPr>
-          <p:cNvPr id="60" name="Picture 59" descr="A blue circle with white letters&#10;&#10;Description automatically generated">
-            <a:extLst>
-              <a:ext uri="{FF2B5EF4-FFF2-40B4-BE49-F238E27FC236}">
-                <a16:creationId xmlns:a16="http://schemas.microsoft.com/office/drawing/2014/main" id="{4755309F-4AB7-B7AE-1EBC-631DA2DAB40D}"/>
-              </a:ext>
-            </a:extLst>
-          </p:cNvPr>
-          <p:cNvPicPr>
-            <a:picLocks noChangeAspect="1"/>
-          </p:cNvPicPr>
-          <p:nvPr/>
-        </p:nvPicPr>
-        <p:blipFill>
-          <a:blip r:embed="rId23">
-            <a:extLst>
-              <a:ext uri="{28A0092B-C50C-407E-A947-70E740481C1C}">
-                <a14:useLocalDpi xmlns:a14="http://schemas.microsoft.com/office/drawing/2010/main" val="0"/>
-              </a:ext>
-            </a:extLst>
-          </a:blip>
-          <a:stretch>
-            <a:fillRect/>
-          </a:stretch>
-        </p:blipFill>
-        <p:spPr>
-          <a:xfrm>
-            <a:off x="10409219" y="2344579"/>
-            <a:ext cx="682528" cy="682528"/>
           </a:xfrm>
           <a:prstGeom prst="rect">
             <a:avLst/>
@@ -39968,12 +38858,6 @@
 </file>
 
 <file path=ppt/tags/tag10.xml><?xml version="1.0" encoding="utf-8"?>
-<p:tagLst xmlns:a="http://schemas.openxmlformats.org/drawingml/2006/main" xmlns:r="http://schemas.openxmlformats.org/officeDocument/2006/relationships" xmlns:p="http://schemas.openxmlformats.org/presentationml/2006/main">
-  <p:tag name="THINKCELLSHAPEDONOTDELETE" val="pjGcJmkHy1kuiBkQ4fGsf3A"/>
-</p:tagLst>
-</file>
-
-<file path=ppt/tags/tag11.xml><?xml version="1.0" encoding="utf-8"?>
 <p:tagLst xmlns:a="http://schemas.openxmlformats.org/drawingml/2006/main" xmlns:r="http://schemas.openxmlformats.org/officeDocument/2006/relationships" xmlns:p="http://schemas.openxmlformats.org/presentationml/2006/main">
   <p:tag name="THINKCELLSHAPEDONOTDELETE" val="pjGcJmkHy1kuiBkQ4fGsf3A"/>
 </p:tagLst>
